--- a/report/Object-Detection-for-Shopee-Data.pptx
+++ b/report/Object-Detection-for-Shopee-Data.pptx
@@ -22,6 +22,7 @@
     <p:sldId id="267" r:id="rId16"/>
     <p:sldId id="268" r:id="rId17"/>
     <p:sldId id="269" r:id="rId18"/>
+    <p:sldId id="270" r:id="rId19"/>
   </p:sldIdLst>
   <p:sldSz cy="5143500" cx="9144000"/>
   <p:notesSz cx="6858000" cy="9144000"/>
@@ -723,7 +724,7 @@
   <p:cSld>
     <p:spTree>
       <p:nvGrpSpPr>
-        <p:cNvPr id="192" name="Shape 192"/>
+        <p:cNvPr id="190" name="Shape 190"/>
         <p:cNvGrpSpPr/>
         <p:nvPr/>
       </p:nvGrpSpPr>
@@ -737,7 +738,7 @@
       </p:grpSpPr>
       <p:sp>
         <p:nvSpPr>
-          <p:cNvPr id="193" name="Shape 193"/>
+          <p:cNvPr id="191" name="Shape 191"/>
           <p:cNvSpPr/>
           <p:nvPr>
             <p:ph idx="2" type="sldImg"/>
@@ -771,7 +772,7 @@
       </p:sp>
       <p:sp>
         <p:nvSpPr>
-          <p:cNvPr id="194" name="Shape 194"/>
+          <p:cNvPr id="192" name="Shape 192"/>
           <p:cNvSpPr txBox="1"/>
           <p:nvPr>
             <p:ph idx="1" type="body"/>
@@ -821,7 +822,7 @@
   <p:cSld>
     <p:spTree>
       <p:nvGrpSpPr>
-        <p:cNvPr id="198" name="Shape 198"/>
+        <p:cNvPr id="202" name="Shape 202"/>
         <p:cNvGrpSpPr/>
         <p:nvPr/>
       </p:nvGrpSpPr>
@@ -835,7 +836,7 @@
       </p:grpSpPr>
       <p:sp>
         <p:nvSpPr>
-          <p:cNvPr id="199" name="Shape 199"/>
+          <p:cNvPr id="203" name="Shape 203"/>
           <p:cNvSpPr/>
           <p:nvPr>
             <p:ph idx="2" type="sldImg"/>
@@ -869,7 +870,7 @@
       </p:sp>
       <p:sp>
         <p:nvSpPr>
-          <p:cNvPr id="200" name="Shape 200"/>
+          <p:cNvPr id="204" name="Shape 204"/>
           <p:cNvSpPr txBox="1"/>
           <p:nvPr>
             <p:ph idx="1" type="body"/>
@@ -919,7 +920,7 @@
   <p:cSld>
     <p:spTree>
       <p:nvGrpSpPr>
-        <p:cNvPr id="203" name="Shape 203"/>
+        <p:cNvPr id="208" name="Shape 208"/>
         <p:cNvGrpSpPr/>
         <p:nvPr/>
       </p:nvGrpSpPr>
@@ -933,7 +934,7 @@
       </p:grpSpPr>
       <p:sp>
         <p:nvSpPr>
-          <p:cNvPr id="204" name="Shape 204"/>
+          <p:cNvPr id="209" name="Shape 209"/>
           <p:cNvSpPr/>
           <p:nvPr>
             <p:ph idx="2" type="sldImg"/>
@@ -967,7 +968,105 @@
       </p:sp>
       <p:sp>
         <p:nvSpPr>
-          <p:cNvPr id="205" name="Shape 205"/>
+          <p:cNvPr id="210" name="Shape 210"/>
+          <p:cNvSpPr txBox="1"/>
+          <p:nvPr>
+            <p:ph idx="1" type="body"/>
+          </p:nvPr>
+        </p:nvSpPr>
+        <p:spPr>
+          <a:xfrm>
+            <a:off x="685800" y="4343400"/>
+            <a:ext cx="5486400" cy="4114800"/>
+          </a:xfrm>
+          <a:prstGeom prst="rect">
+            <a:avLst/>
+          </a:prstGeom>
+        </p:spPr>
+        <p:txBody>
+          <a:bodyPr anchorCtr="0" anchor="t" bIns="91425" lIns="91425" spcFirstLastPara="1" rIns="91425" wrap="square" tIns="91425">
+            <a:noAutofit/>
+          </a:bodyPr>
+          <a:lstStyle/>
+          <a:p>
+            <a:pPr indent="0" lvl="0" marL="0">
+              <a:spcBef>
+                <a:spcPts val="0"/>
+              </a:spcBef>
+              <a:spcAft>
+                <a:spcPts val="0"/>
+              </a:spcAft>
+              <a:buNone/>
+            </a:pPr>
+            <a:r>
+              <a:t/>
+            </a:r>
+            <a:endParaRPr/>
+          </a:p>
+        </p:txBody>
+      </p:sp>
+    </p:spTree>
+  </p:cSld>
+  <p:clrMapOvr>
+    <a:masterClrMapping/>
+  </p:clrMapOvr>
+</p:notes>
+</file>
+
+<file path=ppt/notesSlides/notesSlide15.xml><?xml version="1.0" encoding="utf-8"?>
+<p:notes xmlns:a="http://schemas.openxmlformats.org/drawingml/2006/main" xmlns:r="http://schemas.openxmlformats.org/officeDocument/2006/relationships" xmlns:mc="http://schemas.openxmlformats.org/markup-compatibility/2006" xmlns:mv="urn:schemas-microsoft-com:mac:vml" xmlns:p="http://schemas.openxmlformats.org/presentationml/2006/main" xmlns:c="http://schemas.openxmlformats.org/drawingml/2006/chart" xmlns:dgm="http://schemas.openxmlformats.org/drawingml/2006/diagram" xmlns:o="urn:schemas-microsoft-com:office:office" xmlns:v="urn:schemas-microsoft-com:vml" xmlns:pvml="urn:schemas-microsoft-com:office:powerpoint" xmlns:com="http://schemas.openxmlformats.org/drawingml/2006/compatibility" xmlns:p14="http://schemas.microsoft.com/office/powerpoint/2010/main" xmlns:p15="http://schemas.microsoft.com/office/powerpoint/2012/main" showMasterPhAnim="0" showMasterSp="0">
+  <p:cSld>
+    <p:spTree>
+      <p:nvGrpSpPr>
+        <p:cNvPr id="213" name="Shape 213"/>
+        <p:cNvGrpSpPr/>
+        <p:nvPr/>
+      </p:nvGrpSpPr>
+      <p:grpSpPr>
+        <a:xfrm>
+          <a:off x="0" y="0"/>
+          <a:ext cx="0" cy="0"/>
+          <a:chOff x="0" y="0"/>
+          <a:chExt cx="0" cy="0"/>
+        </a:xfrm>
+      </p:grpSpPr>
+      <p:sp>
+        <p:nvSpPr>
+          <p:cNvPr id="214" name="Shape 214"/>
+          <p:cNvSpPr/>
+          <p:nvPr>
+            <p:ph idx="2" type="sldImg"/>
+          </p:nvPr>
+        </p:nvSpPr>
+        <p:spPr>
+          <a:xfrm>
+            <a:off x="381300" y="685800"/>
+            <a:ext cx="6096000" cy="3429000"/>
+          </a:xfrm>
+          <a:custGeom>
+            <a:pathLst>
+              <a:path extrusionOk="0" h="120000" w="120000">
+                <a:moveTo>
+                  <a:pt x="0" y="0"/>
+                </a:moveTo>
+                <a:lnTo>
+                  <a:pt x="120000" y="0"/>
+                </a:lnTo>
+                <a:lnTo>
+                  <a:pt x="120000" y="120000"/>
+                </a:lnTo>
+                <a:lnTo>
+                  <a:pt x="0" y="120000"/>
+                </a:lnTo>
+                <a:close/>
+              </a:path>
+            </a:pathLst>
+          </a:custGeom>
+        </p:spPr>
+      </p:sp>
+      <p:sp>
+        <p:nvSpPr>
+          <p:cNvPr id="215" name="Shape 215"/>
           <p:cNvSpPr txBox="1"/>
           <p:nvPr>
             <p:ph idx="1" type="body"/>
@@ -6774,6 +6873,441 @@
         </p:nvSpPr>
         <p:spPr>
           <a:xfrm>
+            <a:off x="5291275" y="2021900"/>
+            <a:ext cx="3629700" cy="2752800"/>
+          </a:xfrm>
+          <a:prstGeom prst="rect">
+            <a:avLst/>
+          </a:prstGeom>
+        </p:spPr>
+        <p:txBody>
+          <a:bodyPr anchorCtr="0" anchor="t" bIns="91425" lIns="91425" spcFirstLastPara="1" rIns="91425" wrap="square" tIns="91425">
+            <a:noAutofit/>
+          </a:bodyPr>
+          <a:lstStyle/>
+          <a:p>
+            <a:pPr indent="0" lvl="0" marL="0">
+              <a:spcBef>
+                <a:spcPts val="0"/>
+              </a:spcBef>
+              <a:spcAft>
+                <a:spcPts val="0"/>
+              </a:spcAft>
+              <a:buNone/>
+            </a:pPr>
+            <a:r>
+              <a:rPr b="1" lang="zh-CN" sz="1400"/>
+              <a:t>Classifier accuracy for bounding boxes from RPN: 0.7541             </a:t>
+            </a:r>
+            <a:endParaRPr b="1" sz="1400"/>
+          </a:p>
+          <a:p>
+            <a:pPr indent="0" lvl="0" marL="0">
+              <a:spcBef>
+                <a:spcPts val="1600"/>
+              </a:spcBef>
+              <a:spcAft>
+                <a:spcPts val="0"/>
+              </a:spcAft>
+              <a:buNone/>
+            </a:pPr>
+            <a:r>
+              <a:rPr b="1" lang="zh-CN" sz="1400"/>
+              <a:t>Loss RPN classifier: 0.0355</a:t>
+            </a:r>
+            <a:endParaRPr b="1" sz="1400"/>
+          </a:p>
+          <a:p>
+            <a:pPr indent="0" lvl="0" marL="0">
+              <a:spcBef>
+                <a:spcPts val="1600"/>
+              </a:spcBef>
+              <a:spcAft>
+                <a:spcPts val="0"/>
+              </a:spcAft>
+              <a:buNone/>
+            </a:pPr>
+            <a:r>
+              <a:rPr b="1" lang="zh-CN" sz="1400"/>
+              <a:t>Loss RPN regression:  0.0618             </a:t>
+            </a:r>
+            <a:endParaRPr b="1" sz="1400"/>
+          </a:p>
+          <a:p>
+            <a:pPr indent="0" lvl="0" marL="0">
+              <a:spcBef>
+                <a:spcPts val="1600"/>
+              </a:spcBef>
+              <a:spcAft>
+                <a:spcPts val="0"/>
+              </a:spcAft>
+              <a:buNone/>
+            </a:pPr>
+            <a:r>
+              <a:rPr b="1" lang="zh-CN" sz="1400"/>
+              <a:t>Loss Detector classifier: 0.6523       </a:t>
+            </a:r>
+            <a:endParaRPr b="1" sz="1400"/>
+          </a:p>
+          <a:p>
+            <a:pPr indent="0" lvl="0" marL="0">
+              <a:spcBef>
+                <a:spcPts val="1600"/>
+              </a:spcBef>
+              <a:spcAft>
+                <a:spcPts val="1600"/>
+              </a:spcAft>
+              <a:buNone/>
+            </a:pPr>
+            <a:r>
+              <a:rPr b="1" lang="zh-CN" sz="1400"/>
+              <a:t>Loss Detector regression: 0.0869</a:t>
+            </a:r>
+            <a:endParaRPr b="1" sz="1400"/>
+          </a:p>
+        </p:txBody>
+      </p:sp>
+      <p:sp>
+        <p:nvSpPr>
+          <p:cNvPr id="186" name="Shape 186"/>
+          <p:cNvSpPr txBox="1"/>
+          <p:nvPr/>
+        </p:nvSpPr>
+        <p:spPr>
+          <a:xfrm>
+            <a:off x="478150" y="1209025"/>
+            <a:ext cx="8319600" cy="375600"/>
+          </a:xfrm>
+          <a:prstGeom prst="rect">
+            <a:avLst/>
+          </a:prstGeom>
+          <a:noFill/>
+          <a:ln>
+            <a:noFill/>
+          </a:ln>
+        </p:spPr>
+        <p:txBody>
+          <a:bodyPr anchorCtr="0" anchor="t" bIns="91425" lIns="91425" spcFirstLastPara="1" rIns="91425" wrap="square" tIns="91425">
+            <a:noAutofit/>
+          </a:bodyPr>
+          <a:lstStyle/>
+          <a:p>
+            <a:pPr indent="0" lvl="0" marL="0">
+              <a:spcBef>
+                <a:spcPts val="0"/>
+              </a:spcBef>
+              <a:spcAft>
+                <a:spcPts val="0"/>
+              </a:spcAft>
+              <a:buNone/>
+            </a:pPr>
+            <a:r>
+              <a:rPr lang="zh-CN"/>
+              <a:t>Applied first 2000 samples for test. 15000 are training samples. 5000 are test samples </a:t>
+            </a:r>
+            <a:endParaRPr/>
+          </a:p>
+        </p:txBody>
+      </p:sp>
+      <p:sp>
+        <p:nvSpPr>
+          <p:cNvPr id="187" name="Shape 187"/>
+          <p:cNvSpPr txBox="1"/>
+          <p:nvPr>
+            <p:ph idx="1" type="body"/>
+          </p:nvPr>
+        </p:nvSpPr>
+        <p:spPr>
+          <a:xfrm>
+            <a:off x="723675" y="2021900"/>
+            <a:ext cx="3629700" cy="2752800"/>
+          </a:xfrm>
+          <a:prstGeom prst="rect">
+            <a:avLst/>
+          </a:prstGeom>
+        </p:spPr>
+        <p:txBody>
+          <a:bodyPr anchorCtr="0" anchor="t" bIns="91425" lIns="91425" spcFirstLastPara="1" rIns="91425" wrap="square" tIns="91425">
+            <a:noAutofit/>
+          </a:bodyPr>
+          <a:lstStyle/>
+          <a:p>
+            <a:pPr indent="0" lvl="0" marL="0" rtl="0">
+              <a:spcBef>
+                <a:spcPts val="0"/>
+              </a:spcBef>
+              <a:spcAft>
+                <a:spcPts val="0"/>
+              </a:spcAft>
+              <a:buNone/>
+            </a:pPr>
+            <a:r>
+              <a:rPr b="1" lang="zh-CN" sz="1400"/>
+              <a:t>Classifier accuracy for bounding boxes from RPN: </a:t>
+            </a:r>
+            <a:r>
+              <a:rPr b="1" lang="zh-CN" sz="1400"/>
+              <a:t>0.7626</a:t>
+            </a:r>
+            <a:r>
+              <a:rPr b="1" lang="zh-CN" sz="1400"/>
+              <a:t>             </a:t>
+            </a:r>
+            <a:endParaRPr b="1" sz="1400"/>
+          </a:p>
+          <a:p>
+            <a:pPr indent="0" lvl="0" marL="0" rtl="0">
+              <a:spcBef>
+                <a:spcPts val="1600"/>
+              </a:spcBef>
+              <a:spcAft>
+                <a:spcPts val="0"/>
+              </a:spcAft>
+              <a:buNone/>
+            </a:pPr>
+            <a:r>
+              <a:rPr b="1" lang="zh-CN" sz="1400"/>
+              <a:t>Loss RPN classifier: </a:t>
+            </a:r>
+            <a:r>
+              <a:rPr b="1" lang="zh-CN" sz="1400"/>
+              <a:t>0.0279</a:t>
+            </a:r>
+            <a:endParaRPr b="1" sz="1400"/>
+          </a:p>
+          <a:p>
+            <a:pPr indent="0" lvl="0" marL="0" rtl="0">
+              <a:spcBef>
+                <a:spcPts val="1600"/>
+              </a:spcBef>
+              <a:spcAft>
+                <a:spcPts val="0"/>
+              </a:spcAft>
+              <a:buNone/>
+            </a:pPr>
+            <a:r>
+              <a:rPr b="1" lang="zh-CN" sz="1400"/>
+              <a:t>Loss RPN regression:  </a:t>
+            </a:r>
+            <a:r>
+              <a:rPr b="1" lang="zh-CN" sz="1400"/>
+              <a:t> 0.0599</a:t>
+            </a:r>
+            <a:r>
+              <a:rPr b="1" lang="zh-CN" sz="1400"/>
+              <a:t>             </a:t>
+            </a:r>
+            <a:endParaRPr b="1" sz="1400"/>
+          </a:p>
+          <a:p>
+            <a:pPr indent="0" lvl="0" marL="0" rtl="0">
+              <a:spcBef>
+                <a:spcPts val="1600"/>
+              </a:spcBef>
+              <a:spcAft>
+                <a:spcPts val="0"/>
+              </a:spcAft>
+              <a:buNone/>
+            </a:pPr>
+            <a:r>
+              <a:rPr b="1" lang="zh-CN" sz="1400"/>
+              <a:t>Loss Detector classifier: </a:t>
+            </a:r>
+            <a:r>
+              <a:rPr b="1" lang="zh-CN" sz="1400"/>
+              <a:t>0.6196</a:t>
+            </a:r>
+            <a:r>
+              <a:rPr b="1" lang="zh-CN" sz="1400"/>
+              <a:t>           </a:t>
+            </a:r>
+            <a:endParaRPr b="1" sz="1400"/>
+          </a:p>
+          <a:p>
+            <a:pPr indent="0" lvl="0" marL="0" rtl="0">
+              <a:spcBef>
+                <a:spcPts val="1600"/>
+              </a:spcBef>
+              <a:spcAft>
+                <a:spcPts val="1600"/>
+              </a:spcAft>
+              <a:buNone/>
+            </a:pPr>
+            <a:r>
+              <a:rPr b="1" lang="zh-CN" sz="1400"/>
+              <a:t>Loss Detector regression: </a:t>
+            </a:r>
+            <a:r>
+              <a:rPr b="1" lang="zh-CN" sz="1400"/>
+              <a:t>0.08338</a:t>
+            </a:r>
+            <a:endParaRPr b="1" sz="1400"/>
+          </a:p>
+        </p:txBody>
+      </p:sp>
+      <p:sp>
+        <p:nvSpPr>
+          <p:cNvPr id="188" name="Shape 188"/>
+          <p:cNvSpPr txBox="1"/>
+          <p:nvPr/>
+        </p:nvSpPr>
+        <p:spPr>
+          <a:xfrm>
+            <a:off x="5291275" y="1704250"/>
+            <a:ext cx="963000" cy="198000"/>
+          </a:xfrm>
+          <a:prstGeom prst="rect">
+            <a:avLst/>
+          </a:prstGeom>
+          <a:noFill/>
+          <a:ln>
+            <a:noFill/>
+          </a:ln>
+        </p:spPr>
+        <p:txBody>
+          <a:bodyPr anchorCtr="0" anchor="ctr" bIns="91425" lIns="91425" spcFirstLastPara="1" rIns="91425" wrap="square" tIns="91425">
+            <a:noAutofit/>
+          </a:bodyPr>
+          <a:lstStyle/>
+          <a:p>
+            <a:pPr indent="0" lvl="0" marL="0">
+              <a:spcBef>
+                <a:spcPts val="0"/>
+              </a:spcBef>
+              <a:spcAft>
+                <a:spcPts val="0"/>
+              </a:spcAft>
+              <a:buNone/>
+            </a:pPr>
+            <a:r>
+              <a:rPr lang="zh-CN"/>
+              <a:t>Test:</a:t>
+            </a:r>
+            <a:endParaRPr/>
+          </a:p>
+        </p:txBody>
+      </p:sp>
+      <p:sp>
+        <p:nvSpPr>
+          <p:cNvPr id="189" name="Shape 189"/>
+          <p:cNvSpPr txBox="1"/>
+          <p:nvPr/>
+        </p:nvSpPr>
+        <p:spPr>
+          <a:xfrm>
+            <a:off x="832975" y="1704263"/>
+            <a:ext cx="963000" cy="198000"/>
+          </a:xfrm>
+          <a:prstGeom prst="rect">
+            <a:avLst/>
+          </a:prstGeom>
+          <a:noFill/>
+          <a:ln>
+            <a:noFill/>
+          </a:ln>
+        </p:spPr>
+        <p:txBody>
+          <a:bodyPr anchorCtr="0" anchor="ctr" bIns="91425" lIns="91425" spcFirstLastPara="1" rIns="91425" wrap="square" tIns="91425">
+            <a:noAutofit/>
+          </a:bodyPr>
+          <a:lstStyle/>
+          <a:p>
+            <a:pPr indent="0" lvl="0" marL="0" rtl="0">
+              <a:spcBef>
+                <a:spcPts val="0"/>
+              </a:spcBef>
+              <a:spcAft>
+                <a:spcPts val="0"/>
+              </a:spcAft>
+              <a:buNone/>
+            </a:pPr>
+            <a:r>
+              <a:rPr lang="zh-CN"/>
+              <a:t>train</a:t>
+            </a:r>
+            <a:r>
+              <a:rPr lang="zh-CN"/>
+              <a:t>:</a:t>
+            </a:r>
+            <a:endParaRPr/>
+          </a:p>
+        </p:txBody>
+      </p:sp>
+    </p:spTree>
+  </p:cSld>
+  <p:clrMapOvr>
+    <a:masterClrMapping/>
+  </p:clrMapOvr>
+</p:sld>
+</file>
+
+<file path=ppt/slides/slide12.xml><?xml version="1.0" encoding="utf-8"?>
+<p:sld xmlns:a="http://schemas.openxmlformats.org/drawingml/2006/main" xmlns:r="http://schemas.openxmlformats.org/officeDocument/2006/relationships" xmlns:mc="http://schemas.openxmlformats.org/markup-compatibility/2006" xmlns:mv="urn:schemas-microsoft-com:mac:vml" xmlns:p="http://schemas.openxmlformats.org/presentationml/2006/main" xmlns:c="http://schemas.openxmlformats.org/drawingml/2006/chart" xmlns:dgm="http://schemas.openxmlformats.org/drawingml/2006/diagram" xmlns:o="urn:schemas-microsoft-com:office:office" xmlns:v="urn:schemas-microsoft-com:vml" xmlns:pvml="urn:schemas-microsoft-com:office:powerpoint" xmlns:com="http://schemas.openxmlformats.org/drawingml/2006/compatibility" xmlns:p14="http://schemas.microsoft.com/office/powerpoint/2010/main" xmlns:p15="http://schemas.microsoft.com/office/powerpoint/2012/main">
+  <p:cSld>
+    <p:spTree>
+      <p:nvGrpSpPr>
+        <p:cNvPr id="193" name="Shape 193"/>
+        <p:cNvGrpSpPr/>
+        <p:nvPr/>
+      </p:nvGrpSpPr>
+      <p:grpSpPr>
+        <a:xfrm>
+          <a:off x="0" y="0"/>
+          <a:ext cx="0" cy="0"/>
+          <a:chOff x="0" y="0"/>
+          <a:chExt cx="0" cy="0"/>
+        </a:xfrm>
+      </p:grpSpPr>
+      <p:sp>
+        <p:nvSpPr>
+          <p:cNvPr id="194" name="Shape 194"/>
+          <p:cNvSpPr txBox="1"/>
+          <p:nvPr>
+            <p:ph type="title"/>
+          </p:nvPr>
+        </p:nvSpPr>
+        <p:spPr>
+          <a:xfrm>
+            <a:off x="311700" y="445025"/>
+            <a:ext cx="8520600" cy="572700"/>
+          </a:xfrm>
+          <a:prstGeom prst="rect">
+            <a:avLst/>
+          </a:prstGeom>
+        </p:spPr>
+        <p:txBody>
+          <a:bodyPr anchorCtr="0" anchor="t" bIns="91425" lIns="91425" spcFirstLastPara="1" rIns="91425" wrap="square" tIns="91425">
+            <a:noAutofit/>
+          </a:bodyPr>
+          <a:lstStyle/>
+          <a:p>
+            <a:pPr indent="0" lvl="0" marL="0">
+              <a:spcBef>
+                <a:spcPts val="0"/>
+              </a:spcBef>
+              <a:spcAft>
+                <a:spcPts val="0"/>
+              </a:spcAft>
+              <a:buNone/>
+            </a:pPr>
+            <a:r>
+              <a:rPr lang="zh-CN"/>
+              <a:t>Results</a:t>
+            </a:r>
+            <a:endParaRPr/>
+          </a:p>
+        </p:txBody>
+      </p:sp>
+      <p:sp>
+        <p:nvSpPr>
+          <p:cNvPr id="195" name="Shape 195"/>
+          <p:cNvSpPr txBox="1"/>
+          <p:nvPr>
+            <p:ph idx="1" type="body"/>
+          </p:nvPr>
+        </p:nvSpPr>
+        <p:spPr>
+          <a:xfrm>
             <a:off x="311700" y="1152475"/>
             <a:ext cx="8520600" cy="3416400"/>
           </a:xfrm>
@@ -6805,7 +7339,7 @@
       </p:sp>
       <p:pic>
         <p:nvPicPr>
-          <p:cNvPr id="186" name="Shape 186"/>
+          <p:cNvPr id="196" name="Shape 196"/>
           <p:cNvPicPr preferRelativeResize="0"/>
           <p:nvPr/>
         </p:nvPicPr>
@@ -6833,7 +7367,7 @@
       </p:pic>
       <p:pic>
         <p:nvPicPr>
-          <p:cNvPr id="187" name="Shape 187"/>
+          <p:cNvPr id="197" name="Shape 197"/>
           <p:cNvPicPr preferRelativeResize="0"/>
           <p:nvPr/>
         </p:nvPicPr>
@@ -6861,7 +7395,7 @@
       </p:pic>
       <p:pic>
         <p:nvPicPr>
-          <p:cNvPr id="188" name="Shape 188"/>
+          <p:cNvPr id="198" name="Shape 198"/>
           <p:cNvPicPr preferRelativeResize="0"/>
           <p:nvPr/>
         </p:nvPicPr>
@@ -6889,7 +7423,7 @@
       </p:pic>
       <p:pic>
         <p:nvPicPr>
-          <p:cNvPr id="189" name="Shape 189"/>
+          <p:cNvPr id="199" name="Shape 199"/>
           <p:cNvPicPr preferRelativeResize="0"/>
           <p:nvPr/>
         </p:nvPicPr>
@@ -6917,7 +7451,7 @@
       </p:pic>
       <p:pic>
         <p:nvPicPr>
-          <p:cNvPr id="190" name="Shape 190"/>
+          <p:cNvPr id="200" name="Shape 200"/>
           <p:cNvPicPr preferRelativeResize="0"/>
           <p:nvPr/>
         </p:nvPicPr>
@@ -6945,7 +7479,7 @@
       </p:pic>
       <p:pic>
         <p:nvPicPr>
-          <p:cNvPr id="191" name="Shape 191"/>
+          <p:cNvPr id="201" name="Shape 201"/>
           <p:cNvPicPr preferRelativeResize="0"/>
           <p:nvPr/>
         </p:nvPicPr>
@@ -6979,12 +7513,12 @@
 </p:sld>
 </file>
 
-<file path=ppt/slides/slide12.xml><?xml version="1.0" encoding="utf-8"?>
+<file path=ppt/slides/slide13.xml><?xml version="1.0" encoding="utf-8"?>
 <p:sld xmlns:a="http://schemas.openxmlformats.org/drawingml/2006/main" xmlns:r="http://schemas.openxmlformats.org/officeDocument/2006/relationships" xmlns:mc="http://schemas.openxmlformats.org/markup-compatibility/2006" xmlns:mv="urn:schemas-microsoft-com:mac:vml" xmlns:p="http://schemas.openxmlformats.org/presentationml/2006/main" xmlns:c="http://schemas.openxmlformats.org/drawingml/2006/chart" xmlns:dgm="http://schemas.openxmlformats.org/drawingml/2006/diagram" xmlns:o="urn:schemas-microsoft-com:office:office" xmlns:v="urn:schemas-microsoft-com:vml" xmlns:pvml="urn:schemas-microsoft-com:office:powerpoint" xmlns:com="http://schemas.openxmlformats.org/drawingml/2006/compatibility" xmlns:p14="http://schemas.microsoft.com/office/powerpoint/2010/main" xmlns:p15="http://schemas.microsoft.com/office/powerpoint/2012/main">
   <p:cSld>
     <p:spTree>
       <p:nvGrpSpPr>
-        <p:cNvPr id="195" name="Shape 195"/>
+        <p:cNvPr id="205" name="Shape 205"/>
         <p:cNvGrpSpPr/>
         <p:nvPr/>
       </p:nvGrpSpPr>
@@ -6998,7 +7532,7 @@
       </p:grpSpPr>
       <p:sp>
         <p:nvSpPr>
-          <p:cNvPr id="196" name="Shape 196"/>
+          <p:cNvPr id="206" name="Shape 206"/>
           <p:cNvSpPr txBox="1"/>
           <p:nvPr>
             <p:ph type="title"/>
@@ -7038,7 +7572,7 @@
       </p:sp>
       <p:sp>
         <p:nvSpPr>
-          <p:cNvPr id="197" name="Shape 197"/>
+          <p:cNvPr id="207" name="Shape 207"/>
           <p:cNvSpPr txBox="1"/>
           <p:nvPr>
             <p:ph idx="1" type="body"/>
@@ -7134,7 +7668,7 @@
             </a:pPr>
             <a:r>
               <a:rPr lang="zh-CN"/>
-              <a:t>The implementation will handle image input with different size as Fast R-CNN and SPP-net,  it is difficult to train on batch, since each input image size is different. Keras may not be able to handle input tensor with different sizes. (Correct me if it can!!) It is also one reason for the </a:t>
+              <a:t>The implementation will handle image input with different size as Fast R-CNN and SPP-net,  it is difficult to train on batch, since each input image size is different. Keras may not be able to handle input tensor with different sizes. (Correct me if it can!!) It is also one reason for the long time training</a:t>
             </a:r>
             <a:endParaRPr/>
           </a:p>
@@ -7151,7 +7685,7 @@
             </a:pPr>
             <a:r>
               <a:rPr lang="zh-CN"/>
-              <a:t>Since so far the training is not so complete, it is difficult to judge the final model. But some output from shopee data can give some straightforward and intuitive result based on the trained model.</a:t>
+              <a:t>Since so far the training is not so complete, it is difficult to judge the final model. But some output from shopee data can give some straightforward and intuitive judgement on the trained model.</a:t>
             </a:r>
             <a:endParaRPr/>
           </a:p>
@@ -7182,12 +7716,12 @@
 </p:sld>
 </file>
 
-<file path=ppt/slides/slide13.xml><?xml version="1.0" encoding="utf-8"?>
+<file path=ppt/slides/slide14.xml><?xml version="1.0" encoding="utf-8"?>
 <p:sld xmlns:a="http://schemas.openxmlformats.org/drawingml/2006/main" xmlns:r="http://schemas.openxmlformats.org/officeDocument/2006/relationships" xmlns:mc="http://schemas.openxmlformats.org/markup-compatibility/2006" xmlns:mv="urn:schemas-microsoft-com:mac:vml" xmlns:p="http://schemas.openxmlformats.org/presentationml/2006/main" xmlns:c="http://schemas.openxmlformats.org/drawingml/2006/chart" xmlns:dgm="http://schemas.openxmlformats.org/drawingml/2006/diagram" xmlns:o="urn:schemas-microsoft-com:office:office" xmlns:v="urn:schemas-microsoft-com:vml" xmlns:pvml="urn:schemas-microsoft-com:office:powerpoint" xmlns:com="http://schemas.openxmlformats.org/drawingml/2006/compatibility" xmlns:p14="http://schemas.microsoft.com/office/powerpoint/2010/main" xmlns:p15="http://schemas.microsoft.com/office/powerpoint/2012/main">
   <p:cSld>
     <p:spTree>
       <p:nvGrpSpPr>
-        <p:cNvPr id="201" name="Shape 201"/>
+        <p:cNvPr id="211" name="Shape 211"/>
         <p:cNvGrpSpPr/>
         <p:nvPr/>
       </p:nvGrpSpPr>
@@ -7201,7 +7735,7 @@
       </p:grpSpPr>
       <p:sp>
         <p:nvSpPr>
-          <p:cNvPr id="202" name="Shape 202"/>
+          <p:cNvPr id="212" name="Shape 212"/>
           <p:cNvSpPr txBox="1"/>
           <p:nvPr>
             <p:ph idx="1" type="body"/>
@@ -7247,12 +7781,12 @@
 </p:sld>
 </file>
 
-<file path=ppt/slides/slide14.xml><?xml version="1.0" encoding="utf-8"?>
+<file path=ppt/slides/slide15.xml><?xml version="1.0" encoding="utf-8"?>
 <p:sld xmlns:a="http://schemas.openxmlformats.org/drawingml/2006/main" xmlns:r="http://schemas.openxmlformats.org/officeDocument/2006/relationships" xmlns:mc="http://schemas.openxmlformats.org/markup-compatibility/2006" xmlns:mv="urn:schemas-microsoft-com:mac:vml" xmlns:p="http://schemas.openxmlformats.org/presentationml/2006/main" xmlns:c="http://schemas.openxmlformats.org/drawingml/2006/chart" xmlns:dgm="http://schemas.openxmlformats.org/drawingml/2006/diagram" xmlns:o="urn:schemas-microsoft-com:office:office" xmlns:v="urn:schemas-microsoft-com:vml" xmlns:pvml="urn:schemas-microsoft-com:office:powerpoint" xmlns:com="http://schemas.openxmlformats.org/drawingml/2006/compatibility" xmlns:p14="http://schemas.microsoft.com/office/powerpoint/2010/main" xmlns:p15="http://schemas.microsoft.com/office/powerpoint/2012/main">
   <p:cSld>
     <p:spTree>
       <p:nvGrpSpPr>
-        <p:cNvPr id="206" name="Shape 206"/>
+        <p:cNvPr id="216" name="Shape 216"/>
         <p:cNvGrpSpPr/>
         <p:nvPr/>
       </p:nvGrpSpPr>
@@ -7266,7 +7800,7 @@
       </p:grpSpPr>
       <p:sp>
         <p:nvSpPr>
-          <p:cNvPr id="207" name="Shape 207"/>
+          <p:cNvPr id="217" name="Shape 217"/>
           <p:cNvSpPr txBox="1"/>
           <p:nvPr>
             <p:ph idx="1" type="body"/>

--- a/report/Object-Detection-for-Shopee-Data.pptx
+++ b/report/Object-Detection-for-Shopee-Data.pptx
@@ -23,6 +23,8 @@
     <p:sldId id="268" r:id="rId17"/>
     <p:sldId id="269" r:id="rId18"/>
     <p:sldId id="270" r:id="rId19"/>
+    <p:sldId id="271" r:id="rId20"/>
+    <p:sldId id="272" r:id="rId21"/>
   </p:sldIdLst>
   <p:sldSz cy="5143500" cx="9144000"/>
   <p:notesSz cx="6858000" cy="9144000"/>
@@ -48,7 +50,10 @@
       <a:spcAft>
         <a:spcPts val="0"/>
       </a:spcAft>
-      <a:buNone/>
+      <a:buClr>
+        <a:srgbClr val="000000"/>
+      </a:buClr>
+      <a:buFont typeface="Arial"/>
       <a:defRPr b="0" i="0" sz="1400" u="none" cap="none" strike="noStrike">
         <a:solidFill>
           <a:srgbClr val="000000"/>
@@ -69,7 +74,10 @@
       <a:spcAft>
         <a:spcPts val="0"/>
       </a:spcAft>
-      <a:buNone/>
+      <a:buClr>
+        <a:srgbClr val="000000"/>
+      </a:buClr>
+      <a:buFont typeface="Arial"/>
       <a:defRPr b="0" i="0" sz="1400" u="none" cap="none" strike="noStrike">
         <a:solidFill>
           <a:srgbClr val="000000"/>
@@ -90,7 +98,10 @@
       <a:spcAft>
         <a:spcPts val="0"/>
       </a:spcAft>
-      <a:buNone/>
+      <a:buClr>
+        <a:srgbClr val="000000"/>
+      </a:buClr>
+      <a:buFont typeface="Arial"/>
       <a:defRPr b="0" i="0" sz="1400" u="none" cap="none" strike="noStrike">
         <a:solidFill>
           <a:srgbClr val="000000"/>
@@ -111,7 +122,10 @@
       <a:spcAft>
         <a:spcPts val="0"/>
       </a:spcAft>
-      <a:buNone/>
+      <a:buClr>
+        <a:srgbClr val="000000"/>
+      </a:buClr>
+      <a:buFont typeface="Arial"/>
       <a:defRPr b="0" i="0" sz="1400" u="none" cap="none" strike="noStrike">
         <a:solidFill>
           <a:srgbClr val="000000"/>
@@ -132,7 +146,10 @@
       <a:spcAft>
         <a:spcPts val="0"/>
       </a:spcAft>
-      <a:buNone/>
+      <a:buClr>
+        <a:srgbClr val="000000"/>
+      </a:buClr>
+      <a:buFont typeface="Arial"/>
       <a:defRPr b="0" i="0" sz="1400" u="none" cap="none" strike="noStrike">
         <a:solidFill>
           <a:srgbClr val="000000"/>
@@ -153,7 +170,10 @@
       <a:spcAft>
         <a:spcPts val="0"/>
       </a:spcAft>
-      <a:buNone/>
+      <a:buClr>
+        <a:srgbClr val="000000"/>
+      </a:buClr>
+      <a:buFont typeface="Arial"/>
       <a:defRPr b="0" i="0" sz="1400" u="none" cap="none" strike="noStrike">
         <a:solidFill>
           <a:srgbClr val="000000"/>
@@ -174,7 +194,10 @@
       <a:spcAft>
         <a:spcPts val="0"/>
       </a:spcAft>
-      <a:buNone/>
+      <a:buClr>
+        <a:srgbClr val="000000"/>
+      </a:buClr>
+      <a:buFont typeface="Arial"/>
       <a:defRPr b="0" i="0" sz="1400" u="none" cap="none" strike="noStrike">
         <a:solidFill>
           <a:srgbClr val="000000"/>
@@ -195,7 +218,10 @@
       <a:spcAft>
         <a:spcPts val="0"/>
       </a:spcAft>
-      <a:buNone/>
+      <a:buClr>
+        <a:srgbClr val="000000"/>
+      </a:buClr>
+      <a:buFont typeface="Arial"/>
       <a:defRPr b="0" i="0" sz="1400" u="none" cap="none" strike="noStrike">
         <a:solidFill>
           <a:srgbClr val="000000"/>
@@ -216,7 +242,10 @@
       <a:spcAft>
         <a:spcPts val="0"/>
       </a:spcAft>
-      <a:buNone/>
+      <a:buClr>
+        <a:srgbClr val="000000"/>
+      </a:buClr>
+      <a:buFont typeface="Arial"/>
       <a:defRPr b="0" i="0" sz="1400" u="none" cap="none" strike="noStrike">
         <a:solidFill>
           <a:srgbClr val="000000"/>
@@ -422,6 +451,235 @@
     </p:spTree>
   </p:cSld>
   <p:clrMap accent1="accent1" accent2="accent2" accent3="accent3" accent4="accent4" accent5="accent5" accent6="accent6" bg1="lt1" bg2="dk2" tx1="dk1" tx2="lt2" folHlink="folHlink" hlink="hlink"/>
+  <p:notesStyle>
+    <a:defPPr lvl="0" marR="0" rtl="0" algn="l">
+      <a:lnSpc>
+        <a:spcPct val="100000"/>
+      </a:lnSpc>
+      <a:spcBef>
+        <a:spcPts val="0"/>
+      </a:spcBef>
+      <a:spcAft>
+        <a:spcPts val="0"/>
+      </a:spcAft>
+    </a:defPPr>
+    <a:lvl1pPr lvl="0" marR="0" rtl="0" algn="l">
+      <a:lnSpc>
+        <a:spcPct val="100000"/>
+      </a:lnSpc>
+      <a:spcBef>
+        <a:spcPts val="0"/>
+      </a:spcBef>
+      <a:spcAft>
+        <a:spcPts val="0"/>
+      </a:spcAft>
+      <a:buClr>
+        <a:srgbClr val="000000"/>
+      </a:buClr>
+      <a:buFont typeface="Arial"/>
+      <a:defRPr b="0" i="0" sz="1400" u="none" cap="none" strike="noStrike">
+        <a:solidFill>
+          <a:srgbClr val="000000"/>
+        </a:solidFill>
+        <a:latin typeface="Arial"/>
+        <a:ea typeface="Arial"/>
+        <a:cs typeface="Arial"/>
+        <a:sym typeface="Arial"/>
+      </a:defRPr>
+    </a:lvl1pPr>
+    <a:lvl2pPr lvl="1" marR="0" rtl="0" algn="l">
+      <a:lnSpc>
+        <a:spcPct val="100000"/>
+      </a:lnSpc>
+      <a:spcBef>
+        <a:spcPts val="0"/>
+      </a:spcBef>
+      <a:spcAft>
+        <a:spcPts val="0"/>
+      </a:spcAft>
+      <a:buClr>
+        <a:srgbClr val="000000"/>
+      </a:buClr>
+      <a:buFont typeface="Arial"/>
+      <a:defRPr b="0" i="0" sz="1400" u="none" cap="none" strike="noStrike">
+        <a:solidFill>
+          <a:srgbClr val="000000"/>
+        </a:solidFill>
+        <a:latin typeface="Arial"/>
+        <a:ea typeface="Arial"/>
+        <a:cs typeface="Arial"/>
+        <a:sym typeface="Arial"/>
+      </a:defRPr>
+    </a:lvl2pPr>
+    <a:lvl3pPr lvl="2" marR="0" rtl="0" algn="l">
+      <a:lnSpc>
+        <a:spcPct val="100000"/>
+      </a:lnSpc>
+      <a:spcBef>
+        <a:spcPts val="0"/>
+      </a:spcBef>
+      <a:spcAft>
+        <a:spcPts val="0"/>
+      </a:spcAft>
+      <a:buClr>
+        <a:srgbClr val="000000"/>
+      </a:buClr>
+      <a:buFont typeface="Arial"/>
+      <a:defRPr b="0" i="0" sz="1400" u="none" cap="none" strike="noStrike">
+        <a:solidFill>
+          <a:srgbClr val="000000"/>
+        </a:solidFill>
+        <a:latin typeface="Arial"/>
+        <a:ea typeface="Arial"/>
+        <a:cs typeface="Arial"/>
+        <a:sym typeface="Arial"/>
+      </a:defRPr>
+    </a:lvl3pPr>
+    <a:lvl4pPr lvl="3" marR="0" rtl="0" algn="l">
+      <a:lnSpc>
+        <a:spcPct val="100000"/>
+      </a:lnSpc>
+      <a:spcBef>
+        <a:spcPts val="0"/>
+      </a:spcBef>
+      <a:spcAft>
+        <a:spcPts val="0"/>
+      </a:spcAft>
+      <a:buClr>
+        <a:srgbClr val="000000"/>
+      </a:buClr>
+      <a:buFont typeface="Arial"/>
+      <a:defRPr b="0" i="0" sz="1400" u="none" cap="none" strike="noStrike">
+        <a:solidFill>
+          <a:srgbClr val="000000"/>
+        </a:solidFill>
+        <a:latin typeface="Arial"/>
+        <a:ea typeface="Arial"/>
+        <a:cs typeface="Arial"/>
+        <a:sym typeface="Arial"/>
+      </a:defRPr>
+    </a:lvl4pPr>
+    <a:lvl5pPr lvl="4" marR="0" rtl="0" algn="l">
+      <a:lnSpc>
+        <a:spcPct val="100000"/>
+      </a:lnSpc>
+      <a:spcBef>
+        <a:spcPts val="0"/>
+      </a:spcBef>
+      <a:spcAft>
+        <a:spcPts val="0"/>
+      </a:spcAft>
+      <a:buClr>
+        <a:srgbClr val="000000"/>
+      </a:buClr>
+      <a:buFont typeface="Arial"/>
+      <a:defRPr b="0" i="0" sz="1400" u="none" cap="none" strike="noStrike">
+        <a:solidFill>
+          <a:srgbClr val="000000"/>
+        </a:solidFill>
+        <a:latin typeface="Arial"/>
+        <a:ea typeface="Arial"/>
+        <a:cs typeface="Arial"/>
+        <a:sym typeface="Arial"/>
+      </a:defRPr>
+    </a:lvl5pPr>
+    <a:lvl6pPr lvl="5" marR="0" rtl="0" algn="l">
+      <a:lnSpc>
+        <a:spcPct val="100000"/>
+      </a:lnSpc>
+      <a:spcBef>
+        <a:spcPts val="0"/>
+      </a:spcBef>
+      <a:spcAft>
+        <a:spcPts val="0"/>
+      </a:spcAft>
+      <a:buClr>
+        <a:srgbClr val="000000"/>
+      </a:buClr>
+      <a:buFont typeface="Arial"/>
+      <a:defRPr b="0" i="0" sz="1400" u="none" cap="none" strike="noStrike">
+        <a:solidFill>
+          <a:srgbClr val="000000"/>
+        </a:solidFill>
+        <a:latin typeface="Arial"/>
+        <a:ea typeface="Arial"/>
+        <a:cs typeface="Arial"/>
+        <a:sym typeface="Arial"/>
+      </a:defRPr>
+    </a:lvl6pPr>
+    <a:lvl7pPr lvl="6" marR="0" rtl="0" algn="l">
+      <a:lnSpc>
+        <a:spcPct val="100000"/>
+      </a:lnSpc>
+      <a:spcBef>
+        <a:spcPts val="0"/>
+      </a:spcBef>
+      <a:spcAft>
+        <a:spcPts val="0"/>
+      </a:spcAft>
+      <a:buClr>
+        <a:srgbClr val="000000"/>
+      </a:buClr>
+      <a:buFont typeface="Arial"/>
+      <a:defRPr b="0" i="0" sz="1400" u="none" cap="none" strike="noStrike">
+        <a:solidFill>
+          <a:srgbClr val="000000"/>
+        </a:solidFill>
+        <a:latin typeface="Arial"/>
+        <a:ea typeface="Arial"/>
+        <a:cs typeface="Arial"/>
+        <a:sym typeface="Arial"/>
+      </a:defRPr>
+    </a:lvl7pPr>
+    <a:lvl8pPr lvl="7" marR="0" rtl="0" algn="l">
+      <a:lnSpc>
+        <a:spcPct val="100000"/>
+      </a:lnSpc>
+      <a:spcBef>
+        <a:spcPts val="0"/>
+      </a:spcBef>
+      <a:spcAft>
+        <a:spcPts val="0"/>
+      </a:spcAft>
+      <a:buClr>
+        <a:srgbClr val="000000"/>
+      </a:buClr>
+      <a:buFont typeface="Arial"/>
+      <a:defRPr b="0" i="0" sz="1400" u="none" cap="none" strike="noStrike">
+        <a:solidFill>
+          <a:srgbClr val="000000"/>
+        </a:solidFill>
+        <a:latin typeface="Arial"/>
+        <a:ea typeface="Arial"/>
+        <a:cs typeface="Arial"/>
+        <a:sym typeface="Arial"/>
+      </a:defRPr>
+    </a:lvl8pPr>
+    <a:lvl9pPr lvl="8" marR="0" rtl="0" algn="l">
+      <a:lnSpc>
+        <a:spcPct val="100000"/>
+      </a:lnSpc>
+      <a:spcBef>
+        <a:spcPts val="0"/>
+      </a:spcBef>
+      <a:spcAft>
+        <a:spcPts val="0"/>
+      </a:spcAft>
+      <a:buClr>
+        <a:srgbClr val="000000"/>
+      </a:buClr>
+      <a:buFont typeface="Arial"/>
+      <a:defRPr b="0" i="0" sz="1400" u="none" cap="none" strike="noStrike">
+        <a:solidFill>
+          <a:srgbClr val="000000"/>
+        </a:solidFill>
+        <a:latin typeface="Arial"/>
+        <a:ea typeface="Arial"/>
+        <a:cs typeface="Arial"/>
+        <a:sym typeface="Arial"/>
+      </a:defRPr>
+    </a:lvl9pPr>
+  </p:notesStyle>
 </p:notesMaster>
 </file>
 
@@ -724,7 +982,7 @@
   <p:cSld>
     <p:spTree>
       <p:nvGrpSpPr>
-        <p:cNvPr id="190" name="Shape 190"/>
+        <p:cNvPr id="186" name="Shape 186"/>
         <p:cNvGrpSpPr/>
         <p:nvPr/>
       </p:nvGrpSpPr>
@@ -738,7 +996,7 @@
       </p:grpSpPr>
       <p:sp>
         <p:nvSpPr>
-          <p:cNvPr id="191" name="Shape 191"/>
+          <p:cNvPr id="187" name="Shape 187"/>
           <p:cNvSpPr/>
           <p:nvPr>
             <p:ph idx="2" type="sldImg"/>
@@ -772,7 +1030,7 @@
       </p:sp>
       <p:sp>
         <p:nvSpPr>
-          <p:cNvPr id="192" name="Shape 192"/>
+          <p:cNvPr id="188" name="Shape 188"/>
           <p:cNvSpPr txBox="1"/>
           <p:nvPr>
             <p:ph idx="1" type="body"/>
@@ -818,6 +1076,104 @@
 </file>
 
 <file path=ppt/notesSlides/notesSlide13.xml><?xml version="1.0" encoding="utf-8"?>
+<p:notes xmlns:a="http://schemas.openxmlformats.org/drawingml/2006/main" xmlns:r="http://schemas.openxmlformats.org/officeDocument/2006/relationships" xmlns:mc="http://schemas.openxmlformats.org/markup-compatibility/2006" xmlns:mv="urn:schemas-microsoft-com:mac:vml" xmlns:p="http://schemas.openxmlformats.org/presentationml/2006/main" xmlns:c="http://schemas.openxmlformats.org/drawingml/2006/chart" xmlns:dgm="http://schemas.openxmlformats.org/drawingml/2006/diagram" xmlns:o="urn:schemas-microsoft-com:office:office" xmlns:v="urn:schemas-microsoft-com:vml" xmlns:pvml="urn:schemas-microsoft-com:office:powerpoint" xmlns:com="http://schemas.openxmlformats.org/drawingml/2006/compatibility" xmlns:p14="http://schemas.microsoft.com/office/powerpoint/2010/main" xmlns:p15="http://schemas.microsoft.com/office/powerpoint/2012/main" showMasterPhAnim="0" showMasterSp="0">
+  <p:cSld>
+    <p:spTree>
+      <p:nvGrpSpPr>
+        <p:cNvPr id="192" name="Shape 192"/>
+        <p:cNvGrpSpPr/>
+        <p:nvPr/>
+      </p:nvGrpSpPr>
+      <p:grpSpPr>
+        <a:xfrm>
+          <a:off x="0" y="0"/>
+          <a:ext cx="0" cy="0"/>
+          <a:chOff x="0" y="0"/>
+          <a:chExt cx="0" cy="0"/>
+        </a:xfrm>
+      </p:grpSpPr>
+      <p:sp>
+        <p:nvSpPr>
+          <p:cNvPr id="193" name="Shape 193"/>
+          <p:cNvSpPr/>
+          <p:nvPr>
+            <p:ph idx="2" type="sldImg"/>
+          </p:nvPr>
+        </p:nvSpPr>
+        <p:spPr>
+          <a:xfrm>
+            <a:off x="381300" y="685800"/>
+            <a:ext cx="6096000" cy="3429000"/>
+          </a:xfrm>
+          <a:custGeom>
+            <a:pathLst>
+              <a:path extrusionOk="0" h="120000" w="120000">
+                <a:moveTo>
+                  <a:pt x="0" y="0"/>
+                </a:moveTo>
+                <a:lnTo>
+                  <a:pt x="120000" y="0"/>
+                </a:lnTo>
+                <a:lnTo>
+                  <a:pt x="120000" y="120000"/>
+                </a:lnTo>
+                <a:lnTo>
+                  <a:pt x="0" y="120000"/>
+                </a:lnTo>
+                <a:close/>
+              </a:path>
+            </a:pathLst>
+          </a:custGeom>
+        </p:spPr>
+      </p:sp>
+      <p:sp>
+        <p:nvSpPr>
+          <p:cNvPr id="194" name="Shape 194"/>
+          <p:cNvSpPr txBox="1"/>
+          <p:nvPr>
+            <p:ph idx="1" type="body"/>
+          </p:nvPr>
+        </p:nvSpPr>
+        <p:spPr>
+          <a:xfrm>
+            <a:off x="685800" y="4343400"/>
+            <a:ext cx="5486400" cy="4114800"/>
+          </a:xfrm>
+          <a:prstGeom prst="rect">
+            <a:avLst/>
+          </a:prstGeom>
+        </p:spPr>
+        <p:txBody>
+          <a:bodyPr anchorCtr="0" anchor="t" bIns="91425" lIns="91425" spcFirstLastPara="1" rIns="91425" wrap="square" tIns="91425">
+            <a:noAutofit/>
+          </a:bodyPr>
+          <a:lstStyle/>
+          <a:p>
+            <a:pPr indent="0" lvl="0" marL="0">
+              <a:spcBef>
+                <a:spcPts val="0"/>
+              </a:spcBef>
+              <a:spcAft>
+                <a:spcPts val="0"/>
+              </a:spcAft>
+              <a:buNone/>
+            </a:pPr>
+            <a:r>
+              <a:t/>
+            </a:r>
+            <a:endParaRPr/>
+          </a:p>
+        </p:txBody>
+      </p:sp>
+    </p:spTree>
+  </p:cSld>
+  <p:clrMapOvr>
+    <a:masterClrMapping/>
+  </p:clrMapOvr>
+</p:notes>
+</file>
+
+<file path=ppt/notesSlides/notesSlide14.xml><?xml version="1.0" encoding="utf-8"?>
 <p:notes xmlns:a="http://schemas.openxmlformats.org/drawingml/2006/main" xmlns:r="http://schemas.openxmlformats.org/officeDocument/2006/relationships" xmlns:mc="http://schemas.openxmlformats.org/markup-compatibility/2006" xmlns:mv="urn:schemas-microsoft-com:mac:vml" xmlns:p="http://schemas.openxmlformats.org/presentationml/2006/main" xmlns:c="http://schemas.openxmlformats.org/drawingml/2006/chart" xmlns:dgm="http://schemas.openxmlformats.org/drawingml/2006/diagram" xmlns:o="urn:schemas-microsoft-com:office:office" xmlns:v="urn:schemas-microsoft-com:vml" xmlns:pvml="urn:schemas-microsoft-com:office:powerpoint" xmlns:com="http://schemas.openxmlformats.org/drawingml/2006/compatibility" xmlns:p14="http://schemas.microsoft.com/office/powerpoint/2010/main" xmlns:p15="http://schemas.microsoft.com/office/powerpoint/2012/main" showMasterPhAnim="0" showMasterSp="0">
   <p:cSld>
     <p:spTree>
@@ -915,12 +1271,12 @@
 </p:notes>
 </file>
 
-<file path=ppt/notesSlides/notesSlide14.xml><?xml version="1.0" encoding="utf-8"?>
+<file path=ppt/notesSlides/notesSlide15.xml><?xml version="1.0" encoding="utf-8"?>
 <p:notes xmlns:a="http://schemas.openxmlformats.org/drawingml/2006/main" xmlns:r="http://schemas.openxmlformats.org/officeDocument/2006/relationships" xmlns:mc="http://schemas.openxmlformats.org/markup-compatibility/2006" xmlns:mv="urn:schemas-microsoft-com:mac:vml" xmlns:p="http://schemas.openxmlformats.org/presentationml/2006/main" xmlns:c="http://schemas.openxmlformats.org/drawingml/2006/chart" xmlns:dgm="http://schemas.openxmlformats.org/drawingml/2006/diagram" xmlns:o="urn:schemas-microsoft-com:office:office" xmlns:v="urn:schemas-microsoft-com:vml" xmlns:pvml="urn:schemas-microsoft-com:office:powerpoint" xmlns:com="http://schemas.openxmlformats.org/drawingml/2006/compatibility" xmlns:p14="http://schemas.microsoft.com/office/powerpoint/2010/main" xmlns:p15="http://schemas.microsoft.com/office/powerpoint/2012/main" showMasterPhAnim="0" showMasterSp="0">
   <p:cSld>
     <p:spTree>
       <p:nvGrpSpPr>
-        <p:cNvPr id="208" name="Shape 208"/>
+        <p:cNvPr id="214" name="Shape 214"/>
         <p:cNvGrpSpPr/>
         <p:nvPr/>
       </p:nvGrpSpPr>
@@ -934,7 +1290,7 @@
       </p:grpSpPr>
       <p:sp>
         <p:nvSpPr>
-          <p:cNvPr id="209" name="Shape 209"/>
+          <p:cNvPr id="215" name="Shape 215"/>
           <p:cNvSpPr/>
           <p:nvPr>
             <p:ph idx="2" type="sldImg"/>
@@ -968,7 +1324,7 @@
       </p:sp>
       <p:sp>
         <p:nvSpPr>
-          <p:cNvPr id="210" name="Shape 210"/>
+          <p:cNvPr id="216" name="Shape 216"/>
           <p:cNvSpPr txBox="1"/>
           <p:nvPr>
             <p:ph idx="1" type="body"/>
@@ -1013,12 +1369,12 @@
 </p:notes>
 </file>
 
-<file path=ppt/notesSlides/notesSlide15.xml><?xml version="1.0" encoding="utf-8"?>
+<file path=ppt/notesSlides/notesSlide16.xml><?xml version="1.0" encoding="utf-8"?>
 <p:notes xmlns:a="http://schemas.openxmlformats.org/drawingml/2006/main" xmlns:r="http://schemas.openxmlformats.org/officeDocument/2006/relationships" xmlns:mc="http://schemas.openxmlformats.org/markup-compatibility/2006" xmlns:mv="urn:schemas-microsoft-com:mac:vml" xmlns:p="http://schemas.openxmlformats.org/presentationml/2006/main" xmlns:c="http://schemas.openxmlformats.org/drawingml/2006/chart" xmlns:dgm="http://schemas.openxmlformats.org/drawingml/2006/diagram" xmlns:o="urn:schemas-microsoft-com:office:office" xmlns:v="urn:schemas-microsoft-com:vml" xmlns:pvml="urn:schemas-microsoft-com:office:powerpoint" xmlns:com="http://schemas.openxmlformats.org/drawingml/2006/compatibility" xmlns:p14="http://schemas.microsoft.com/office/powerpoint/2010/main" xmlns:p15="http://schemas.microsoft.com/office/powerpoint/2012/main" showMasterPhAnim="0" showMasterSp="0">
   <p:cSld>
     <p:spTree>
       <p:nvGrpSpPr>
-        <p:cNvPr id="213" name="Shape 213"/>
+        <p:cNvPr id="220" name="Shape 220"/>
         <p:cNvGrpSpPr/>
         <p:nvPr/>
       </p:nvGrpSpPr>
@@ -1032,7 +1388,7 @@
       </p:grpSpPr>
       <p:sp>
         <p:nvSpPr>
-          <p:cNvPr id="214" name="Shape 214"/>
+          <p:cNvPr id="221" name="Shape 221"/>
           <p:cNvSpPr/>
           <p:nvPr>
             <p:ph idx="2" type="sldImg"/>
@@ -1066,7 +1422,105 @@
       </p:sp>
       <p:sp>
         <p:nvSpPr>
-          <p:cNvPr id="215" name="Shape 215"/>
+          <p:cNvPr id="222" name="Shape 222"/>
+          <p:cNvSpPr txBox="1"/>
+          <p:nvPr>
+            <p:ph idx="1" type="body"/>
+          </p:nvPr>
+        </p:nvSpPr>
+        <p:spPr>
+          <a:xfrm>
+            <a:off x="685800" y="4343400"/>
+            <a:ext cx="5486400" cy="4114800"/>
+          </a:xfrm>
+          <a:prstGeom prst="rect">
+            <a:avLst/>
+          </a:prstGeom>
+        </p:spPr>
+        <p:txBody>
+          <a:bodyPr anchorCtr="0" anchor="t" bIns="91425" lIns="91425" spcFirstLastPara="1" rIns="91425" wrap="square" tIns="91425">
+            <a:noAutofit/>
+          </a:bodyPr>
+          <a:lstStyle/>
+          <a:p>
+            <a:pPr indent="0" lvl="0" marL="0">
+              <a:spcBef>
+                <a:spcPts val="0"/>
+              </a:spcBef>
+              <a:spcAft>
+                <a:spcPts val="0"/>
+              </a:spcAft>
+              <a:buNone/>
+            </a:pPr>
+            <a:r>
+              <a:t/>
+            </a:r>
+            <a:endParaRPr/>
+          </a:p>
+        </p:txBody>
+      </p:sp>
+    </p:spTree>
+  </p:cSld>
+  <p:clrMapOvr>
+    <a:masterClrMapping/>
+  </p:clrMapOvr>
+</p:notes>
+</file>
+
+<file path=ppt/notesSlides/notesSlide17.xml><?xml version="1.0" encoding="utf-8"?>
+<p:notes xmlns:a="http://schemas.openxmlformats.org/drawingml/2006/main" xmlns:r="http://schemas.openxmlformats.org/officeDocument/2006/relationships" xmlns:mc="http://schemas.openxmlformats.org/markup-compatibility/2006" xmlns:mv="urn:schemas-microsoft-com:mac:vml" xmlns:p="http://schemas.openxmlformats.org/presentationml/2006/main" xmlns:c="http://schemas.openxmlformats.org/drawingml/2006/chart" xmlns:dgm="http://schemas.openxmlformats.org/drawingml/2006/diagram" xmlns:o="urn:schemas-microsoft-com:office:office" xmlns:v="urn:schemas-microsoft-com:vml" xmlns:pvml="urn:schemas-microsoft-com:office:powerpoint" xmlns:com="http://schemas.openxmlformats.org/drawingml/2006/compatibility" xmlns:p14="http://schemas.microsoft.com/office/powerpoint/2010/main" xmlns:p15="http://schemas.microsoft.com/office/powerpoint/2012/main" showMasterPhAnim="0" showMasterSp="0">
+  <p:cSld>
+    <p:spTree>
+      <p:nvGrpSpPr>
+        <p:cNvPr id="225" name="Shape 225"/>
+        <p:cNvGrpSpPr/>
+        <p:nvPr/>
+      </p:nvGrpSpPr>
+      <p:grpSpPr>
+        <a:xfrm>
+          <a:off x="0" y="0"/>
+          <a:ext cx="0" cy="0"/>
+          <a:chOff x="0" y="0"/>
+          <a:chExt cx="0" cy="0"/>
+        </a:xfrm>
+      </p:grpSpPr>
+      <p:sp>
+        <p:nvSpPr>
+          <p:cNvPr id="226" name="Shape 226"/>
+          <p:cNvSpPr/>
+          <p:nvPr>
+            <p:ph idx="2" type="sldImg"/>
+          </p:nvPr>
+        </p:nvSpPr>
+        <p:spPr>
+          <a:xfrm>
+            <a:off x="381300" y="685800"/>
+            <a:ext cx="6096000" cy="3429000"/>
+          </a:xfrm>
+          <a:custGeom>
+            <a:pathLst>
+              <a:path extrusionOk="0" h="120000" w="120000">
+                <a:moveTo>
+                  <a:pt x="0" y="0"/>
+                </a:moveTo>
+                <a:lnTo>
+                  <a:pt x="120000" y="0"/>
+                </a:lnTo>
+                <a:lnTo>
+                  <a:pt x="120000" y="120000"/>
+                </a:lnTo>
+                <a:lnTo>
+                  <a:pt x="0" y="120000"/>
+                </a:lnTo>
+                <a:close/>
+              </a:path>
+            </a:pathLst>
+          </a:custGeom>
+        </p:spPr>
+      </p:sp>
+      <p:sp>
+        <p:nvSpPr>
+          <p:cNvPr id="227" name="Shape 227"/>
           <p:cNvSpPr txBox="1"/>
           <p:nvPr>
             <p:ph idx="1" type="body"/>
@@ -1410,7 +1864,7 @@
   <p:cSld>
     <p:spTree>
       <p:nvGrpSpPr>
-        <p:cNvPr id="94" name="Shape 94"/>
+        <p:cNvPr id="82" name="Shape 82"/>
         <p:cNvGrpSpPr/>
         <p:nvPr/>
       </p:nvGrpSpPr>
@@ -1424,7 +1878,7 @@
       </p:grpSpPr>
       <p:sp>
         <p:nvSpPr>
-          <p:cNvPr id="95" name="Shape 95"/>
+          <p:cNvPr id="83" name="Shape 83"/>
           <p:cNvSpPr/>
           <p:nvPr>
             <p:ph idx="2" type="sldImg"/>
@@ -1458,7 +1912,7 @@
       </p:sp>
       <p:sp>
         <p:nvSpPr>
-          <p:cNvPr id="96" name="Shape 96"/>
+          <p:cNvPr id="84" name="Shape 84"/>
           <p:cNvSpPr txBox="1"/>
           <p:nvPr>
             <p:ph idx="1" type="body"/>
@@ -1479,7 +1933,7 @@
           </a:bodyPr>
           <a:lstStyle/>
           <a:p>
-            <a:pPr indent="0" lvl="0" marL="0" rtl="0">
+            <a:pPr indent="0" lvl="0" marL="0">
               <a:spcBef>
                 <a:spcPts val="0"/>
               </a:spcBef>
@@ -1508,7 +1962,7 @@
   <p:cSld>
     <p:spTree>
       <p:nvGrpSpPr>
-        <p:cNvPr id="128" name="Shape 128"/>
+        <p:cNvPr id="100" name="Shape 100"/>
         <p:cNvGrpSpPr/>
         <p:nvPr/>
       </p:nvGrpSpPr>
@@ -1522,7 +1976,7 @@
       </p:grpSpPr>
       <p:sp>
         <p:nvSpPr>
-          <p:cNvPr id="129" name="Shape 129"/>
+          <p:cNvPr id="101" name="Shape 101"/>
           <p:cNvSpPr/>
           <p:nvPr>
             <p:ph idx="2" type="sldImg"/>
@@ -1556,7 +2010,7 @@
       </p:sp>
       <p:sp>
         <p:nvSpPr>
-          <p:cNvPr id="130" name="Shape 130"/>
+          <p:cNvPr id="102" name="Shape 102"/>
           <p:cNvSpPr txBox="1"/>
           <p:nvPr>
             <p:ph idx="1" type="body"/>
@@ -1606,7 +2060,7 @@
   <p:cSld>
     <p:spTree>
       <p:nvGrpSpPr>
-        <p:cNvPr id="156" name="Shape 156"/>
+        <p:cNvPr id="134" name="Shape 134"/>
         <p:cNvGrpSpPr/>
         <p:nvPr/>
       </p:nvGrpSpPr>
@@ -1620,7 +2074,7 @@
       </p:grpSpPr>
       <p:sp>
         <p:nvSpPr>
-          <p:cNvPr id="157" name="Shape 157"/>
+          <p:cNvPr id="135" name="Shape 135"/>
           <p:cNvSpPr/>
           <p:nvPr>
             <p:ph idx="2" type="sldImg"/>
@@ -1654,7 +2108,7 @@
       </p:sp>
       <p:sp>
         <p:nvSpPr>
-          <p:cNvPr id="158" name="Shape 158"/>
+          <p:cNvPr id="136" name="Shape 136"/>
           <p:cNvSpPr txBox="1"/>
           <p:nvPr>
             <p:ph idx="1" type="body"/>
@@ -1675,7 +2129,7 @@
           </a:bodyPr>
           <a:lstStyle/>
           <a:p>
-            <a:pPr indent="0" lvl="0" marL="0">
+            <a:pPr indent="0" lvl="0" marL="0" rtl="0">
               <a:spcBef>
                 <a:spcPts val="0"/>
               </a:spcBef>
@@ -1896,8 +2350,8 @@
 </file>
 
 <file path=ppt/slideLayouts/slideLayout1.xml><?xml version="1.0" encoding="utf-8"?>
-<p:sldLayout xmlns:a="http://schemas.openxmlformats.org/drawingml/2006/main" xmlns:r="http://schemas.openxmlformats.org/officeDocument/2006/relationships" xmlns:mc="http://schemas.openxmlformats.org/markup-compatibility/2006" xmlns:mv="urn:schemas-microsoft-com:mac:vml" xmlns:p="http://schemas.openxmlformats.org/presentationml/2006/main" xmlns:c="http://schemas.openxmlformats.org/drawingml/2006/chart" xmlns:dgm="http://schemas.openxmlformats.org/drawingml/2006/diagram" xmlns:o="urn:schemas-microsoft-com:office:office" xmlns:v="urn:schemas-microsoft-com:vml" xmlns:pvml="urn:schemas-microsoft-com:office:powerpoint" xmlns:com="http://schemas.openxmlformats.org/drawingml/2006/compatibility" xmlns:p14="http://schemas.microsoft.com/office/powerpoint/2010/main" xmlns:p15="http://schemas.microsoft.com/office/powerpoint/2012/main" type="title">
-  <p:cSld name="Title slide">
+<p:sldLayout xmlns:a="http://schemas.openxmlformats.org/drawingml/2006/main" xmlns:r="http://schemas.openxmlformats.org/officeDocument/2006/relationships" xmlns:mc="http://schemas.openxmlformats.org/markup-compatibility/2006" xmlns:mv="urn:schemas-microsoft-com:mac:vml" xmlns:p="http://schemas.openxmlformats.org/presentationml/2006/main" xmlns:c="http://schemas.openxmlformats.org/drawingml/2006/chart" xmlns:dgm="http://schemas.openxmlformats.org/drawingml/2006/diagram" xmlns:o="urn:schemas-microsoft-com:office:office" xmlns:v="urn:schemas-microsoft-com:vml" xmlns:pvml="urn:schemas-microsoft-com:office:powerpoint" xmlns:com="http://schemas.openxmlformats.org/drawingml/2006/compatibility" xmlns:p14="http://schemas.microsoft.com/office/powerpoint/2010/main" xmlns:p15="http://schemas.microsoft.com/office/powerpoint/2012/main" matchingName="Title slide" type="title">
+  <p:cSld name="TITLE">
     <p:spTree>
       <p:nvGrpSpPr>
         <p:cNvPr id="9" name="Shape 9"/>
@@ -2298,8 +2752,8 @@
 </file>
 
 <file path=ppt/slideLayouts/slideLayout10.xml><?xml version="1.0" encoding="utf-8"?>
-<p:sldLayout xmlns:a="http://schemas.openxmlformats.org/drawingml/2006/main" xmlns:r="http://schemas.openxmlformats.org/officeDocument/2006/relationships" xmlns:mc="http://schemas.openxmlformats.org/markup-compatibility/2006" xmlns:mv="urn:schemas-microsoft-com:mac:vml" xmlns:p="http://schemas.openxmlformats.org/presentationml/2006/main" xmlns:c="http://schemas.openxmlformats.org/drawingml/2006/chart" xmlns:dgm="http://schemas.openxmlformats.org/drawingml/2006/diagram" xmlns:o="urn:schemas-microsoft-com:office:office" xmlns:v="urn:schemas-microsoft-com:vml" xmlns:pvml="urn:schemas-microsoft-com:office:powerpoint" xmlns:com="http://schemas.openxmlformats.org/drawingml/2006/compatibility" xmlns:p14="http://schemas.microsoft.com/office/powerpoint/2010/main" xmlns:p15="http://schemas.microsoft.com/office/powerpoint/2012/main">
-  <p:cSld name="Big number">
+<p:sldLayout xmlns:a="http://schemas.openxmlformats.org/drawingml/2006/main" xmlns:r="http://schemas.openxmlformats.org/officeDocument/2006/relationships" xmlns:mc="http://schemas.openxmlformats.org/markup-compatibility/2006" xmlns:mv="urn:schemas-microsoft-com:mac:vml" xmlns:p="http://schemas.openxmlformats.org/presentationml/2006/main" xmlns:c="http://schemas.openxmlformats.org/drawingml/2006/chart" xmlns:dgm="http://schemas.openxmlformats.org/drawingml/2006/diagram" xmlns:o="urn:schemas-microsoft-com:office:office" xmlns:v="urn:schemas-microsoft-com:vml" xmlns:pvml="urn:schemas-microsoft-com:office:powerpoint" xmlns:com="http://schemas.openxmlformats.org/drawingml/2006/compatibility" xmlns:p14="http://schemas.microsoft.com/office/powerpoint/2010/main" xmlns:p15="http://schemas.microsoft.com/office/powerpoint/2012/main" matchingName="Big number">
+  <p:cSld name="BIG_NUMBER">
     <p:spTree>
       <p:nvGrpSpPr>
         <p:cNvPr id="44" name="Shape 44"/>
@@ -2673,8 +3127,8 @@
 </file>
 
 <file path=ppt/slideLayouts/slideLayout11.xml><?xml version="1.0" encoding="utf-8"?>
-<p:sldLayout xmlns:a="http://schemas.openxmlformats.org/drawingml/2006/main" xmlns:r="http://schemas.openxmlformats.org/officeDocument/2006/relationships" xmlns:mc="http://schemas.openxmlformats.org/markup-compatibility/2006" xmlns:mv="urn:schemas-microsoft-com:mac:vml" xmlns:p="http://schemas.openxmlformats.org/presentationml/2006/main" xmlns:c="http://schemas.openxmlformats.org/drawingml/2006/chart" xmlns:dgm="http://schemas.openxmlformats.org/drawingml/2006/diagram" xmlns:o="urn:schemas-microsoft-com:office:office" xmlns:v="urn:schemas-microsoft-com:vml" xmlns:pvml="urn:schemas-microsoft-com:office:powerpoint" xmlns:com="http://schemas.openxmlformats.org/drawingml/2006/compatibility" xmlns:p14="http://schemas.microsoft.com/office/powerpoint/2010/main" xmlns:p15="http://schemas.microsoft.com/office/powerpoint/2012/main" type="blank">
-  <p:cSld name="Blank">
+<p:sldLayout xmlns:a="http://schemas.openxmlformats.org/drawingml/2006/main" xmlns:r="http://schemas.openxmlformats.org/officeDocument/2006/relationships" xmlns:mc="http://schemas.openxmlformats.org/markup-compatibility/2006" xmlns:mv="urn:schemas-microsoft-com:mac:vml" xmlns:p="http://schemas.openxmlformats.org/presentationml/2006/main" xmlns:c="http://schemas.openxmlformats.org/drawingml/2006/chart" xmlns:dgm="http://schemas.openxmlformats.org/drawingml/2006/diagram" xmlns:o="urn:schemas-microsoft-com:office:office" xmlns:v="urn:schemas-microsoft-com:vml" xmlns:pvml="urn:schemas-microsoft-com:office:powerpoint" xmlns:com="http://schemas.openxmlformats.org/drawingml/2006/compatibility" xmlns:p14="http://schemas.microsoft.com/office/powerpoint/2010/main" xmlns:p15="http://schemas.microsoft.com/office/powerpoint/2012/main" matchingName="Blank" type="blank">
+  <p:cSld name="BLANK">
     <p:spTree>
       <p:nvGrpSpPr>
         <p:cNvPr id="48" name="Shape 48"/>
@@ -2802,8 +3256,8 @@
 </file>
 
 <file path=ppt/slideLayouts/slideLayout2.xml><?xml version="1.0" encoding="utf-8"?>
-<p:sldLayout xmlns:a="http://schemas.openxmlformats.org/drawingml/2006/main" xmlns:r="http://schemas.openxmlformats.org/officeDocument/2006/relationships" xmlns:mc="http://schemas.openxmlformats.org/markup-compatibility/2006" xmlns:mv="urn:schemas-microsoft-com:mac:vml" xmlns:p="http://schemas.openxmlformats.org/presentationml/2006/main" xmlns:c="http://schemas.openxmlformats.org/drawingml/2006/chart" xmlns:dgm="http://schemas.openxmlformats.org/drawingml/2006/diagram" xmlns:o="urn:schemas-microsoft-com:office:office" xmlns:v="urn:schemas-microsoft-com:vml" xmlns:pvml="urn:schemas-microsoft-com:office:powerpoint" xmlns:com="http://schemas.openxmlformats.org/drawingml/2006/compatibility" xmlns:p14="http://schemas.microsoft.com/office/powerpoint/2010/main" xmlns:p15="http://schemas.microsoft.com/office/powerpoint/2012/main" type="secHead">
-  <p:cSld name="Section header">
+<p:sldLayout xmlns:a="http://schemas.openxmlformats.org/drawingml/2006/main" xmlns:r="http://schemas.openxmlformats.org/officeDocument/2006/relationships" xmlns:mc="http://schemas.openxmlformats.org/markup-compatibility/2006" xmlns:mv="urn:schemas-microsoft-com:mac:vml" xmlns:p="http://schemas.openxmlformats.org/presentationml/2006/main" xmlns:c="http://schemas.openxmlformats.org/drawingml/2006/chart" xmlns:dgm="http://schemas.openxmlformats.org/drawingml/2006/diagram" xmlns:o="urn:schemas-microsoft-com:office:office" xmlns:v="urn:schemas-microsoft-com:vml" xmlns:pvml="urn:schemas-microsoft-com:office:powerpoint" xmlns:com="http://schemas.openxmlformats.org/drawingml/2006/compatibility" xmlns:p14="http://schemas.microsoft.com/office/powerpoint/2010/main" xmlns:p15="http://schemas.microsoft.com/office/powerpoint/2012/main" matchingName="Section header" type="secHead">
+  <p:cSld name="SECTION_HEADER">
     <p:spTree>
       <p:nvGrpSpPr>
         <p:cNvPr id="13" name="Shape 13"/>
@@ -3054,8 +3508,8 @@
 </file>
 
 <file path=ppt/slideLayouts/slideLayout3.xml><?xml version="1.0" encoding="utf-8"?>
-<p:sldLayout xmlns:a="http://schemas.openxmlformats.org/drawingml/2006/main" xmlns:r="http://schemas.openxmlformats.org/officeDocument/2006/relationships" xmlns:mc="http://schemas.openxmlformats.org/markup-compatibility/2006" xmlns:mv="urn:schemas-microsoft-com:mac:vml" xmlns:p="http://schemas.openxmlformats.org/presentationml/2006/main" xmlns:c="http://schemas.openxmlformats.org/drawingml/2006/chart" xmlns:dgm="http://schemas.openxmlformats.org/drawingml/2006/diagram" xmlns:o="urn:schemas-microsoft-com:office:office" xmlns:v="urn:schemas-microsoft-com:vml" xmlns:pvml="urn:schemas-microsoft-com:office:powerpoint" xmlns:com="http://schemas.openxmlformats.org/drawingml/2006/compatibility" xmlns:p14="http://schemas.microsoft.com/office/powerpoint/2010/main" xmlns:p15="http://schemas.microsoft.com/office/powerpoint/2012/main" type="tx">
-  <p:cSld name="Title and body">
+<p:sldLayout xmlns:a="http://schemas.openxmlformats.org/drawingml/2006/main" xmlns:r="http://schemas.openxmlformats.org/officeDocument/2006/relationships" xmlns:mc="http://schemas.openxmlformats.org/markup-compatibility/2006" xmlns:mv="urn:schemas-microsoft-com:mac:vml" xmlns:p="http://schemas.openxmlformats.org/presentationml/2006/main" xmlns:c="http://schemas.openxmlformats.org/drawingml/2006/chart" xmlns:dgm="http://schemas.openxmlformats.org/drawingml/2006/diagram" xmlns:o="urn:schemas-microsoft-com:office:office" xmlns:v="urn:schemas-microsoft-com:vml" xmlns:pvml="urn:schemas-microsoft-com:office:powerpoint" xmlns:com="http://schemas.openxmlformats.org/drawingml/2006/compatibility" xmlns:p14="http://schemas.microsoft.com/office/powerpoint/2010/main" xmlns:p15="http://schemas.microsoft.com/office/powerpoint/2012/main" matchingName="Title and body" type="tx">
+  <p:cSld name="TITLE_AND_BODY">
     <p:spTree>
       <p:nvGrpSpPr>
         <p:cNvPr id="16" name="Shape 16"/>
@@ -3429,8 +3883,8 @@
 </file>
 
 <file path=ppt/slideLayouts/slideLayout4.xml><?xml version="1.0" encoding="utf-8"?>
-<p:sldLayout xmlns:a="http://schemas.openxmlformats.org/drawingml/2006/main" xmlns:r="http://schemas.openxmlformats.org/officeDocument/2006/relationships" xmlns:mc="http://schemas.openxmlformats.org/markup-compatibility/2006" xmlns:mv="urn:schemas-microsoft-com:mac:vml" xmlns:p="http://schemas.openxmlformats.org/presentationml/2006/main" xmlns:c="http://schemas.openxmlformats.org/drawingml/2006/chart" xmlns:dgm="http://schemas.openxmlformats.org/drawingml/2006/diagram" xmlns:o="urn:schemas-microsoft-com:office:office" xmlns:v="urn:schemas-microsoft-com:vml" xmlns:pvml="urn:schemas-microsoft-com:office:powerpoint" xmlns:com="http://schemas.openxmlformats.org/drawingml/2006/compatibility" xmlns:p14="http://schemas.microsoft.com/office/powerpoint/2010/main" xmlns:p15="http://schemas.microsoft.com/office/powerpoint/2012/main" type="twoColTx">
-  <p:cSld name="Title and two columns">
+<p:sldLayout xmlns:a="http://schemas.openxmlformats.org/drawingml/2006/main" xmlns:r="http://schemas.openxmlformats.org/officeDocument/2006/relationships" xmlns:mc="http://schemas.openxmlformats.org/markup-compatibility/2006" xmlns:mv="urn:schemas-microsoft-com:mac:vml" xmlns:p="http://schemas.openxmlformats.org/presentationml/2006/main" xmlns:c="http://schemas.openxmlformats.org/drawingml/2006/chart" xmlns:dgm="http://schemas.openxmlformats.org/drawingml/2006/diagram" xmlns:o="urn:schemas-microsoft-com:office:office" xmlns:v="urn:schemas-microsoft-com:vml" xmlns:pvml="urn:schemas-microsoft-com:office:powerpoint" xmlns:com="http://schemas.openxmlformats.org/drawingml/2006/compatibility" xmlns:p14="http://schemas.microsoft.com/office/powerpoint/2010/main" xmlns:p15="http://schemas.microsoft.com/office/powerpoint/2012/main" matchingName="Title and two columns" type="twoColTx">
+  <p:cSld name="TITLE_AND_TWO_COLUMNS">
     <p:spTree>
       <p:nvGrpSpPr>
         <p:cNvPr id="20" name="Shape 20"/>
@@ -3927,8 +4381,8 @@
 </file>
 
 <file path=ppt/slideLayouts/slideLayout5.xml><?xml version="1.0" encoding="utf-8"?>
-<p:sldLayout xmlns:a="http://schemas.openxmlformats.org/drawingml/2006/main" xmlns:r="http://schemas.openxmlformats.org/officeDocument/2006/relationships" xmlns:mc="http://schemas.openxmlformats.org/markup-compatibility/2006" xmlns:mv="urn:schemas-microsoft-com:mac:vml" xmlns:p="http://schemas.openxmlformats.org/presentationml/2006/main" xmlns:c="http://schemas.openxmlformats.org/drawingml/2006/chart" xmlns:dgm="http://schemas.openxmlformats.org/drawingml/2006/diagram" xmlns:o="urn:schemas-microsoft-com:office:office" xmlns:v="urn:schemas-microsoft-com:vml" xmlns:pvml="urn:schemas-microsoft-com:office:powerpoint" xmlns:com="http://schemas.openxmlformats.org/drawingml/2006/compatibility" xmlns:p14="http://schemas.microsoft.com/office/powerpoint/2010/main" xmlns:p15="http://schemas.microsoft.com/office/powerpoint/2012/main" type="titleOnly">
-  <p:cSld name="Title only">
+<p:sldLayout xmlns:a="http://schemas.openxmlformats.org/drawingml/2006/main" xmlns:r="http://schemas.openxmlformats.org/officeDocument/2006/relationships" xmlns:mc="http://schemas.openxmlformats.org/markup-compatibility/2006" xmlns:mv="urn:schemas-microsoft-com:mac:vml" xmlns:p="http://schemas.openxmlformats.org/presentationml/2006/main" xmlns:c="http://schemas.openxmlformats.org/drawingml/2006/chart" xmlns:dgm="http://schemas.openxmlformats.org/drawingml/2006/diagram" xmlns:o="urn:schemas-microsoft-com:office:office" xmlns:v="urn:schemas-microsoft-com:vml" xmlns:pvml="urn:schemas-microsoft-com:office:powerpoint" xmlns:com="http://schemas.openxmlformats.org/drawingml/2006/compatibility" xmlns:p14="http://schemas.microsoft.com/office/powerpoint/2010/main" xmlns:p15="http://schemas.microsoft.com/office/powerpoint/2012/main" matchingName="Title only" type="titleOnly">
+  <p:cSld name="TITLE_ONLY">
     <p:spTree>
       <p:nvGrpSpPr>
         <p:cNvPr id="25" name="Shape 25"/>
@@ -4179,8 +4633,8 @@
 </file>
 
 <file path=ppt/slideLayouts/slideLayout6.xml><?xml version="1.0" encoding="utf-8"?>
-<p:sldLayout xmlns:a="http://schemas.openxmlformats.org/drawingml/2006/main" xmlns:r="http://schemas.openxmlformats.org/officeDocument/2006/relationships" xmlns:mc="http://schemas.openxmlformats.org/markup-compatibility/2006" xmlns:mv="urn:schemas-microsoft-com:mac:vml" xmlns:p="http://schemas.openxmlformats.org/presentationml/2006/main" xmlns:c="http://schemas.openxmlformats.org/drawingml/2006/chart" xmlns:dgm="http://schemas.openxmlformats.org/drawingml/2006/diagram" xmlns:o="urn:schemas-microsoft-com:office:office" xmlns:v="urn:schemas-microsoft-com:vml" xmlns:pvml="urn:schemas-microsoft-com:office:powerpoint" xmlns:com="http://schemas.openxmlformats.org/drawingml/2006/compatibility" xmlns:p14="http://schemas.microsoft.com/office/powerpoint/2010/main" xmlns:p15="http://schemas.microsoft.com/office/powerpoint/2012/main">
-  <p:cSld name="One column text">
+<p:sldLayout xmlns:a="http://schemas.openxmlformats.org/drawingml/2006/main" xmlns:r="http://schemas.openxmlformats.org/officeDocument/2006/relationships" xmlns:mc="http://schemas.openxmlformats.org/markup-compatibility/2006" xmlns:mv="urn:schemas-microsoft-com:mac:vml" xmlns:p="http://schemas.openxmlformats.org/presentationml/2006/main" xmlns:c="http://schemas.openxmlformats.org/drawingml/2006/chart" xmlns:dgm="http://schemas.openxmlformats.org/drawingml/2006/diagram" xmlns:o="urn:schemas-microsoft-com:office:office" xmlns:v="urn:schemas-microsoft-com:vml" xmlns:pvml="urn:schemas-microsoft-com:office:powerpoint" xmlns:com="http://schemas.openxmlformats.org/drawingml/2006/compatibility" xmlns:p14="http://schemas.microsoft.com/office/powerpoint/2010/main" xmlns:p15="http://schemas.microsoft.com/office/powerpoint/2012/main" matchingName="One column text">
+  <p:cSld name="ONE_COLUMN_TEXT">
     <p:spTree>
       <p:nvGrpSpPr>
         <p:cNvPr id="28" name="Shape 28"/>
@@ -4554,8 +5008,8 @@
 </file>
 
 <file path=ppt/slideLayouts/slideLayout7.xml><?xml version="1.0" encoding="utf-8"?>
-<p:sldLayout xmlns:a="http://schemas.openxmlformats.org/drawingml/2006/main" xmlns:r="http://schemas.openxmlformats.org/officeDocument/2006/relationships" xmlns:mc="http://schemas.openxmlformats.org/markup-compatibility/2006" xmlns:mv="urn:schemas-microsoft-com:mac:vml" xmlns:p="http://schemas.openxmlformats.org/presentationml/2006/main" xmlns:c="http://schemas.openxmlformats.org/drawingml/2006/chart" xmlns:dgm="http://schemas.openxmlformats.org/drawingml/2006/diagram" xmlns:o="urn:schemas-microsoft-com:office:office" xmlns:v="urn:schemas-microsoft-com:vml" xmlns:pvml="urn:schemas-microsoft-com:office:powerpoint" xmlns:com="http://schemas.openxmlformats.org/drawingml/2006/compatibility" xmlns:p14="http://schemas.microsoft.com/office/powerpoint/2010/main" xmlns:p15="http://schemas.microsoft.com/office/powerpoint/2012/main">
-  <p:cSld name="Main point">
+<p:sldLayout xmlns:a="http://schemas.openxmlformats.org/drawingml/2006/main" xmlns:r="http://schemas.openxmlformats.org/officeDocument/2006/relationships" xmlns:mc="http://schemas.openxmlformats.org/markup-compatibility/2006" xmlns:mv="urn:schemas-microsoft-com:mac:vml" xmlns:p="http://schemas.openxmlformats.org/presentationml/2006/main" xmlns:c="http://schemas.openxmlformats.org/drawingml/2006/chart" xmlns:dgm="http://schemas.openxmlformats.org/drawingml/2006/diagram" xmlns:o="urn:schemas-microsoft-com:office:office" xmlns:v="urn:schemas-microsoft-com:vml" xmlns:pvml="urn:schemas-microsoft-com:office:powerpoint" xmlns:com="http://schemas.openxmlformats.org/drawingml/2006/compatibility" xmlns:p14="http://schemas.microsoft.com/office/powerpoint/2010/main" xmlns:p15="http://schemas.microsoft.com/office/powerpoint/2012/main" matchingName="Main point">
+  <p:cSld name="MAIN_POINT">
     <p:spTree>
       <p:nvGrpSpPr>
         <p:cNvPr id="32" name="Shape 32"/>
@@ -4806,8 +5260,8 @@
 </file>
 
 <file path=ppt/slideLayouts/slideLayout8.xml><?xml version="1.0" encoding="utf-8"?>
-<p:sldLayout xmlns:a="http://schemas.openxmlformats.org/drawingml/2006/main" xmlns:r="http://schemas.openxmlformats.org/officeDocument/2006/relationships" xmlns:mc="http://schemas.openxmlformats.org/markup-compatibility/2006" xmlns:mv="urn:schemas-microsoft-com:mac:vml" xmlns:p="http://schemas.openxmlformats.org/presentationml/2006/main" xmlns:c="http://schemas.openxmlformats.org/drawingml/2006/chart" xmlns:dgm="http://schemas.openxmlformats.org/drawingml/2006/diagram" xmlns:o="urn:schemas-microsoft-com:office:office" xmlns:v="urn:schemas-microsoft-com:vml" xmlns:pvml="urn:schemas-microsoft-com:office:powerpoint" xmlns:com="http://schemas.openxmlformats.org/drawingml/2006/compatibility" xmlns:p14="http://schemas.microsoft.com/office/powerpoint/2010/main" xmlns:p15="http://schemas.microsoft.com/office/powerpoint/2012/main">
-  <p:cSld name="Section title and description">
+<p:sldLayout xmlns:a="http://schemas.openxmlformats.org/drawingml/2006/main" xmlns:r="http://schemas.openxmlformats.org/officeDocument/2006/relationships" xmlns:mc="http://schemas.openxmlformats.org/markup-compatibility/2006" xmlns:mv="urn:schemas-microsoft-com:mac:vml" xmlns:p="http://schemas.openxmlformats.org/presentationml/2006/main" xmlns:c="http://schemas.openxmlformats.org/drawingml/2006/chart" xmlns:dgm="http://schemas.openxmlformats.org/drawingml/2006/diagram" xmlns:o="urn:schemas-microsoft-com:office:office" xmlns:v="urn:schemas-microsoft-com:vml" xmlns:pvml="urn:schemas-microsoft-com:office:powerpoint" xmlns:com="http://schemas.openxmlformats.org/drawingml/2006/compatibility" xmlns:p14="http://schemas.microsoft.com/office/powerpoint/2010/main" xmlns:p15="http://schemas.microsoft.com/office/powerpoint/2012/main" matchingName="Section title and description">
+  <p:cSld name="SECTION_TITLE_AND_DESCRIPTION">
     <p:spTree>
       <p:nvGrpSpPr>
         <p:cNvPr id="35" name="Shape 35"/>
@@ -5374,8 +5828,8 @@
 </file>
 
 <file path=ppt/slideLayouts/slideLayout9.xml><?xml version="1.0" encoding="utf-8"?>
-<p:sldLayout xmlns:a="http://schemas.openxmlformats.org/drawingml/2006/main" xmlns:r="http://schemas.openxmlformats.org/officeDocument/2006/relationships" xmlns:mc="http://schemas.openxmlformats.org/markup-compatibility/2006" xmlns:mv="urn:schemas-microsoft-com:mac:vml" xmlns:p="http://schemas.openxmlformats.org/presentationml/2006/main" xmlns:c="http://schemas.openxmlformats.org/drawingml/2006/chart" xmlns:dgm="http://schemas.openxmlformats.org/drawingml/2006/diagram" xmlns:o="urn:schemas-microsoft-com:office:office" xmlns:v="urn:schemas-microsoft-com:vml" xmlns:pvml="urn:schemas-microsoft-com:office:powerpoint" xmlns:com="http://schemas.openxmlformats.org/drawingml/2006/compatibility" xmlns:p14="http://schemas.microsoft.com/office/powerpoint/2010/main" xmlns:p15="http://schemas.microsoft.com/office/powerpoint/2012/main">
-  <p:cSld name="Caption">
+<p:sldLayout xmlns:a="http://schemas.openxmlformats.org/drawingml/2006/main" xmlns:r="http://schemas.openxmlformats.org/officeDocument/2006/relationships" xmlns:mc="http://schemas.openxmlformats.org/markup-compatibility/2006" xmlns:mv="urn:schemas-microsoft-com:mac:vml" xmlns:p="http://schemas.openxmlformats.org/presentationml/2006/main" xmlns:c="http://schemas.openxmlformats.org/drawingml/2006/chart" xmlns:dgm="http://schemas.openxmlformats.org/drawingml/2006/diagram" xmlns:o="urn:schemas-microsoft-com:office:office" xmlns:v="urn:schemas-microsoft-com:vml" xmlns:pvml="urn:schemas-microsoft-com:office:powerpoint" xmlns:com="http://schemas.openxmlformats.org/drawingml/2006/compatibility" xmlns:p14="http://schemas.microsoft.com/office/powerpoint/2010/main" xmlns:p15="http://schemas.microsoft.com/office/powerpoint/2012/main" matchingName="Caption">
+  <p:cSld name="CAPTION_ONLY">
     <p:spTree>
       <p:nvGrpSpPr>
         <p:cNvPr id="41" name="Shape 41"/>
@@ -6155,7 +6609,10 @@
         <a:spcAft>
           <a:spcPts val="0"/>
         </a:spcAft>
-        <a:buNone/>
+        <a:buClr>
+          <a:srgbClr val="000000"/>
+        </a:buClr>
+        <a:buFont typeface="Arial"/>
         <a:defRPr b="0" i="0" sz="1400" u="none" cap="none" strike="noStrike">
           <a:solidFill>
             <a:srgbClr val="000000"/>
@@ -6166,6 +6623,198 @@
           <a:sym typeface="Arial"/>
         </a:defRPr>
       </a:lvl1pPr>
+      <a:lvl2pPr lvl="1" marR="0" rtl="0" algn="l">
+        <a:lnSpc>
+          <a:spcPct val="100000"/>
+        </a:lnSpc>
+        <a:spcBef>
+          <a:spcPts val="0"/>
+        </a:spcBef>
+        <a:spcAft>
+          <a:spcPts val="0"/>
+        </a:spcAft>
+        <a:buClr>
+          <a:srgbClr val="000000"/>
+        </a:buClr>
+        <a:buFont typeface="Arial"/>
+        <a:defRPr b="0" i="0" sz="1400" u="none" cap="none" strike="noStrike">
+          <a:solidFill>
+            <a:srgbClr val="000000"/>
+          </a:solidFill>
+          <a:latin typeface="Arial"/>
+          <a:ea typeface="Arial"/>
+          <a:cs typeface="Arial"/>
+          <a:sym typeface="Arial"/>
+        </a:defRPr>
+      </a:lvl2pPr>
+      <a:lvl3pPr lvl="2" marR="0" rtl="0" algn="l">
+        <a:lnSpc>
+          <a:spcPct val="100000"/>
+        </a:lnSpc>
+        <a:spcBef>
+          <a:spcPts val="0"/>
+        </a:spcBef>
+        <a:spcAft>
+          <a:spcPts val="0"/>
+        </a:spcAft>
+        <a:buClr>
+          <a:srgbClr val="000000"/>
+        </a:buClr>
+        <a:buFont typeface="Arial"/>
+        <a:defRPr b="0" i="0" sz="1400" u="none" cap="none" strike="noStrike">
+          <a:solidFill>
+            <a:srgbClr val="000000"/>
+          </a:solidFill>
+          <a:latin typeface="Arial"/>
+          <a:ea typeface="Arial"/>
+          <a:cs typeface="Arial"/>
+          <a:sym typeface="Arial"/>
+        </a:defRPr>
+      </a:lvl3pPr>
+      <a:lvl4pPr lvl="3" marR="0" rtl="0" algn="l">
+        <a:lnSpc>
+          <a:spcPct val="100000"/>
+        </a:lnSpc>
+        <a:spcBef>
+          <a:spcPts val="0"/>
+        </a:spcBef>
+        <a:spcAft>
+          <a:spcPts val="0"/>
+        </a:spcAft>
+        <a:buClr>
+          <a:srgbClr val="000000"/>
+        </a:buClr>
+        <a:buFont typeface="Arial"/>
+        <a:defRPr b="0" i="0" sz="1400" u="none" cap="none" strike="noStrike">
+          <a:solidFill>
+            <a:srgbClr val="000000"/>
+          </a:solidFill>
+          <a:latin typeface="Arial"/>
+          <a:ea typeface="Arial"/>
+          <a:cs typeface="Arial"/>
+          <a:sym typeface="Arial"/>
+        </a:defRPr>
+      </a:lvl4pPr>
+      <a:lvl5pPr lvl="4" marR="0" rtl="0" algn="l">
+        <a:lnSpc>
+          <a:spcPct val="100000"/>
+        </a:lnSpc>
+        <a:spcBef>
+          <a:spcPts val="0"/>
+        </a:spcBef>
+        <a:spcAft>
+          <a:spcPts val="0"/>
+        </a:spcAft>
+        <a:buClr>
+          <a:srgbClr val="000000"/>
+        </a:buClr>
+        <a:buFont typeface="Arial"/>
+        <a:defRPr b="0" i="0" sz="1400" u="none" cap="none" strike="noStrike">
+          <a:solidFill>
+            <a:srgbClr val="000000"/>
+          </a:solidFill>
+          <a:latin typeface="Arial"/>
+          <a:ea typeface="Arial"/>
+          <a:cs typeface="Arial"/>
+          <a:sym typeface="Arial"/>
+        </a:defRPr>
+      </a:lvl5pPr>
+      <a:lvl6pPr lvl="5" marR="0" rtl="0" algn="l">
+        <a:lnSpc>
+          <a:spcPct val="100000"/>
+        </a:lnSpc>
+        <a:spcBef>
+          <a:spcPts val="0"/>
+        </a:spcBef>
+        <a:spcAft>
+          <a:spcPts val="0"/>
+        </a:spcAft>
+        <a:buClr>
+          <a:srgbClr val="000000"/>
+        </a:buClr>
+        <a:buFont typeface="Arial"/>
+        <a:defRPr b="0" i="0" sz="1400" u="none" cap="none" strike="noStrike">
+          <a:solidFill>
+            <a:srgbClr val="000000"/>
+          </a:solidFill>
+          <a:latin typeface="Arial"/>
+          <a:ea typeface="Arial"/>
+          <a:cs typeface="Arial"/>
+          <a:sym typeface="Arial"/>
+        </a:defRPr>
+      </a:lvl6pPr>
+      <a:lvl7pPr lvl="6" marR="0" rtl="0" algn="l">
+        <a:lnSpc>
+          <a:spcPct val="100000"/>
+        </a:lnSpc>
+        <a:spcBef>
+          <a:spcPts val="0"/>
+        </a:spcBef>
+        <a:spcAft>
+          <a:spcPts val="0"/>
+        </a:spcAft>
+        <a:buClr>
+          <a:srgbClr val="000000"/>
+        </a:buClr>
+        <a:buFont typeface="Arial"/>
+        <a:defRPr b="0" i="0" sz="1400" u="none" cap="none" strike="noStrike">
+          <a:solidFill>
+            <a:srgbClr val="000000"/>
+          </a:solidFill>
+          <a:latin typeface="Arial"/>
+          <a:ea typeface="Arial"/>
+          <a:cs typeface="Arial"/>
+          <a:sym typeface="Arial"/>
+        </a:defRPr>
+      </a:lvl7pPr>
+      <a:lvl8pPr lvl="7" marR="0" rtl="0" algn="l">
+        <a:lnSpc>
+          <a:spcPct val="100000"/>
+        </a:lnSpc>
+        <a:spcBef>
+          <a:spcPts val="0"/>
+        </a:spcBef>
+        <a:spcAft>
+          <a:spcPts val="0"/>
+        </a:spcAft>
+        <a:buClr>
+          <a:srgbClr val="000000"/>
+        </a:buClr>
+        <a:buFont typeface="Arial"/>
+        <a:defRPr b="0" i="0" sz="1400" u="none" cap="none" strike="noStrike">
+          <a:solidFill>
+            <a:srgbClr val="000000"/>
+          </a:solidFill>
+          <a:latin typeface="Arial"/>
+          <a:ea typeface="Arial"/>
+          <a:cs typeface="Arial"/>
+          <a:sym typeface="Arial"/>
+        </a:defRPr>
+      </a:lvl8pPr>
+      <a:lvl9pPr lvl="8" marR="0" rtl="0" algn="l">
+        <a:lnSpc>
+          <a:spcPct val="100000"/>
+        </a:lnSpc>
+        <a:spcBef>
+          <a:spcPts val="0"/>
+        </a:spcBef>
+        <a:spcAft>
+          <a:spcPts val="0"/>
+        </a:spcAft>
+        <a:buClr>
+          <a:srgbClr val="000000"/>
+        </a:buClr>
+        <a:buFont typeface="Arial"/>
+        <a:defRPr b="0" i="0" sz="1400" u="none" cap="none" strike="noStrike">
+          <a:solidFill>
+            <a:srgbClr val="000000"/>
+          </a:solidFill>
+          <a:latin typeface="Arial"/>
+          <a:ea typeface="Arial"/>
+          <a:cs typeface="Arial"/>
+          <a:sym typeface="Arial"/>
+        </a:defRPr>
+      </a:lvl9pPr>
     </p:titleStyle>
     <p:bodyStyle>
       <a:defPPr lvl="0" marR="0" rtl="0" algn="l">
@@ -6189,7 +6838,10 @@
         <a:spcAft>
           <a:spcPts val="0"/>
         </a:spcAft>
-        <a:buNone/>
+        <a:buClr>
+          <a:srgbClr val="000000"/>
+        </a:buClr>
+        <a:buFont typeface="Arial"/>
         <a:defRPr b="0" i="0" sz="1400" u="none" cap="none" strike="noStrike">
           <a:solidFill>
             <a:srgbClr val="000000"/>
@@ -6210,7 +6862,10 @@
         <a:spcAft>
           <a:spcPts val="0"/>
         </a:spcAft>
-        <a:buNone/>
+        <a:buClr>
+          <a:srgbClr val="000000"/>
+        </a:buClr>
+        <a:buFont typeface="Arial"/>
         <a:defRPr b="0" i="0" sz="1400" u="none" cap="none" strike="noStrike">
           <a:solidFill>
             <a:srgbClr val="000000"/>
@@ -6231,7 +6886,10 @@
         <a:spcAft>
           <a:spcPts val="0"/>
         </a:spcAft>
-        <a:buNone/>
+        <a:buClr>
+          <a:srgbClr val="000000"/>
+        </a:buClr>
+        <a:buFont typeface="Arial"/>
         <a:defRPr b="0" i="0" sz="1400" u="none" cap="none" strike="noStrike">
           <a:solidFill>
             <a:srgbClr val="000000"/>
@@ -6252,7 +6910,10 @@
         <a:spcAft>
           <a:spcPts val="0"/>
         </a:spcAft>
-        <a:buNone/>
+        <a:buClr>
+          <a:srgbClr val="000000"/>
+        </a:buClr>
+        <a:buFont typeface="Arial"/>
         <a:defRPr b="0" i="0" sz="1400" u="none" cap="none" strike="noStrike">
           <a:solidFill>
             <a:srgbClr val="000000"/>
@@ -6273,7 +6934,10 @@
         <a:spcAft>
           <a:spcPts val="0"/>
         </a:spcAft>
-        <a:buNone/>
+        <a:buClr>
+          <a:srgbClr val="000000"/>
+        </a:buClr>
+        <a:buFont typeface="Arial"/>
         <a:defRPr b="0" i="0" sz="1400" u="none" cap="none" strike="noStrike">
           <a:solidFill>
             <a:srgbClr val="000000"/>
@@ -6294,7 +6958,10 @@
         <a:spcAft>
           <a:spcPts val="0"/>
         </a:spcAft>
-        <a:buNone/>
+        <a:buClr>
+          <a:srgbClr val="000000"/>
+        </a:buClr>
+        <a:buFont typeface="Arial"/>
         <a:defRPr b="0" i="0" sz="1400" u="none" cap="none" strike="noStrike">
           <a:solidFill>
             <a:srgbClr val="000000"/>
@@ -6315,7 +6982,10 @@
         <a:spcAft>
           <a:spcPts val="0"/>
         </a:spcAft>
-        <a:buNone/>
+        <a:buClr>
+          <a:srgbClr val="000000"/>
+        </a:buClr>
+        <a:buFont typeface="Arial"/>
         <a:defRPr b="0" i="0" sz="1400" u="none" cap="none" strike="noStrike">
           <a:solidFill>
             <a:srgbClr val="000000"/>
@@ -6336,7 +7006,10 @@
         <a:spcAft>
           <a:spcPts val="0"/>
         </a:spcAft>
-        <a:buNone/>
+        <a:buClr>
+          <a:srgbClr val="000000"/>
+        </a:buClr>
+        <a:buFont typeface="Arial"/>
         <a:defRPr b="0" i="0" sz="1400" u="none" cap="none" strike="noStrike">
           <a:solidFill>
             <a:srgbClr val="000000"/>
@@ -6357,7 +7030,10 @@
         <a:spcAft>
           <a:spcPts val="0"/>
         </a:spcAft>
-        <a:buNone/>
+        <a:buClr>
+          <a:srgbClr val="000000"/>
+        </a:buClr>
+        <a:buFont typeface="Arial"/>
         <a:defRPr b="0" i="0" sz="1400" u="none" cap="none" strike="noStrike">
           <a:solidFill>
             <a:srgbClr val="000000"/>
@@ -6391,7 +7067,10 @@
         <a:spcAft>
           <a:spcPts val="0"/>
         </a:spcAft>
-        <a:buNone/>
+        <a:buClr>
+          <a:srgbClr val="000000"/>
+        </a:buClr>
+        <a:buFont typeface="Arial"/>
         <a:defRPr b="0" i="0" sz="1400" u="none" cap="none" strike="noStrike">
           <a:solidFill>
             <a:srgbClr val="000000"/>
@@ -6412,7 +7091,10 @@
         <a:spcAft>
           <a:spcPts val="0"/>
         </a:spcAft>
-        <a:buNone/>
+        <a:buClr>
+          <a:srgbClr val="000000"/>
+        </a:buClr>
+        <a:buFont typeface="Arial"/>
         <a:defRPr b="0" i="0" sz="1400" u="none" cap="none" strike="noStrike">
           <a:solidFill>
             <a:srgbClr val="000000"/>
@@ -6433,7 +7115,10 @@
         <a:spcAft>
           <a:spcPts val="0"/>
         </a:spcAft>
-        <a:buNone/>
+        <a:buClr>
+          <a:srgbClr val="000000"/>
+        </a:buClr>
+        <a:buFont typeface="Arial"/>
         <a:defRPr b="0" i="0" sz="1400" u="none" cap="none" strike="noStrike">
           <a:solidFill>
             <a:srgbClr val="000000"/>
@@ -6454,7 +7139,10 @@
         <a:spcAft>
           <a:spcPts val="0"/>
         </a:spcAft>
-        <a:buNone/>
+        <a:buClr>
+          <a:srgbClr val="000000"/>
+        </a:buClr>
+        <a:buFont typeface="Arial"/>
         <a:defRPr b="0" i="0" sz="1400" u="none" cap="none" strike="noStrike">
           <a:solidFill>
             <a:srgbClr val="000000"/>
@@ -6475,7 +7163,10 @@
         <a:spcAft>
           <a:spcPts val="0"/>
         </a:spcAft>
-        <a:buNone/>
+        <a:buClr>
+          <a:srgbClr val="000000"/>
+        </a:buClr>
+        <a:buFont typeface="Arial"/>
         <a:defRPr b="0" i="0" sz="1400" u="none" cap="none" strike="noStrike">
           <a:solidFill>
             <a:srgbClr val="000000"/>
@@ -6496,7 +7187,10 @@
         <a:spcAft>
           <a:spcPts val="0"/>
         </a:spcAft>
-        <a:buNone/>
+        <a:buClr>
+          <a:srgbClr val="000000"/>
+        </a:buClr>
+        <a:buFont typeface="Arial"/>
         <a:defRPr b="0" i="0" sz="1400" u="none" cap="none" strike="noStrike">
           <a:solidFill>
             <a:srgbClr val="000000"/>
@@ -6517,7 +7211,10 @@
         <a:spcAft>
           <a:spcPts val="0"/>
         </a:spcAft>
-        <a:buNone/>
+        <a:buClr>
+          <a:srgbClr val="000000"/>
+        </a:buClr>
+        <a:buFont typeface="Arial"/>
         <a:defRPr b="0" i="0" sz="1400" u="none" cap="none" strike="noStrike">
           <a:solidFill>
             <a:srgbClr val="000000"/>
@@ -6538,7 +7235,10 @@
         <a:spcAft>
           <a:spcPts val="0"/>
         </a:spcAft>
-        <a:buNone/>
+        <a:buClr>
+          <a:srgbClr val="000000"/>
+        </a:buClr>
+        <a:buFont typeface="Arial"/>
         <a:defRPr b="0" i="0" sz="1400" u="none" cap="none" strike="noStrike">
           <a:solidFill>
             <a:srgbClr val="000000"/>
@@ -6559,7 +7259,10 @@
         <a:spcAft>
           <a:spcPts val="0"/>
         </a:spcAft>
-        <a:buNone/>
+        <a:buClr>
+          <a:srgbClr val="000000"/>
+        </a:buClr>
+        <a:buFont typeface="Arial"/>
         <a:defRPr b="0" i="0" sz="1400" u="none" cap="none" strike="noStrike">
           <a:solidFill>
             <a:srgbClr val="000000"/>
@@ -6727,16 +7430,11 @@
               <a:spcAft>
                 <a:spcPts val="0"/>
               </a:spcAft>
-              <a:buClr>
-                <a:schemeClr val="dk1"/>
-              </a:buClr>
-              <a:buSzPts val="1100"/>
-              <a:buFont typeface="Arial"/>
               <a:buNone/>
             </a:pPr>
             <a:r>
               <a:rPr lang="zh-CN"/>
-              <a:t>Result</a:t>
+              <a:t>implementation: category in Dataset</a:t>
             </a:r>
             <a:endParaRPr/>
           </a:p>
@@ -6776,7 +7474,41 @@
             </a:pPr>
             <a:r>
               <a:rPr lang="zh-CN"/>
-              <a:t>Training time: the total training number is about 180,000 images. One full epoch will take approximate 30-40 hours.</a:t>
+              <a:t>{0: 'Polo_Shirt', 1: 'T_Shirt', 2: 'Summer_Wear', 3: 'Tank_Top', 4: 'Lace_Shirt', 5: 'Blouse', 6: 'Coat', 7: 'Chiffon', 8: 'Pants', 9: 'Skirt', 10: 'Leggings', 11: 'Jeans', 12: 'Dress', 13: 'Suspenders_Skirt', 14: 'Sleeveless_Dress', 15: 'Lace_Dress', 16: 'bg'}</a:t>
+            </a:r>
+            <a:endParaRPr/>
+          </a:p>
+          <a:p>
+            <a:pPr indent="-342900" lvl="0" marL="457200" rtl="0">
+              <a:spcBef>
+                <a:spcPts val="1600"/>
+              </a:spcBef>
+              <a:spcAft>
+                <a:spcPts val="0"/>
+              </a:spcAft>
+              <a:buSzPts val="1800"/>
+              <a:buAutoNum type="arabicPeriod"/>
+            </a:pPr>
+            <a:r>
+              <a:rPr lang="zh-CN"/>
+              <a:t>‘bg’ is referred as background</a:t>
+            </a:r>
+            <a:endParaRPr/>
+          </a:p>
+          <a:p>
+            <a:pPr indent="-342900" lvl="0" marL="457200" rtl="0">
+              <a:spcBef>
+                <a:spcPts val="0"/>
+              </a:spcBef>
+              <a:spcAft>
+                <a:spcPts val="0"/>
+              </a:spcAft>
+              <a:buSzPts val="1800"/>
+              <a:buAutoNum type="arabicPeriod"/>
+            </a:pPr>
+            <a:r>
+              <a:rPr lang="zh-CN"/>
+              <a:t>Even the dataset only contains women’s apparel clothes; a subcategory can be selected from the whole set. From my point of view, it is worth examining the generalization performance of the algorithm. Since it may not be pre determined the gender of the cloth for. </a:t>
             </a:r>
             <a:endParaRPr/>
           </a:p>
@@ -6791,8 +7523,7 @@
               <a:buNone/>
             </a:pPr>
             <a:r>
-              <a:rPr lang="zh-CN"/>
-              <a:t>Test time: for each image the recognition time will take 300ms to 700ms based on the image size.</a:t>
+              <a:t/>
             </a:r>
             <a:endParaRPr/>
           </a:p>
@@ -6857,6 +7588,245 @@
             </a:pPr>
             <a:r>
               <a:rPr lang="zh-CN"/>
+              <a:t>Implementation: training facility</a:t>
+            </a:r>
+            <a:endParaRPr/>
+          </a:p>
+        </p:txBody>
+      </p:sp>
+      <p:sp>
+        <p:nvSpPr>
+          <p:cNvPr id="185" name="Shape 185"/>
+          <p:cNvSpPr txBox="1"/>
+          <p:nvPr>
+            <p:ph idx="1" type="body"/>
+          </p:nvPr>
+        </p:nvSpPr>
+        <p:spPr>
+          <a:xfrm>
+            <a:off x="311700" y="1152475"/>
+            <a:ext cx="8520600" cy="3416400"/>
+          </a:xfrm>
+          <a:prstGeom prst="rect">
+            <a:avLst/>
+          </a:prstGeom>
+        </p:spPr>
+        <p:txBody>
+          <a:bodyPr anchorCtr="0" anchor="t" bIns="91425" lIns="91425" spcFirstLastPara="1" rIns="91425" wrap="square" tIns="91425">
+            <a:noAutofit/>
+          </a:bodyPr>
+          <a:lstStyle/>
+          <a:p>
+            <a:pPr indent="0" lvl="0" marL="0">
+              <a:spcBef>
+                <a:spcPts val="0"/>
+              </a:spcBef>
+              <a:spcAft>
+                <a:spcPts val="1600"/>
+              </a:spcAft>
+              <a:buNone/>
+            </a:pPr>
+            <a:r>
+              <a:rPr lang="zh-CN"/>
+              <a:t>1 GeForce GTX 1080 GPU</a:t>
+            </a:r>
+            <a:endParaRPr/>
+          </a:p>
+        </p:txBody>
+      </p:sp>
+    </p:spTree>
+  </p:cSld>
+  <p:clrMapOvr>
+    <a:masterClrMapping/>
+  </p:clrMapOvr>
+</p:sld>
+</file>
+
+<file path=ppt/slides/slide12.xml><?xml version="1.0" encoding="utf-8"?>
+<p:sld xmlns:a="http://schemas.openxmlformats.org/drawingml/2006/main" xmlns:r="http://schemas.openxmlformats.org/officeDocument/2006/relationships" xmlns:mc="http://schemas.openxmlformats.org/markup-compatibility/2006" xmlns:mv="urn:schemas-microsoft-com:mac:vml" xmlns:p="http://schemas.openxmlformats.org/presentationml/2006/main" xmlns:c="http://schemas.openxmlformats.org/drawingml/2006/chart" xmlns:dgm="http://schemas.openxmlformats.org/drawingml/2006/diagram" xmlns:o="urn:schemas-microsoft-com:office:office" xmlns:v="urn:schemas-microsoft-com:vml" xmlns:pvml="urn:schemas-microsoft-com:office:powerpoint" xmlns:com="http://schemas.openxmlformats.org/drawingml/2006/compatibility" xmlns:p14="http://schemas.microsoft.com/office/powerpoint/2010/main" xmlns:p15="http://schemas.microsoft.com/office/powerpoint/2012/main">
+  <p:cSld>
+    <p:spTree>
+      <p:nvGrpSpPr>
+        <p:cNvPr id="189" name="Shape 189"/>
+        <p:cNvGrpSpPr/>
+        <p:nvPr/>
+      </p:nvGrpSpPr>
+      <p:grpSpPr>
+        <a:xfrm>
+          <a:off x="0" y="0"/>
+          <a:ext cx="0" cy="0"/>
+          <a:chOff x="0" y="0"/>
+          <a:chExt cx="0" cy="0"/>
+        </a:xfrm>
+      </p:grpSpPr>
+      <p:sp>
+        <p:nvSpPr>
+          <p:cNvPr id="190" name="Shape 190"/>
+          <p:cNvSpPr txBox="1"/>
+          <p:nvPr>
+            <p:ph type="title"/>
+          </p:nvPr>
+        </p:nvSpPr>
+        <p:spPr>
+          <a:xfrm>
+            <a:off x="311700" y="445025"/>
+            <a:ext cx="8520600" cy="572700"/>
+          </a:xfrm>
+          <a:prstGeom prst="rect">
+            <a:avLst/>
+          </a:prstGeom>
+        </p:spPr>
+        <p:txBody>
+          <a:bodyPr anchorCtr="0" anchor="t" bIns="91425" lIns="91425" spcFirstLastPara="1" rIns="91425" wrap="square" tIns="91425">
+            <a:noAutofit/>
+          </a:bodyPr>
+          <a:lstStyle/>
+          <a:p>
+            <a:pPr indent="0" lvl="0" marL="0">
+              <a:spcBef>
+                <a:spcPts val="0"/>
+              </a:spcBef>
+              <a:spcAft>
+                <a:spcPts val="0"/>
+              </a:spcAft>
+              <a:buClr>
+                <a:schemeClr val="dk1"/>
+              </a:buClr>
+              <a:buSzPts val="1100"/>
+              <a:buFont typeface="Arial"/>
+              <a:buNone/>
+            </a:pPr>
+            <a:r>
+              <a:rPr lang="zh-CN"/>
+              <a:t>Result</a:t>
+            </a:r>
+            <a:endParaRPr/>
+          </a:p>
+        </p:txBody>
+      </p:sp>
+      <p:sp>
+        <p:nvSpPr>
+          <p:cNvPr id="191" name="Shape 191"/>
+          <p:cNvSpPr txBox="1"/>
+          <p:nvPr>
+            <p:ph idx="1" type="body"/>
+          </p:nvPr>
+        </p:nvSpPr>
+        <p:spPr>
+          <a:xfrm>
+            <a:off x="311700" y="1152475"/>
+            <a:ext cx="8520600" cy="3416400"/>
+          </a:xfrm>
+          <a:prstGeom prst="rect">
+            <a:avLst/>
+          </a:prstGeom>
+        </p:spPr>
+        <p:txBody>
+          <a:bodyPr anchorCtr="0" anchor="t" bIns="91425" lIns="91425" spcFirstLastPara="1" rIns="91425" wrap="square" tIns="91425">
+            <a:noAutofit/>
+          </a:bodyPr>
+          <a:lstStyle/>
+          <a:p>
+            <a:pPr indent="0" lvl="0" marL="0">
+              <a:spcBef>
+                <a:spcPts val="0"/>
+              </a:spcBef>
+              <a:spcAft>
+                <a:spcPts val="0"/>
+              </a:spcAft>
+              <a:buNone/>
+            </a:pPr>
+            <a:r>
+              <a:rPr lang="zh-CN"/>
+              <a:t>Training time: the total training number is about 180,000 images. One full epoch will take </a:t>
+            </a:r>
+            <a:r>
+              <a:rPr lang="zh-CN"/>
+              <a:t>approximately</a:t>
+            </a:r>
+            <a:r>
+              <a:rPr lang="zh-CN"/>
+              <a:t> 30-40 hours.</a:t>
+            </a:r>
+            <a:endParaRPr/>
+          </a:p>
+          <a:p>
+            <a:pPr indent="0" lvl="0" marL="0">
+              <a:spcBef>
+                <a:spcPts val="1600"/>
+              </a:spcBef>
+              <a:spcAft>
+                <a:spcPts val="1600"/>
+              </a:spcAft>
+              <a:buNone/>
+            </a:pPr>
+            <a:r>
+              <a:rPr lang="zh-CN"/>
+              <a:t>Test time: for each image the recognition time will take 300ms to 700ms based on the image size.</a:t>
+            </a:r>
+            <a:endParaRPr/>
+          </a:p>
+        </p:txBody>
+      </p:sp>
+    </p:spTree>
+  </p:cSld>
+  <p:clrMapOvr>
+    <a:masterClrMapping/>
+  </p:clrMapOvr>
+</p:sld>
+</file>
+
+<file path=ppt/slides/slide13.xml><?xml version="1.0" encoding="utf-8"?>
+<p:sld xmlns:a="http://schemas.openxmlformats.org/drawingml/2006/main" xmlns:r="http://schemas.openxmlformats.org/officeDocument/2006/relationships" xmlns:mc="http://schemas.openxmlformats.org/markup-compatibility/2006" xmlns:mv="urn:schemas-microsoft-com:mac:vml" xmlns:p="http://schemas.openxmlformats.org/presentationml/2006/main" xmlns:c="http://schemas.openxmlformats.org/drawingml/2006/chart" xmlns:dgm="http://schemas.openxmlformats.org/drawingml/2006/diagram" xmlns:o="urn:schemas-microsoft-com:office:office" xmlns:v="urn:schemas-microsoft-com:vml" xmlns:pvml="urn:schemas-microsoft-com:office:powerpoint" xmlns:com="http://schemas.openxmlformats.org/drawingml/2006/compatibility" xmlns:p14="http://schemas.microsoft.com/office/powerpoint/2010/main" xmlns:p15="http://schemas.microsoft.com/office/powerpoint/2012/main">
+  <p:cSld>
+    <p:spTree>
+      <p:nvGrpSpPr>
+        <p:cNvPr id="195" name="Shape 195"/>
+        <p:cNvGrpSpPr/>
+        <p:nvPr/>
+      </p:nvGrpSpPr>
+      <p:grpSpPr>
+        <a:xfrm>
+          <a:off x="0" y="0"/>
+          <a:ext cx="0" cy="0"/>
+          <a:chOff x="0" y="0"/>
+          <a:chExt cx="0" cy="0"/>
+        </a:xfrm>
+      </p:grpSpPr>
+      <p:sp>
+        <p:nvSpPr>
+          <p:cNvPr id="196" name="Shape 196"/>
+          <p:cNvSpPr txBox="1"/>
+          <p:nvPr>
+            <p:ph type="title"/>
+          </p:nvPr>
+        </p:nvSpPr>
+        <p:spPr>
+          <a:xfrm>
+            <a:off x="311700" y="445025"/>
+            <a:ext cx="8520600" cy="572700"/>
+          </a:xfrm>
+          <a:prstGeom prst="rect">
+            <a:avLst/>
+          </a:prstGeom>
+        </p:spPr>
+        <p:txBody>
+          <a:bodyPr anchorCtr="0" anchor="t" bIns="91425" lIns="91425" spcFirstLastPara="1" rIns="91425" wrap="square" tIns="91425">
+            <a:noAutofit/>
+          </a:bodyPr>
+          <a:lstStyle/>
+          <a:p>
+            <a:pPr indent="0" lvl="0" marL="0">
+              <a:spcBef>
+                <a:spcPts val="0"/>
+              </a:spcBef>
+              <a:spcAft>
+                <a:spcPts val="0"/>
+              </a:spcAft>
+              <a:buNone/>
+            </a:pPr>
+            <a:r>
+              <a:rPr lang="zh-CN"/>
               <a:t>Results</a:t>
             </a:r>
             <a:endParaRPr/>
@@ -6865,7 +7835,7 @@
       </p:sp>
       <p:sp>
         <p:nvSpPr>
-          <p:cNvPr id="185" name="Shape 185"/>
+          <p:cNvPr id="197" name="Shape 197"/>
           <p:cNvSpPr txBox="1"/>
           <p:nvPr>
             <p:ph idx="1" type="body"/>
@@ -6969,7 +7939,7 @@
       </p:sp>
       <p:sp>
         <p:nvSpPr>
-          <p:cNvPr id="186" name="Shape 186"/>
+          <p:cNvPr id="198" name="Shape 198"/>
           <p:cNvSpPr txBox="1"/>
           <p:nvPr/>
         </p:nvSpPr>
@@ -7003,7 +7973,7 @@
             </a:pPr>
             <a:r>
               <a:rPr lang="zh-CN"/>
-              <a:t>Applied first 2000 samples for test. 15000 are training samples. 5000 are test samples </a:t>
+              <a:t>Applied first 20000 samples for test. 15000 are training samples. 5000 are test samples </a:t>
             </a:r>
             <a:endParaRPr/>
           </a:p>
@@ -7011,7 +7981,7 @@
       </p:sp>
       <p:sp>
         <p:nvSpPr>
-          <p:cNvPr id="187" name="Shape 187"/>
+          <p:cNvPr id="199" name="Shape 199"/>
           <p:cNvSpPr txBox="1"/>
           <p:nvPr>
             <p:ph idx="1" type="body"/>
@@ -7147,7 +8117,7 @@
       </p:sp>
       <p:sp>
         <p:nvSpPr>
-          <p:cNvPr id="188" name="Shape 188"/>
+          <p:cNvPr id="200" name="Shape 200"/>
           <p:cNvSpPr txBox="1"/>
           <p:nvPr/>
         </p:nvSpPr>
@@ -7189,7 +8159,7 @@
       </p:sp>
       <p:sp>
         <p:nvSpPr>
-          <p:cNvPr id="189" name="Shape 189"/>
+          <p:cNvPr id="201" name="Shape 201"/>
           <p:cNvSpPr txBox="1"/>
           <p:nvPr/>
         </p:nvSpPr>
@@ -7223,7 +8193,7 @@
             </a:pPr>
             <a:r>
               <a:rPr lang="zh-CN"/>
-              <a:t>train</a:t>
+              <a:t>Train</a:t>
             </a:r>
             <a:r>
               <a:rPr lang="zh-CN"/>
@@ -7241,279 +8211,7 @@
 </p:sld>
 </file>
 
-<file path=ppt/slides/slide12.xml><?xml version="1.0" encoding="utf-8"?>
-<p:sld xmlns:a="http://schemas.openxmlformats.org/drawingml/2006/main" xmlns:r="http://schemas.openxmlformats.org/officeDocument/2006/relationships" xmlns:mc="http://schemas.openxmlformats.org/markup-compatibility/2006" xmlns:mv="urn:schemas-microsoft-com:mac:vml" xmlns:p="http://schemas.openxmlformats.org/presentationml/2006/main" xmlns:c="http://schemas.openxmlformats.org/drawingml/2006/chart" xmlns:dgm="http://schemas.openxmlformats.org/drawingml/2006/diagram" xmlns:o="urn:schemas-microsoft-com:office:office" xmlns:v="urn:schemas-microsoft-com:vml" xmlns:pvml="urn:schemas-microsoft-com:office:powerpoint" xmlns:com="http://schemas.openxmlformats.org/drawingml/2006/compatibility" xmlns:p14="http://schemas.microsoft.com/office/powerpoint/2010/main" xmlns:p15="http://schemas.microsoft.com/office/powerpoint/2012/main">
-  <p:cSld>
-    <p:spTree>
-      <p:nvGrpSpPr>
-        <p:cNvPr id="193" name="Shape 193"/>
-        <p:cNvGrpSpPr/>
-        <p:nvPr/>
-      </p:nvGrpSpPr>
-      <p:grpSpPr>
-        <a:xfrm>
-          <a:off x="0" y="0"/>
-          <a:ext cx="0" cy="0"/>
-          <a:chOff x="0" y="0"/>
-          <a:chExt cx="0" cy="0"/>
-        </a:xfrm>
-      </p:grpSpPr>
-      <p:sp>
-        <p:nvSpPr>
-          <p:cNvPr id="194" name="Shape 194"/>
-          <p:cNvSpPr txBox="1"/>
-          <p:nvPr>
-            <p:ph type="title"/>
-          </p:nvPr>
-        </p:nvSpPr>
-        <p:spPr>
-          <a:xfrm>
-            <a:off x="311700" y="445025"/>
-            <a:ext cx="8520600" cy="572700"/>
-          </a:xfrm>
-          <a:prstGeom prst="rect">
-            <a:avLst/>
-          </a:prstGeom>
-        </p:spPr>
-        <p:txBody>
-          <a:bodyPr anchorCtr="0" anchor="t" bIns="91425" lIns="91425" spcFirstLastPara="1" rIns="91425" wrap="square" tIns="91425">
-            <a:noAutofit/>
-          </a:bodyPr>
-          <a:lstStyle/>
-          <a:p>
-            <a:pPr indent="0" lvl="0" marL="0">
-              <a:spcBef>
-                <a:spcPts val="0"/>
-              </a:spcBef>
-              <a:spcAft>
-                <a:spcPts val="0"/>
-              </a:spcAft>
-              <a:buNone/>
-            </a:pPr>
-            <a:r>
-              <a:rPr lang="zh-CN"/>
-              <a:t>Results</a:t>
-            </a:r>
-            <a:endParaRPr/>
-          </a:p>
-        </p:txBody>
-      </p:sp>
-      <p:sp>
-        <p:nvSpPr>
-          <p:cNvPr id="195" name="Shape 195"/>
-          <p:cNvSpPr txBox="1"/>
-          <p:nvPr>
-            <p:ph idx="1" type="body"/>
-          </p:nvPr>
-        </p:nvSpPr>
-        <p:spPr>
-          <a:xfrm>
-            <a:off x="311700" y="1152475"/>
-            <a:ext cx="8520600" cy="3416400"/>
-          </a:xfrm>
-          <a:prstGeom prst="rect">
-            <a:avLst/>
-          </a:prstGeom>
-        </p:spPr>
-        <p:txBody>
-          <a:bodyPr anchorCtr="0" anchor="t" bIns="91425" lIns="91425" spcFirstLastPara="1" rIns="91425" wrap="square" tIns="91425">
-            <a:noAutofit/>
-          </a:bodyPr>
-          <a:lstStyle/>
-          <a:p>
-            <a:pPr indent="0" lvl="0" marL="0">
-              <a:spcBef>
-                <a:spcPts val="0"/>
-              </a:spcBef>
-              <a:spcAft>
-                <a:spcPts val="1600"/>
-              </a:spcAft>
-              <a:buNone/>
-            </a:pPr>
-            <a:r>
-              <a:t/>
-            </a:r>
-            <a:endParaRPr/>
-          </a:p>
-        </p:txBody>
-      </p:sp>
-      <p:pic>
-        <p:nvPicPr>
-          <p:cNvPr id="196" name="Shape 196"/>
-          <p:cNvPicPr preferRelativeResize="0"/>
-          <p:nvPr/>
-        </p:nvPicPr>
-        <p:blipFill>
-          <a:blip r:embed="rId3">
-            <a:alphaModFix/>
-          </a:blip>
-          <a:stretch>
-            <a:fillRect/>
-          </a:stretch>
-        </p:blipFill>
-        <p:spPr>
-          <a:xfrm>
-            <a:off x="401475" y="1858100"/>
-            <a:ext cx="2096000" cy="2096000"/>
-          </a:xfrm>
-          <a:prstGeom prst="rect">
-            <a:avLst/>
-          </a:prstGeom>
-          <a:noFill/>
-          <a:ln>
-            <a:noFill/>
-          </a:ln>
-        </p:spPr>
-      </p:pic>
-      <p:pic>
-        <p:nvPicPr>
-          <p:cNvPr id="197" name="Shape 197"/>
-          <p:cNvPicPr preferRelativeResize="0"/>
-          <p:nvPr/>
-        </p:nvPicPr>
-        <p:blipFill>
-          <a:blip r:embed="rId4">
-            <a:alphaModFix/>
-          </a:blip>
-          <a:stretch>
-            <a:fillRect/>
-          </a:stretch>
-        </p:blipFill>
-        <p:spPr>
-          <a:xfrm>
-            <a:off x="2165325" y="1316700"/>
-            <a:ext cx="2096000" cy="2096000"/>
-          </a:xfrm>
-          <a:prstGeom prst="rect">
-            <a:avLst/>
-          </a:prstGeom>
-          <a:noFill/>
-          <a:ln>
-            <a:noFill/>
-          </a:ln>
-        </p:spPr>
-      </p:pic>
-      <p:pic>
-        <p:nvPicPr>
-          <p:cNvPr id="198" name="Shape 198"/>
-          <p:cNvPicPr preferRelativeResize="0"/>
-          <p:nvPr/>
-        </p:nvPicPr>
-        <p:blipFill>
-          <a:blip r:embed="rId5">
-            <a:alphaModFix/>
-          </a:blip>
-          <a:stretch>
-            <a:fillRect/>
-          </a:stretch>
-        </p:blipFill>
-        <p:spPr>
-          <a:xfrm>
-            <a:off x="3716225" y="1152475"/>
-            <a:ext cx="2015200" cy="2015200"/>
-          </a:xfrm>
-          <a:prstGeom prst="rect">
-            <a:avLst/>
-          </a:prstGeom>
-          <a:noFill/>
-          <a:ln>
-            <a:noFill/>
-          </a:ln>
-        </p:spPr>
-      </p:pic>
-      <p:pic>
-        <p:nvPicPr>
-          <p:cNvPr id="199" name="Shape 199"/>
-          <p:cNvPicPr preferRelativeResize="0"/>
-          <p:nvPr/>
-        </p:nvPicPr>
-        <p:blipFill>
-          <a:blip r:embed="rId6">
-            <a:alphaModFix/>
-          </a:blip>
-          <a:stretch>
-            <a:fillRect/>
-          </a:stretch>
-        </p:blipFill>
-        <p:spPr>
-          <a:xfrm>
-            <a:off x="3088638" y="2796150"/>
-            <a:ext cx="2015200" cy="2015200"/>
-          </a:xfrm>
-          <a:prstGeom prst="rect">
-            <a:avLst/>
-          </a:prstGeom>
-          <a:noFill/>
-          <a:ln>
-            <a:noFill/>
-          </a:ln>
-        </p:spPr>
-      </p:pic>
-      <p:pic>
-        <p:nvPicPr>
-          <p:cNvPr id="200" name="Shape 200"/>
-          <p:cNvPicPr preferRelativeResize="0"/>
-          <p:nvPr/>
-        </p:nvPicPr>
-        <p:blipFill>
-          <a:blip r:embed="rId7">
-            <a:alphaModFix/>
-          </a:blip>
-          <a:stretch>
-            <a:fillRect/>
-          </a:stretch>
-        </p:blipFill>
-        <p:spPr>
-          <a:xfrm>
-            <a:off x="6605425" y="1233325"/>
-            <a:ext cx="2226875" cy="3345550"/>
-          </a:xfrm>
-          <a:prstGeom prst="rect">
-            <a:avLst/>
-          </a:prstGeom>
-          <a:noFill/>
-          <a:ln>
-            <a:noFill/>
-          </a:ln>
-        </p:spPr>
-      </p:pic>
-      <p:pic>
-        <p:nvPicPr>
-          <p:cNvPr id="201" name="Shape 201"/>
-          <p:cNvPicPr preferRelativeResize="0"/>
-          <p:nvPr/>
-        </p:nvPicPr>
-        <p:blipFill>
-          <a:blip r:embed="rId8">
-            <a:alphaModFix/>
-          </a:blip>
-          <a:stretch>
-            <a:fillRect/>
-          </a:stretch>
-        </p:blipFill>
-        <p:spPr>
-          <a:xfrm>
-            <a:off x="5162221" y="1316698"/>
-            <a:ext cx="1796955" cy="2687050"/>
-          </a:xfrm>
-          <a:prstGeom prst="rect">
-            <a:avLst/>
-          </a:prstGeom>
-          <a:noFill/>
-          <a:ln>
-            <a:noFill/>
-          </a:ln>
-        </p:spPr>
-      </p:pic>
-    </p:spTree>
-  </p:cSld>
-  <p:clrMapOvr>
-    <a:masterClrMapping/>
-  </p:clrMapOvr>
-</p:sld>
-</file>
-
-<file path=ppt/slides/slide13.xml><?xml version="1.0" encoding="utf-8"?>
+<file path=ppt/slides/slide14.xml><?xml version="1.0" encoding="utf-8"?>
 <p:sld xmlns:a="http://schemas.openxmlformats.org/drawingml/2006/main" xmlns:r="http://schemas.openxmlformats.org/officeDocument/2006/relationships" xmlns:mc="http://schemas.openxmlformats.org/markup-compatibility/2006" xmlns:mv="urn:schemas-microsoft-com:mac:vml" xmlns:p="http://schemas.openxmlformats.org/presentationml/2006/main" xmlns:c="http://schemas.openxmlformats.org/drawingml/2006/chart" xmlns:dgm="http://schemas.openxmlformats.org/drawingml/2006/diagram" xmlns:o="urn:schemas-microsoft-com:office:office" xmlns:v="urn:schemas-microsoft-com:vml" xmlns:pvml="urn:schemas-microsoft-com:office:powerpoint" xmlns:com="http://schemas.openxmlformats.org/drawingml/2006/compatibility" xmlns:p14="http://schemas.microsoft.com/office/powerpoint/2010/main" xmlns:p15="http://schemas.microsoft.com/office/powerpoint/2012/main">
   <p:cSld>
     <p:spTree>
@@ -7564,7 +8262,7 @@
             </a:pPr>
             <a:r>
               <a:rPr lang="zh-CN"/>
-              <a:t>Conclusion</a:t>
+              <a:t>Results</a:t>
             </a:r>
             <a:endParaRPr/>
           </a:p>
@@ -7593,121 +8291,190 @@
           </a:bodyPr>
           <a:lstStyle/>
           <a:p>
-            <a:pPr indent="0" lvl="0" marL="0" rtl="0">
-              <a:spcBef>
-                <a:spcPts val="0"/>
-              </a:spcBef>
-              <a:spcAft>
-                <a:spcPts val="0"/>
+            <a:pPr indent="0" lvl="0" marL="0">
+              <a:spcBef>
+                <a:spcPts val="0"/>
+              </a:spcBef>
+              <a:spcAft>
+                <a:spcPts val="1600"/>
               </a:spcAft>
               <a:buNone/>
             </a:pPr>
             <a:r>
-              <a:rPr lang="zh-CN"/>
-              <a:t>Issues</a:t>
-            </a:r>
-            <a:endParaRPr/>
-          </a:p>
-          <a:p>
-            <a:pPr indent="-317500" lvl="1" marL="914400" rtl="0">
-              <a:spcBef>
-                <a:spcPts val="1600"/>
-              </a:spcBef>
-              <a:spcAft>
-                <a:spcPts val="0"/>
-              </a:spcAft>
-              <a:buSzPts val="1400"/>
-              <a:buAutoNum type="alphaLcPeriod"/>
-            </a:pPr>
-            <a:r>
-              <a:rPr lang="zh-CN"/>
-              <a:t>The base deep network architecture is </a:t>
-            </a:r>
-            <a:r>
-              <a:rPr lang="zh-CN" u="sng">
-                <a:solidFill>
-                  <a:schemeClr val="hlink"/>
-                </a:solidFill>
-                <a:hlinkClick r:id="rId3"/>
-              </a:rPr>
-              <a:t>resnet50</a:t>
-            </a:r>
-            <a:r>
-              <a:rPr lang="zh-CN"/>
-              <a:t> which is really deep and complicated; It will exhaust a lot of resources, in general it will occupy about 6GB memory only for resnet50. </a:t>
-            </a:r>
-            <a:endParaRPr/>
-          </a:p>
-          <a:p>
-            <a:pPr indent="-317500" lvl="1" marL="914400" rtl="0">
-              <a:spcBef>
-                <a:spcPts val="0"/>
-              </a:spcBef>
-              <a:spcAft>
-                <a:spcPts val="0"/>
-              </a:spcAft>
-              <a:buSzPts val="1400"/>
-              <a:buAutoNum type="alphaLcPeriod"/>
-            </a:pPr>
-            <a:r>
-              <a:rPr lang="zh-CN"/>
-              <a:t>Since the dataset is too big and the training takes really long time</a:t>
-            </a:r>
-            <a:endParaRPr/>
-          </a:p>
-          <a:p>
-            <a:pPr indent="-317500" lvl="1" marL="914400" rtl="0">
-              <a:spcBef>
-                <a:spcPts val="0"/>
-              </a:spcBef>
-              <a:spcAft>
-                <a:spcPts val="0"/>
-              </a:spcAft>
-              <a:buSzPts val="1400"/>
-              <a:buAutoNum type="alphaLcPeriod"/>
-            </a:pPr>
-            <a:r>
-              <a:rPr lang="zh-CN"/>
-              <a:t>The implementation will handle image input with different size as Fast R-CNN and SPP-net,  it is difficult to train on batch, since each input image size is different. Keras may not be able to handle input tensor with different sizes. (Correct me if it can!!) It is also one reason for the long time training</a:t>
-            </a:r>
-            <a:endParaRPr/>
-          </a:p>
-          <a:p>
-            <a:pPr indent="-317500" lvl="1" marL="914400" rtl="0">
-              <a:spcBef>
-                <a:spcPts val="0"/>
-              </a:spcBef>
-              <a:spcAft>
-                <a:spcPts val="0"/>
-              </a:spcAft>
-              <a:buSzPts val="1400"/>
-              <a:buAutoNum type="alphaLcPeriod"/>
-            </a:pPr>
-            <a:r>
-              <a:rPr lang="zh-CN"/>
-              <a:t>Since so far the training is not so complete, it is difficult to judge the final model. But some output from shopee data can give some straightforward and intuitive judgement on the trained model.</a:t>
-            </a:r>
-            <a:endParaRPr/>
-          </a:p>
-          <a:p>
-            <a:pPr indent="-317500" lvl="1" marL="914400">
-              <a:spcBef>
-                <a:spcPts val="0"/>
-              </a:spcBef>
-              <a:spcAft>
-                <a:spcPts val="0"/>
-              </a:spcAft>
-              <a:buSzPts val="1400"/>
-              <a:buAutoNum type="alphaLcPeriod"/>
-            </a:pPr>
-            <a:r>
-              <a:rPr lang="zh-CN"/>
-              <a:t>There is still a lot to improve. For example, from the business view the category of women apparel may not be so appropriate, the summer wear can be a little abstract. </a:t>
+              <a:t/>
             </a:r>
             <a:endParaRPr/>
           </a:p>
         </p:txBody>
       </p:sp>
+      <p:pic>
+        <p:nvPicPr>
+          <p:cNvPr id="208" name="Shape 208"/>
+          <p:cNvPicPr preferRelativeResize="0"/>
+          <p:nvPr/>
+        </p:nvPicPr>
+        <p:blipFill>
+          <a:blip r:embed="rId3">
+            <a:alphaModFix/>
+          </a:blip>
+          <a:stretch>
+            <a:fillRect/>
+          </a:stretch>
+        </p:blipFill>
+        <p:spPr>
+          <a:xfrm>
+            <a:off x="401475" y="1858100"/>
+            <a:ext cx="2096000" cy="2096000"/>
+          </a:xfrm>
+          <a:prstGeom prst="rect">
+            <a:avLst/>
+          </a:prstGeom>
+          <a:noFill/>
+          <a:ln>
+            <a:noFill/>
+          </a:ln>
+        </p:spPr>
+      </p:pic>
+      <p:pic>
+        <p:nvPicPr>
+          <p:cNvPr id="209" name="Shape 209"/>
+          <p:cNvPicPr preferRelativeResize="0"/>
+          <p:nvPr/>
+        </p:nvPicPr>
+        <p:blipFill>
+          <a:blip r:embed="rId4">
+            <a:alphaModFix/>
+          </a:blip>
+          <a:stretch>
+            <a:fillRect/>
+          </a:stretch>
+        </p:blipFill>
+        <p:spPr>
+          <a:xfrm>
+            <a:off x="2165325" y="1316700"/>
+            <a:ext cx="2096000" cy="2096000"/>
+          </a:xfrm>
+          <a:prstGeom prst="rect">
+            <a:avLst/>
+          </a:prstGeom>
+          <a:noFill/>
+          <a:ln>
+            <a:noFill/>
+          </a:ln>
+        </p:spPr>
+      </p:pic>
+      <p:pic>
+        <p:nvPicPr>
+          <p:cNvPr id="210" name="Shape 210"/>
+          <p:cNvPicPr preferRelativeResize="0"/>
+          <p:nvPr/>
+        </p:nvPicPr>
+        <p:blipFill>
+          <a:blip r:embed="rId5">
+            <a:alphaModFix/>
+          </a:blip>
+          <a:stretch>
+            <a:fillRect/>
+          </a:stretch>
+        </p:blipFill>
+        <p:spPr>
+          <a:xfrm>
+            <a:off x="3716225" y="1152475"/>
+            <a:ext cx="2015200" cy="2015200"/>
+          </a:xfrm>
+          <a:prstGeom prst="rect">
+            <a:avLst/>
+          </a:prstGeom>
+          <a:noFill/>
+          <a:ln>
+            <a:noFill/>
+          </a:ln>
+        </p:spPr>
+      </p:pic>
+      <p:pic>
+        <p:nvPicPr>
+          <p:cNvPr id="211" name="Shape 211"/>
+          <p:cNvPicPr preferRelativeResize="0"/>
+          <p:nvPr/>
+        </p:nvPicPr>
+        <p:blipFill>
+          <a:blip r:embed="rId6">
+            <a:alphaModFix/>
+          </a:blip>
+          <a:stretch>
+            <a:fillRect/>
+          </a:stretch>
+        </p:blipFill>
+        <p:spPr>
+          <a:xfrm>
+            <a:off x="3088638" y="2796150"/>
+            <a:ext cx="2015200" cy="2015200"/>
+          </a:xfrm>
+          <a:prstGeom prst="rect">
+            <a:avLst/>
+          </a:prstGeom>
+          <a:noFill/>
+          <a:ln>
+            <a:noFill/>
+          </a:ln>
+        </p:spPr>
+      </p:pic>
+      <p:pic>
+        <p:nvPicPr>
+          <p:cNvPr id="212" name="Shape 212"/>
+          <p:cNvPicPr preferRelativeResize="0"/>
+          <p:nvPr/>
+        </p:nvPicPr>
+        <p:blipFill>
+          <a:blip r:embed="rId7">
+            <a:alphaModFix/>
+          </a:blip>
+          <a:stretch>
+            <a:fillRect/>
+          </a:stretch>
+        </p:blipFill>
+        <p:spPr>
+          <a:xfrm>
+            <a:off x="6605425" y="1233325"/>
+            <a:ext cx="2226875" cy="3345550"/>
+          </a:xfrm>
+          <a:prstGeom prst="rect">
+            <a:avLst/>
+          </a:prstGeom>
+          <a:noFill/>
+          <a:ln>
+            <a:noFill/>
+          </a:ln>
+        </p:spPr>
+      </p:pic>
+      <p:pic>
+        <p:nvPicPr>
+          <p:cNvPr id="213" name="Shape 213"/>
+          <p:cNvPicPr preferRelativeResize="0"/>
+          <p:nvPr/>
+        </p:nvPicPr>
+        <p:blipFill>
+          <a:blip r:embed="rId8">
+            <a:alphaModFix/>
+          </a:blip>
+          <a:stretch>
+            <a:fillRect/>
+          </a:stretch>
+        </p:blipFill>
+        <p:spPr>
+          <a:xfrm>
+            <a:off x="5162221" y="1316698"/>
+            <a:ext cx="1796955" cy="2687050"/>
+          </a:xfrm>
+          <a:prstGeom prst="rect">
+            <a:avLst/>
+          </a:prstGeom>
+          <a:noFill/>
+          <a:ln>
+            <a:noFill/>
+          </a:ln>
+        </p:spPr>
+      </p:pic>
     </p:spTree>
   </p:cSld>
   <p:clrMapOvr>
@@ -7716,12 +8483,12 @@
 </p:sld>
 </file>
 
-<file path=ppt/slides/slide14.xml><?xml version="1.0" encoding="utf-8"?>
+<file path=ppt/slides/slide15.xml><?xml version="1.0" encoding="utf-8"?>
 <p:sld xmlns:a="http://schemas.openxmlformats.org/drawingml/2006/main" xmlns:r="http://schemas.openxmlformats.org/officeDocument/2006/relationships" xmlns:mc="http://schemas.openxmlformats.org/markup-compatibility/2006" xmlns:mv="urn:schemas-microsoft-com:mac:vml" xmlns:p="http://schemas.openxmlformats.org/presentationml/2006/main" xmlns:c="http://schemas.openxmlformats.org/drawingml/2006/chart" xmlns:dgm="http://schemas.openxmlformats.org/drawingml/2006/diagram" xmlns:o="urn:schemas-microsoft-com:office:office" xmlns:v="urn:schemas-microsoft-com:vml" xmlns:pvml="urn:schemas-microsoft-com:office:powerpoint" xmlns:com="http://schemas.openxmlformats.org/drawingml/2006/compatibility" xmlns:p14="http://schemas.microsoft.com/office/powerpoint/2010/main" xmlns:p15="http://schemas.microsoft.com/office/powerpoint/2012/main">
   <p:cSld>
     <p:spTree>
       <p:nvGrpSpPr>
-        <p:cNvPr id="211" name="Shape 211"/>
+        <p:cNvPr id="217" name="Shape 217"/>
         <p:cNvGrpSpPr/>
         <p:nvPr/>
       </p:nvGrpSpPr>
@@ -7735,7 +8502,227 @@
       </p:grpSpPr>
       <p:sp>
         <p:nvSpPr>
-          <p:cNvPr id="212" name="Shape 212"/>
+          <p:cNvPr id="218" name="Shape 218"/>
+          <p:cNvSpPr txBox="1"/>
+          <p:nvPr>
+            <p:ph type="title"/>
+          </p:nvPr>
+        </p:nvSpPr>
+        <p:spPr>
+          <a:xfrm>
+            <a:off x="311700" y="445025"/>
+            <a:ext cx="8520600" cy="572700"/>
+          </a:xfrm>
+          <a:prstGeom prst="rect">
+            <a:avLst/>
+          </a:prstGeom>
+        </p:spPr>
+        <p:txBody>
+          <a:bodyPr anchorCtr="0" anchor="t" bIns="91425" lIns="91425" spcFirstLastPara="1" rIns="91425" wrap="square" tIns="91425">
+            <a:noAutofit/>
+          </a:bodyPr>
+          <a:lstStyle/>
+          <a:p>
+            <a:pPr indent="0" lvl="0" marL="0">
+              <a:spcBef>
+                <a:spcPts val="0"/>
+              </a:spcBef>
+              <a:spcAft>
+                <a:spcPts val="0"/>
+              </a:spcAft>
+              <a:buNone/>
+            </a:pPr>
+            <a:r>
+              <a:rPr lang="zh-CN"/>
+              <a:t>Conclusion</a:t>
+            </a:r>
+            <a:endParaRPr/>
+          </a:p>
+        </p:txBody>
+      </p:sp>
+      <p:sp>
+        <p:nvSpPr>
+          <p:cNvPr id="219" name="Shape 219"/>
+          <p:cNvSpPr txBox="1"/>
+          <p:nvPr>
+            <p:ph idx="1" type="body"/>
+          </p:nvPr>
+        </p:nvSpPr>
+        <p:spPr>
+          <a:xfrm>
+            <a:off x="311700" y="1152475"/>
+            <a:ext cx="8520600" cy="3824100"/>
+          </a:xfrm>
+          <a:prstGeom prst="rect">
+            <a:avLst/>
+          </a:prstGeom>
+        </p:spPr>
+        <p:txBody>
+          <a:bodyPr anchorCtr="0" anchor="t" bIns="91425" lIns="91425" spcFirstLastPara="1" rIns="91425" wrap="square" tIns="91425">
+            <a:noAutofit/>
+          </a:bodyPr>
+          <a:lstStyle/>
+          <a:p>
+            <a:pPr indent="0" lvl="0" marL="0" rtl="0">
+              <a:spcBef>
+                <a:spcPts val="0"/>
+              </a:spcBef>
+              <a:spcAft>
+                <a:spcPts val="0"/>
+              </a:spcAft>
+              <a:buNone/>
+            </a:pPr>
+            <a:r>
+              <a:rPr lang="zh-CN"/>
+              <a:t>Issues</a:t>
+            </a:r>
+            <a:endParaRPr/>
+          </a:p>
+          <a:p>
+            <a:pPr indent="-304800" lvl="1" marL="914400" rtl="0">
+              <a:spcBef>
+                <a:spcPts val="1600"/>
+              </a:spcBef>
+              <a:spcAft>
+                <a:spcPts val="0"/>
+              </a:spcAft>
+              <a:buSzPts val="1200"/>
+              <a:buAutoNum type="alphaLcPeriod"/>
+            </a:pPr>
+            <a:r>
+              <a:rPr lang="zh-CN" sz="1200"/>
+              <a:t>The base deep network architecture is </a:t>
+            </a:r>
+            <a:r>
+              <a:rPr lang="zh-CN" sz="1200" u="sng">
+                <a:solidFill>
+                  <a:schemeClr val="hlink"/>
+                </a:solidFill>
+                <a:hlinkClick r:id="rId3"/>
+              </a:rPr>
+              <a:t>resnet50</a:t>
+            </a:r>
+            <a:r>
+              <a:rPr lang="zh-CN" sz="1200"/>
+              <a:t> which is really deep and complicated; It will exhaust a lot of resources, in general it will occupy about 6GB memory only for resnet50. </a:t>
+            </a:r>
+            <a:endParaRPr sz="1200"/>
+          </a:p>
+          <a:p>
+            <a:pPr indent="-304800" lvl="1" marL="914400" rtl="0">
+              <a:spcBef>
+                <a:spcPts val="0"/>
+              </a:spcBef>
+              <a:spcAft>
+                <a:spcPts val="0"/>
+              </a:spcAft>
+              <a:buSzPts val="1200"/>
+              <a:buAutoNum type="alphaLcPeriod"/>
+            </a:pPr>
+            <a:r>
+              <a:rPr lang="zh-CN" sz="1200"/>
+              <a:t>Since the dataset is too big and the training takes really long time</a:t>
+            </a:r>
+            <a:endParaRPr sz="1200"/>
+          </a:p>
+          <a:p>
+            <a:pPr indent="-304800" lvl="1" marL="914400" rtl="0">
+              <a:spcBef>
+                <a:spcPts val="0"/>
+              </a:spcBef>
+              <a:spcAft>
+                <a:spcPts val="0"/>
+              </a:spcAft>
+              <a:buSzPts val="1200"/>
+              <a:buAutoNum type="alphaLcPeriod"/>
+            </a:pPr>
+            <a:r>
+              <a:rPr lang="zh-CN" sz="1200"/>
+              <a:t>The implementation will handle image input with different size as Fast R-CNN and SPP-net,  it is difficult to train on batch, since each input image size is different. Keras may not be able to handle input tensor with different sizes. (Correct me if it can!!) It is also one reason for the long time training</a:t>
+            </a:r>
+            <a:endParaRPr sz="1200"/>
+          </a:p>
+          <a:p>
+            <a:pPr indent="-304800" lvl="1" marL="914400" rtl="0">
+              <a:spcBef>
+                <a:spcPts val="0"/>
+              </a:spcBef>
+              <a:spcAft>
+                <a:spcPts val="0"/>
+              </a:spcAft>
+              <a:buSzPts val="1200"/>
+              <a:buAutoNum type="alphaLcPeriod"/>
+            </a:pPr>
+            <a:r>
+              <a:rPr lang="zh-CN" sz="1200"/>
+              <a:t>Since so far the training is not so complete, it is difficult to judge the final model. But some output from shopee data can give some straightforward and intuitive judgement on the trained model.</a:t>
+            </a:r>
+            <a:endParaRPr sz="1200"/>
+          </a:p>
+          <a:p>
+            <a:pPr indent="-304800" lvl="1" marL="914400" rtl="0">
+              <a:spcBef>
+                <a:spcPts val="0"/>
+              </a:spcBef>
+              <a:spcAft>
+                <a:spcPts val="0"/>
+              </a:spcAft>
+              <a:buSzPts val="1200"/>
+              <a:buAutoNum type="alphaLcPeriod"/>
+            </a:pPr>
+            <a:r>
+              <a:rPr lang="zh-CN" sz="1200"/>
+              <a:t>There is still a lot to improve. For example, from the business view the category of women apparel may not be so appropriate, the summer wear can be a little abstract. For top and bottoms, some clothes are categorized as summer wear, which would be over general in business scenario  </a:t>
+            </a:r>
+            <a:endParaRPr sz="1200"/>
+          </a:p>
+          <a:p>
+            <a:pPr indent="-304800" lvl="1" marL="914400">
+              <a:spcBef>
+                <a:spcPts val="0"/>
+              </a:spcBef>
+              <a:spcAft>
+                <a:spcPts val="0"/>
+              </a:spcAft>
+              <a:buSzPts val="1200"/>
+              <a:buAutoNum type="alphaLcPeriod"/>
+            </a:pPr>
+            <a:r>
+              <a:rPr lang="zh-CN" sz="1200"/>
+              <a:t>From the current result, some sleeveless blouse will be recognized as top tank which is man’s cloth. </a:t>
+            </a:r>
+            <a:endParaRPr sz="1200"/>
+          </a:p>
+        </p:txBody>
+      </p:sp>
+    </p:spTree>
+  </p:cSld>
+  <p:clrMapOvr>
+    <a:masterClrMapping/>
+  </p:clrMapOvr>
+</p:sld>
+</file>
+
+<file path=ppt/slides/slide16.xml><?xml version="1.0" encoding="utf-8"?>
+<p:sld xmlns:a="http://schemas.openxmlformats.org/drawingml/2006/main" xmlns:r="http://schemas.openxmlformats.org/officeDocument/2006/relationships" xmlns:mc="http://schemas.openxmlformats.org/markup-compatibility/2006" xmlns:mv="urn:schemas-microsoft-com:mac:vml" xmlns:p="http://schemas.openxmlformats.org/presentationml/2006/main" xmlns:c="http://schemas.openxmlformats.org/drawingml/2006/chart" xmlns:dgm="http://schemas.openxmlformats.org/drawingml/2006/diagram" xmlns:o="urn:schemas-microsoft-com:office:office" xmlns:v="urn:schemas-microsoft-com:vml" xmlns:pvml="urn:schemas-microsoft-com:office:powerpoint" xmlns:com="http://schemas.openxmlformats.org/drawingml/2006/compatibility" xmlns:p14="http://schemas.microsoft.com/office/powerpoint/2010/main" xmlns:p15="http://schemas.microsoft.com/office/powerpoint/2012/main">
+  <p:cSld>
+    <p:spTree>
+      <p:nvGrpSpPr>
+        <p:cNvPr id="223" name="Shape 223"/>
+        <p:cNvGrpSpPr/>
+        <p:nvPr/>
+      </p:nvGrpSpPr>
+      <p:grpSpPr>
+        <a:xfrm>
+          <a:off x="0" y="0"/>
+          <a:ext cx="0" cy="0"/>
+          <a:chOff x="0" y="0"/>
+          <a:chExt cx="0" cy="0"/>
+        </a:xfrm>
+      </p:grpSpPr>
+      <p:sp>
+        <p:nvSpPr>
+          <p:cNvPr id="224" name="Shape 224"/>
           <p:cNvSpPr txBox="1"/>
           <p:nvPr>
             <p:ph idx="1" type="body"/>
@@ -7781,12 +8768,12 @@
 </p:sld>
 </file>
 
-<file path=ppt/slides/slide15.xml><?xml version="1.0" encoding="utf-8"?>
+<file path=ppt/slides/slide17.xml><?xml version="1.0" encoding="utf-8"?>
 <p:sld xmlns:a="http://schemas.openxmlformats.org/drawingml/2006/main" xmlns:r="http://schemas.openxmlformats.org/officeDocument/2006/relationships" xmlns:mc="http://schemas.openxmlformats.org/markup-compatibility/2006" xmlns:mv="urn:schemas-microsoft-com:mac:vml" xmlns:p="http://schemas.openxmlformats.org/presentationml/2006/main" xmlns:c="http://schemas.openxmlformats.org/drawingml/2006/chart" xmlns:dgm="http://schemas.openxmlformats.org/drawingml/2006/diagram" xmlns:o="urn:schemas-microsoft-com:office:office" xmlns:v="urn:schemas-microsoft-com:vml" xmlns:pvml="urn:schemas-microsoft-com:office:powerpoint" xmlns:com="http://schemas.openxmlformats.org/drawingml/2006/compatibility" xmlns:p14="http://schemas.microsoft.com/office/powerpoint/2010/main" xmlns:p15="http://schemas.microsoft.com/office/powerpoint/2012/main">
   <p:cSld>
     <p:spTree>
       <p:nvGrpSpPr>
-        <p:cNvPr id="216" name="Shape 216"/>
+        <p:cNvPr id="228" name="Shape 228"/>
         <p:cNvGrpSpPr/>
         <p:nvPr/>
       </p:nvGrpSpPr>
@@ -7800,7 +8787,7 @@
       </p:grpSpPr>
       <p:sp>
         <p:nvSpPr>
-          <p:cNvPr id="217" name="Shape 217"/>
+          <p:cNvPr id="229" name="Shape 229"/>
           <p:cNvSpPr txBox="1"/>
           <p:nvPr>
             <p:ph idx="1" type="body"/>
@@ -8396,6 +9383,180 @@
       <p:sp>
         <p:nvSpPr>
           <p:cNvPr id="80" name="Shape 80"/>
+          <p:cNvSpPr txBox="1"/>
+          <p:nvPr>
+            <p:ph type="title"/>
+          </p:nvPr>
+        </p:nvSpPr>
+        <p:spPr>
+          <a:xfrm>
+            <a:off x="311700" y="445025"/>
+            <a:ext cx="8520600" cy="572700"/>
+          </a:xfrm>
+          <a:prstGeom prst="rect">
+            <a:avLst/>
+          </a:prstGeom>
+        </p:spPr>
+        <p:txBody>
+          <a:bodyPr anchorCtr="0" anchor="t" bIns="91425" lIns="91425" spcFirstLastPara="1" rIns="91425" wrap="square" tIns="91425">
+            <a:noAutofit/>
+          </a:bodyPr>
+          <a:lstStyle/>
+          <a:p>
+            <a:pPr indent="0" lvl="0" marL="0">
+              <a:spcBef>
+                <a:spcPts val="0"/>
+              </a:spcBef>
+              <a:spcAft>
+                <a:spcPts val="0"/>
+              </a:spcAft>
+              <a:buNone/>
+            </a:pPr>
+            <a:r>
+              <a:rPr lang="zh-CN"/>
+              <a:t>Outline</a:t>
+            </a:r>
+            <a:endParaRPr/>
+          </a:p>
+        </p:txBody>
+      </p:sp>
+      <p:sp>
+        <p:nvSpPr>
+          <p:cNvPr id="81" name="Shape 81"/>
+          <p:cNvSpPr txBox="1"/>
+          <p:nvPr>
+            <p:ph idx="1" type="body"/>
+          </p:nvPr>
+        </p:nvSpPr>
+        <p:spPr>
+          <a:xfrm>
+            <a:off x="311700" y="1152475"/>
+            <a:ext cx="8520600" cy="3416400"/>
+          </a:xfrm>
+          <a:prstGeom prst="rect">
+            <a:avLst/>
+          </a:prstGeom>
+        </p:spPr>
+        <p:txBody>
+          <a:bodyPr anchorCtr="0" anchor="t" bIns="91425" lIns="91425" spcFirstLastPara="1" rIns="91425" wrap="square" tIns="91425">
+            <a:noAutofit/>
+          </a:bodyPr>
+          <a:lstStyle/>
+          <a:p>
+            <a:pPr indent="-381000" lvl="0" marL="457200" rtl="0">
+              <a:spcBef>
+                <a:spcPts val="0"/>
+              </a:spcBef>
+              <a:spcAft>
+                <a:spcPts val="0"/>
+              </a:spcAft>
+              <a:buSzPts val="2400"/>
+              <a:buChar char="●"/>
+            </a:pPr>
+            <a:r>
+              <a:rPr lang="zh-CN" sz="2400"/>
+              <a:t>Object Detection</a:t>
+            </a:r>
+            <a:endParaRPr sz="2400"/>
+          </a:p>
+          <a:p>
+            <a:pPr indent="-381000" lvl="0" marL="457200" rtl="0">
+              <a:spcBef>
+                <a:spcPts val="0"/>
+              </a:spcBef>
+              <a:spcAft>
+                <a:spcPts val="0"/>
+              </a:spcAft>
+              <a:buSzPts val="2400"/>
+              <a:buChar char="●"/>
+            </a:pPr>
+            <a:r>
+              <a:rPr lang="zh-CN" sz="2400"/>
+              <a:t>Implementation</a:t>
+            </a:r>
+            <a:endParaRPr sz="2400"/>
+          </a:p>
+          <a:p>
+            <a:pPr indent="-381000" lvl="0" marL="457200" rtl="0">
+              <a:spcBef>
+                <a:spcPts val="0"/>
+              </a:spcBef>
+              <a:spcAft>
+                <a:spcPts val="0"/>
+              </a:spcAft>
+              <a:buSzPts val="2400"/>
+              <a:buChar char="●"/>
+            </a:pPr>
+            <a:r>
+              <a:rPr lang="zh-CN" sz="2400"/>
+              <a:t>Experiment results</a:t>
+            </a:r>
+            <a:endParaRPr sz="2400"/>
+          </a:p>
+          <a:p>
+            <a:pPr indent="-381000" lvl="0" marL="457200" rtl="0">
+              <a:spcBef>
+                <a:spcPts val="0"/>
+              </a:spcBef>
+              <a:spcAft>
+                <a:spcPts val="0"/>
+              </a:spcAft>
+              <a:buSzPts val="2400"/>
+              <a:buChar char="●"/>
+            </a:pPr>
+            <a:r>
+              <a:rPr lang="zh-CN" sz="2400"/>
+              <a:t>Conclutions</a:t>
+            </a:r>
+            <a:endParaRPr sz="2400"/>
+          </a:p>
+          <a:p>
+            <a:pPr indent="-381000" lvl="0" marL="457200">
+              <a:spcBef>
+                <a:spcPts val="0"/>
+              </a:spcBef>
+              <a:spcAft>
+                <a:spcPts val="0"/>
+              </a:spcAft>
+              <a:buSzPts val="2400"/>
+              <a:buChar char="●"/>
+            </a:pPr>
+            <a:r>
+              <a:rPr lang="zh-CN" sz="2400"/>
+              <a:t>Q&amp;A</a:t>
+            </a:r>
+            <a:endParaRPr sz="2400"/>
+          </a:p>
+        </p:txBody>
+      </p:sp>
+    </p:spTree>
+  </p:cSld>
+  <p:clrMapOvr>
+    <a:masterClrMapping/>
+  </p:clrMapOvr>
+</p:sld>
+</file>
+
+<file path=ppt/slides/slide5.xml><?xml version="1.0" encoding="utf-8"?>
+<p:sld xmlns:a="http://schemas.openxmlformats.org/drawingml/2006/main" xmlns:r="http://schemas.openxmlformats.org/officeDocument/2006/relationships" xmlns:mc="http://schemas.openxmlformats.org/markup-compatibility/2006" xmlns:mv="urn:schemas-microsoft-com:mac:vml" xmlns:p="http://schemas.openxmlformats.org/presentationml/2006/main" xmlns:c="http://schemas.openxmlformats.org/drawingml/2006/chart" xmlns:dgm="http://schemas.openxmlformats.org/drawingml/2006/diagram" xmlns:o="urn:schemas-microsoft-com:office:office" xmlns:v="urn:schemas-microsoft-com:vml" xmlns:pvml="urn:schemas-microsoft-com:office:powerpoint" xmlns:com="http://schemas.openxmlformats.org/drawingml/2006/compatibility" xmlns:p14="http://schemas.microsoft.com/office/powerpoint/2010/main" xmlns:p15="http://schemas.microsoft.com/office/powerpoint/2012/main">
+  <p:cSld>
+    <p:spTree>
+      <p:nvGrpSpPr>
+        <p:cNvPr id="85" name="Shape 85"/>
+        <p:cNvGrpSpPr/>
+        <p:nvPr/>
+      </p:nvGrpSpPr>
+      <p:grpSpPr>
+        <a:xfrm>
+          <a:off x="0" y="0"/>
+          <a:ext cx="0" cy="0"/>
+          <a:chOff x="0" y="0"/>
+          <a:chExt cx="0" cy="0"/>
+        </a:xfrm>
+      </p:grpSpPr>
+      <p:sp>
+        <p:nvSpPr>
+          <p:cNvPr id="86" name="Shape 86"/>
           <p:cNvSpPr/>
           <p:nvPr/>
         </p:nvSpPr>
@@ -8476,7 +9637,7 @@
       </p:sp>
       <p:sp>
         <p:nvSpPr>
-          <p:cNvPr id="81" name="Shape 81"/>
+          <p:cNvPr id="87" name="Shape 87"/>
           <p:cNvSpPr/>
           <p:nvPr/>
         </p:nvSpPr>
@@ -8557,7 +9718,7 @@
       </p:sp>
       <p:sp>
         <p:nvSpPr>
-          <p:cNvPr id="82" name="Shape 82"/>
+          <p:cNvPr id="88" name="Shape 88"/>
           <p:cNvSpPr txBox="1"/>
           <p:nvPr>
             <p:ph type="title"/>
@@ -8597,7 +9758,7 @@
       </p:sp>
       <p:grpSp>
         <p:nvGrpSpPr>
-          <p:cNvPr id="83" name="Shape 83"/>
+          <p:cNvPr id="89" name="Shape 89"/>
           <p:cNvGrpSpPr/>
           <p:nvPr/>
         </p:nvGrpSpPr>
@@ -8611,7 +9772,7 @@
         </p:grpSpPr>
         <p:sp>
           <p:nvSpPr>
-            <p:cNvPr id="84" name="Shape 84"/>
+            <p:cNvPr id="90" name="Shape 90"/>
             <p:cNvSpPr/>
             <p:nvPr/>
           </p:nvSpPr>
@@ -8663,7 +9824,7 @@
         </p:sp>
         <p:sp>
           <p:nvSpPr>
-            <p:cNvPr id="85" name="Shape 85"/>
+            <p:cNvPr id="91" name="Shape 91"/>
             <p:cNvSpPr/>
             <p:nvPr/>
           </p:nvSpPr>
@@ -8715,10 +9876,10 @@
         </p:sp>
         <p:cxnSp>
           <p:nvCxnSpPr>
-            <p:cNvPr id="86" name="Shape 86"/>
+            <p:cNvPr id="92" name="Shape 92"/>
             <p:cNvCxnSpPr>
-              <a:stCxn id="84" idx="3"/>
-              <a:endCxn id="85" idx="1"/>
+              <a:stCxn id="90" idx="3"/>
+              <a:endCxn id="91" idx="1"/>
             </p:cNvCxnSpPr>
             <p:nvPr/>
           </p:nvCxnSpPr>
@@ -8745,7 +9906,7 @@
       </p:grpSp>
       <p:grpSp>
         <p:nvGrpSpPr>
-          <p:cNvPr id="87" name="Shape 87"/>
+          <p:cNvPr id="93" name="Shape 93"/>
           <p:cNvGrpSpPr/>
           <p:nvPr/>
         </p:nvGrpSpPr>
@@ -8759,7 +9920,7 @@
         </p:grpSpPr>
         <p:grpSp>
           <p:nvGrpSpPr>
-            <p:cNvPr id="88" name="Shape 88"/>
+            <p:cNvPr id="94" name="Shape 94"/>
             <p:cNvGrpSpPr/>
             <p:nvPr/>
           </p:nvGrpSpPr>
@@ -8773,7 +9934,7 @@
           </p:grpSpPr>
           <p:sp>
             <p:nvSpPr>
-              <p:cNvPr id="89" name="Shape 89"/>
+              <p:cNvPr id="95" name="Shape 95"/>
               <p:cNvSpPr/>
               <p:nvPr/>
             </p:nvSpPr>
@@ -8825,7 +9986,7 @@
           </p:sp>
           <p:sp>
             <p:nvSpPr>
-              <p:cNvPr id="90" name="Shape 90"/>
+              <p:cNvPr id="96" name="Shape 96"/>
               <p:cNvSpPr/>
               <p:nvPr/>
             </p:nvSpPr>
@@ -8877,10 +10038,10 @@
           </p:sp>
           <p:cxnSp>
             <p:nvCxnSpPr>
-              <p:cNvPr id="91" name="Shape 91"/>
+              <p:cNvPr id="97" name="Shape 97"/>
               <p:cNvCxnSpPr>
-                <a:stCxn id="89" idx="3"/>
-                <a:endCxn id="90" idx="1"/>
+                <a:stCxn id="95" idx="3"/>
+                <a:endCxn id="96" idx="1"/>
               </p:cNvCxnSpPr>
               <p:nvPr/>
             </p:nvCxnSpPr>
@@ -8907,7 +10068,7 @@
         </p:grpSp>
         <p:sp>
           <p:nvSpPr>
-            <p:cNvPr id="92" name="Shape 92"/>
+            <p:cNvPr id="98" name="Shape 98"/>
             <p:cNvSpPr/>
             <p:nvPr/>
           </p:nvSpPr>
@@ -8959,10 +10120,10 @@
         </p:sp>
         <p:cxnSp>
           <p:nvCxnSpPr>
-            <p:cNvPr id="93" name="Shape 93"/>
+            <p:cNvPr id="99" name="Shape 99"/>
             <p:cNvCxnSpPr>
-              <a:stCxn id="90" idx="3"/>
-              <a:endCxn id="92" idx="1"/>
+              <a:stCxn id="96" idx="3"/>
+              <a:endCxn id="98" idx="1"/>
             </p:cNvCxnSpPr>
             <p:nvPr/>
           </p:nvCxnSpPr>
@@ -8995,12 +10156,12 @@
 </p:sld>
 </file>
 
-<file path=ppt/slides/slide5.xml><?xml version="1.0" encoding="utf-8"?>
+<file path=ppt/slides/slide6.xml><?xml version="1.0" encoding="utf-8"?>
 <p:sld xmlns:a="http://schemas.openxmlformats.org/drawingml/2006/main" xmlns:r="http://schemas.openxmlformats.org/officeDocument/2006/relationships" xmlns:mc="http://schemas.openxmlformats.org/markup-compatibility/2006" xmlns:mv="urn:schemas-microsoft-com:mac:vml" xmlns:p="http://schemas.openxmlformats.org/presentationml/2006/main" xmlns:c="http://schemas.openxmlformats.org/drawingml/2006/chart" xmlns:dgm="http://schemas.openxmlformats.org/drawingml/2006/diagram" xmlns:o="urn:schemas-microsoft-com:office:office" xmlns:v="urn:schemas-microsoft-com:vml" xmlns:pvml="urn:schemas-microsoft-com:office:powerpoint" xmlns:com="http://schemas.openxmlformats.org/drawingml/2006/compatibility" xmlns:p14="http://schemas.microsoft.com/office/powerpoint/2010/main" xmlns:p15="http://schemas.microsoft.com/office/powerpoint/2012/main">
   <p:cSld>
     <p:spTree>
       <p:nvGrpSpPr>
-        <p:cNvPr id="97" name="Shape 97"/>
+        <p:cNvPr id="103" name="Shape 103"/>
         <p:cNvGrpSpPr/>
         <p:nvPr/>
       </p:nvGrpSpPr>
@@ -9014,7 +10175,7 @@
       </p:grpSpPr>
       <p:sp>
         <p:nvSpPr>
-          <p:cNvPr id="98" name="Shape 98"/>
+          <p:cNvPr id="104" name="Shape 104"/>
           <p:cNvSpPr txBox="1"/>
           <p:nvPr>
             <p:ph type="title"/>
@@ -9054,7 +10215,7 @@
       </p:sp>
       <p:grpSp>
         <p:nvGrpSpPr>
-          <p:cNvPr id="99" name="Shape 99"/>
+          <p:cNvPr id="105" name="Shape 105"/>
           <p:cNvGrpSpPr/>
           <p:nvPr/>
         </p:nvGrpSpPr>
@@ -9068,7 +10229,7 @@
         </p:grpSpPr>
         <p:sp>
           <p:nvSpPr>
-            <p:cNvPr id="100" name="Shape 100"/>
+            <p:cNvPr id="106" name="Shape 106"/>
             <p:cNvSpPr/>
             <p:nvPr/>
           </p:nvSpPr>
@@ -9149,7 +10310,7 @@
         </p:sp>
         <p:grpSp>
           <p:nvGrpSpPr>
-            <p:cNvPr id="101" name="Shape 101"/>
+            <p:cNvPr id="107" name="Shape 107"/>
             <p:cNvGrpSpPr/>
             <p:nvPr/>
           </p:nvGrpSpPr>
@@ -9163,7 +10324,7 @@
           </p:grpSpPr>
           <p:sp>
             <p:nvSpPr>
-              <p:cNvPr id="102" name="Shape 102"/>
+              <p:cNvPr id="108" name="Shape 108"/>
               <p:cNvSpPr/>
               <p:nvPr/>
             </p:nvSpPr>
@@ -9215,7 +10376,7 @@
           </p:sp>
           <p:sp>
             <p:nvSpPr>
-              <p:cNvPr id="103" name="Shape 103"/>
+              <p:cNvPr id="109" name="Shape 109"/>
               <p:cNvSpPr/>
               <p:nvPr/>
             </p:nvSpPr>
@@ -9267,10 +10428,10 @@
           </p:sp>
           <p:cxnSp>
             <p:nvCxnSpPr>
-              <p:cNvPr id="104" name="Shape 104"/>
+              <p:cNvPr id="110" name="Shape 110"/>
               <p:cNvCxnSpPr>
-                <a:stCxn id="102" idx="3"/>
-                <a:endCxn id="103" idx="1"/>
+                <a:stCxn id="108" idx="3"/>
+                <a:endCxn id="109" idx="1"/>
               </p:cNvCxnSpPr>
               <p:nvPr/>
             </p:nvCxnSpPr>
@@ -9297,7 +10458,7 @@
         </p:grpSp>
         <p:sp>
           <p:nvSpPr>
-            <p:cNvPr id="105" name="Shape 105"/>
+            <p:cNvPr id="111" name="Shape 111"/>
             <p:cNvSpPr/>
             <p:nvPr/>
           </p:nvSpPr>
@@ -9349,10 +10510,10 @@
         </p:sp>
         <p:cxnSp>
           <p:nvCxnSpPr>
-            <p:cNvPr id="106" name="Shape 106"/>
+            <p:cNvPr id="112" name="Shape 112"/>
             <p:cNvCxnSpPr>
-              <a:stCxn id="103" idx="3"/>
-              <a:endCxn id="105" idx="1"/>
+              <a:stCxn id="109" idx="3"/>
+              <a:endCxn id="111" idx="1"/>
             </p:cNvCxnSpPr>
             <p:nvPr/>
           </p:nvCxnSpPr>
@@ -9378,7 +10539,7 @@
         </p:cxnSp>
         <p:sp>
           <p:nvSpPr>
-            <p:cNvPr id="107" name="Shape 107"/>
+            <p:cNvPr id="113" name="Shape 113"/>
             <p:cNvSpPr/>
             <p:nvPr/>
           </p:nvSpPr>
@@ -9430,10 +10591,10 @@
         </p:sp>
         <p:cxnSp>
           <p:nvCxnSpPr>
-            <p:cNvPr id="108" name="Shape 108"/>
+            <p:cNvPr id="114" name="Shape 114"/>
             <p:cNvCxnSpPr>
-              <a:stCxn id="105" idx="3"/>
-              <a:endCxn id="107" idx="1"/>
+              <a:stCxn id="111" idx="3"/>
+              <a:endCxn id="113" idx="1"/>
             </p:cNvCxnSpPr>
             <p:nvPr/>
           </p:nvCxnSpPr>
@@ -9459,7 +10620,7 @@
         </p:cxnSp>
         <p:sp>
           <p:nvSpPr>
-            <p:cNvPr id="109" name="Shape 109"/>
+            <p:cNvPr id="115" name="Shape 115"/>
             <p:cNvSpPr/>
             <p:nvPr/>
           </p:nvSpPr>
@@ -9511,10 +10672,10 @@
         </p:sp>
         <p:cxnSp>
           <p:nvCxnSpPr>
-            <p:cNvPr id="110" name="Shape 110"/>
+            <p:cNvPr id="116" name="Shape 116"/>
             <p:cNvCxnSpPr>
-              <a:stCxn id="107" idx="3"/>
-              <a:endCxn id="109" idx="1"/>
+              <a:stCxn id="113" idx="3"/>
+              <a:endCxn id="115" idx="1"/>
             </p:cNvCxnSpPr>
             <p:nvPr/>
           </p:nvCxnSpPr>
@@ -9541,7 +10702,7 @@
       </p:grpSp>
       <p:grpSp>
         <p:nvGrpSpPr>
-          <p:cNvPr id="111" name="Shape 111"/>
+          <p:cNvPr id="117" name="Shape 117"/>
           <p:cNvGrpSpPr/>
           <p:nvPr/>
         </p:nvGrpSpPr>
@@ -9555,7 +10716,7 @@
         </p:grpSpPr>
         <p:sp>
           <p:nvSpPr>
-            <p:cNvPr id="112" name="Shape 112"/>
+            <p:cNvPr id="118" name="Shape 118"/>
             <p:cNvSpPr/>
             <p:nvPr/>
           </p:nvSpPr>
@@ -9636,7 +10797,7 @@
         </p:sp>
         <p:grpSp>
           <p:nvGrpSpPr>
-            <p:cNvPr id="113" name="Shape 113"/>
+            <p:cNvPr id="119" name="Shape 119"/>
             <p:cNvGrpSpPr/>
             <p:nvPr/>
           </p:nvGrpSpPr>
@@ -9650,7 +10811,7 @@
           </p:grpSpPr>
           <p:sp>
             <p:nvSpPr>
-              <p:cNvPr id="114" name="Shape 114"/>
+              <p:cNvPr id="120" name="Shape 120"/>
               <p:cNvSpPr/>
               <p:nvPr/>
             </p:nvSpPr>
@@ -9702,7 +10863,7 @@
           </p:sp>
           <p:sp>
             <p:nvSpPr>
-              <p:cNvPr id="115" name="Shape 115"/>
+              <p:cNvPr id="121" name="Shape 121"/>
               <p:cNvSpPr/>
               <p:nvPr/>
             </p:nvSpPr>
@@ -9754,10 +10915,10 @@
           </p:sp>
           <p:cxnSp>
             <p:nvCxnSpPr>
-              <p:cNvPr id="116" name="Shape 116"/>
+              <p:cNvPr id="122" name="Shape 122"/>
               <p:cNvCxnSpPr>
-                <a:stCxn id="114" idx="3"/>
-                <a:endCxn id="115" idx="1"/>
+                <a:stCxn id="120" idx="3"/>
+                <a:endCxn id="121" idx="1"/>
               </p:cNvCxnSpPr>
               <p:nvPr/>
             </p:nvCxnSpPr>
@@ -9784,7 +10945,7 @@
         </p:grpSp>
         <p:sp>
           <p:nvSpPr>
-            <p:cNvPr id="117" name="Shape 117"/>
+            <p:cNvPr id="123" name="Shape 123"/>
             <p:cNvSpPr/>
             <p:nvPr/>
           </p:nvSpPr>
@@ -9836,7 +10997,7 @@
         </p:sp>
         <p:sp>
           <p:nvSpPr>
-            <p:cNvPr id="118" name="Shape 118"/>
+            <p:cNvPr id="124" name="Shape 124"/>
             <p:cNvSpPr/>
             <p:nvPr/>
           </p:nvSpPr>
@@ -9888,10 +11049,10 @@
         </p:sp>
         <p:cxnSp>
           <p:nvCxnSpPr>
-            <p:cNvPr id="119" name="Shape 119"/>
+            <p:cNvPr id="125" name="Shape 125"/>
             <p:cNvCxnSpPr>
-              <a:stCxn id="115" idx="3"/>
-              <a:endCxn id="117" idx="1"/>
+              <a:stCxn id="121" idx="3"/>
+              <a:endCxn id="123" idx="1"/>
             </p:cNvCxnSpPr>
             <p:nvPr/>
           </p:nvCxnSpPr>
@@ -9919,10 +11080,10 @@
         </p:cxnSp>
         <p:cxnSp>
           <p:nvCxnSpPr>
-            <p:cNvPr id="120" name="Shape 120"/>
+            <p:cNvPr id="126" name="Shape 126"/>
             <p:cNvCxnSpPr>
-              <a:stCxn id="115" idx="3"/>
-              <a:endCxn id="118" idx="1"/>
+              <a:stCxn id="121" idx="3"/>
+              <a:endCxn id="124" idx="1"/>
             </p:cNvCxnSpPr>
             <p:nvPr/>
           </p:nvCxnSpPr>
@@ -9950,7 +11111,7 @@
         </p:cxnSp>
         <p:sp>
           <p:nvSpPr>
-            <p:cNvPr id="121" name="Shape 121"/>
+            <p:cNvPr id="127" name="Shape 127"/>
             <p:cNvSpPr/>
             <p:nvPr/>
           </p:nvSpPr>
@@ -10002,10 +11163,10 @@
         </p:sp>
         <p:cxnSp>
           <p:nvCxnSpPr>
-            <p:cNvPr id="122" name="Shape 122"/>
+            <p:cNvPr id="128" name="Shape 128"/>
             <p:cNvCxnSpPr>
-              <a:stCxn id="118" idx="3"/>
-              <a:endCxn id="121" idx="1"/>
+              <a:stCxn id="124" idx="3"/>
+              <a:endCxn id="127" idx="1"/>
             </p:cNvCxnSpPr>
             <p:nvPr/>
           </p:nvCxnSpPr>
@@ -10031,7 +11192,7 @@
         </p:cxnSp>
         <p:sp>
           <p:nvSpPr>
-            <p:cNvPr id="123" name="Shape 123"/>
+            <p:cNvPr id="129" name="Shape 129"/>
             <p:cNvSpPr/>
             <p:nvPr/>
           </p:nvSpPr>
@@ -10083,7 +11244,7 @@
         </p:sp>
         <p:sp>
           <p:nvSpPr>
-            <p:cNvPr id="124" name="Shape 124"/>
+            <p:cNvPr id="130" name="Shape 130"/>
             <p:cNvSpPr/>
             <p:nvPr/>
           </p:nvSpPr>
@@ -10135,10 +11296,10 @@
         </p:sp>
         <p:cxnSp>
           <p:nvCxnSpPr>
-            <p:cNvPr id="125" name="Shape 125"/>
+            <p:cNvPr id="131" name="Shape 131"/>
             <p:cNvCxnSpPr>
-              <a:stCxn id="121" idx="3"/>
-              <a:endCxn id="123" idx="1"/>
+              <a:stCxn id="127" idx="3"/>
+              <a:endCxn id="129" idx="1"/>
             </p:cNvCxnSpPr>
             <p:nvPr/>
           </p:nvCxnSpPr>
@@ -10166,10 +11327,10 @@
         </p:cxnSp>
         <p:cxnSp>
           <p:nvCxnSpPr>
-            <p:cNvPr id="126" name="Shape 126"/>
+            <p:cNvPr id="132" name="Shape 132"/>
             <p:cNvCxnSpPr>
-              <a:stCxn id="121" idx="3"/>
-              <a:endCxn id="124" idx="1"/>
+              <a:stCxn id="127" idx="3"/>
+              <a:endCxn id="130" idx="1"/>
             </p:cNvCxnSpPr>
             <p:nvPr/>
           </p:nvCxnSpPr>
@@ -10198,7 +11359,7 @@
       </p:grpSp>
       <p:sp>
         <p:nvSpPr>
-          <p:cNvPr id="127" name="Shape 127"/>
+          <p:cNvPr id="133" name="Shape 133"/>
           <p:cNvSpPr txBox="1"/>
           <p:nvPr/>
         </p:nvSpPr>
@@ -10254,12 +11415,12 @@
 </p:sld>
 </file>
 
-<file path=ppt/slides/slide6.xml><?xml version="1.0" encoding="utf-8"?>
+<file path=ppt/slides/slide7.xml><?xml version="1.0" encoding="utf-8"?>
 <p:sld xmlns:a="http://schemas.openxmlformats.org/drawingml/2006/main" xmlns:r="http://schemas.openxmlformats.org/officeDocument/2006/relationships" xmlns:mc="http://schemas.openxmlformats.org/markup-compatibility/2006" xmlns:mv="urn:schemas-microsoft-com:mac:vml" xmlns:p="http://schemas.openxmlformats.org/presentationml/2006/main" xmlns:c="http://schemas.openxmlformats.org/drawingml/2006/chart" xmlns:dgm="http://schemas.openxmlformats.org/drawingml/2006/diagram" xmlns:o="urn:schemas-microsoft-com:office:office" xmlns:v="urn:schemas-microsoft-com:vml" xmlns:pvml="urn:schemas-microsoft-com:office:powerpoint" xmlns:com="http://schemas.openxmlformats.org/drawingml/2006/compatibility" xmlns:p14="http://schemas.microsoft.com/office/powerpoint/2010/main" xmlns:p15="http://schemas.microsoft.com/office/powerpoint/2012/main">
   <p:cSld>
     <p:spTree>
       <p:nvGrpSpPr>
-        <p:cNvPr id="131" name="Shape 131"/>
+        <p:cNvPr id="137" name="Shape 137"/>
         <p:cNvGrpSpPr/>
         <p:nvPr/>
       </p:nvGrpSpPr>
@@ -10273,7 +11434,7 @@
       </p:grpSpPr>
       <p:sp>
         <p:nvSpPr>
-          <p:cNvPr id="132" name="Shape 132"/>
+          <p:cNvPr id="138" name="Shape 138"/>
           <p:cNvSpPr txBox="1"/>
           <p:nvPr>
             <p:ph type="title"/>
@@ -10313,7 +11474,7 @@
       </p:sp>
       <p:sp>
         <p:nvSpPr>
-          <p:cNvPr id="133" name="Shape 133"/>
+          <p:cNvPr id="139" name="Shape 139"/>
           <p:cNvSpPr/>
           <p:nvPr/>
         </p:nvSpPr>
@@ -10363,7 +11524,7 @@
       </p:sp>
       <p:grpSp>
         <p:nvGrpSpPr>
-          <p:cNvPr id="134" name="Shape 134"/>
+          <p:cNvPr id="140" name="Shape 140"/>
           <p:cNvGrpSpPr/>
           <p:nvPr/>
         </p:nvGrpSpPr>
@@ -10377,7 +11538,7 @@
         </p:grpSpPr>
         <p:sp>
           <p:nvSpPr>
-            <p:cNvPr id="135" name="Shape 135"/>
+            <p:cNvPr id="141" name="Shape 141"/>
             <p:cNvSpPr/>
             <p:nvPr/>
           </p:nvSpPr>
@@ -10429,7 +11590,7 @@
         </p:sp>
         <p:sp>
           <p:nvSpPr>
-            <p:cNvPr id="136" name="Shape 136"/>
+            <p:cNvPr id="142" name="Shape 142"/>
             <p:cNvSpPr/>
             <p:nvPr/>
           </p:nvSpPr>
@@ -10481,10 +11642,10 @@
         </p:sp>
         <p:cxnSp>
           <p:nvCxnSpPr>
-            <p:cNvPr id="137" name="Shape 137"/>
+            <p:cNvPr id="143" name="Shape 143"/>
             <p:cNvCxnSpPr>
-              <a:stCxn id="133" idx="3"/>
-              <a:endCxn id="135" idx="1"/>
+              <a:stCxn id="139" idx="3"/>
+              <a:endCxn id="141" idx="1"/>
             </p:cNvCxnSpPr>
             <p:nvPr/>
           </p:nvCxnSpPr>
@@ -10512,10 +11673,10 @@
         </p:cxnSp>
         <p:cxnSp>
           <p:nvCxnSpPr>
-            <p:cNvPr id="138" name="Shape 138"/>
+            <p:cNvPr id="144" name="Shape 144"/>
             <p:cNvCxnSpPr>
-              <a:stCxn id="133" idx="3"/>
-              <a:endCxn id="136" idx="1"/>
+              <a:stCxn id="139" idx="3"/>
+              <a:endCxn id="142" idx="1"/>
             </p:cNvCxnSpPr>
             <p:nvPr/>
           </p:nvCxnSpPr>
@@ -10544,7 +11705,7 @@
       </p:grpSp>
       <p:sp>
         <p:nvSpPr>
-          <p:cNvPr id="139" name="Shape 139"/>
+          <p:cNvPr id="145" name="Shape 145"/>
           <p:cNvSpPr txBox="1"/>
           <p:nvPr/>
         </p:nvSpPr>
@@ -10614,7 +11775,7 @@
       </p:sp>
       <p:grpSp>
         <p:nvGrpSpPr>
-          <p:cNvPr id="140" name="Shape 140"/>
+          <p:cNvPr id="146" name="Shape 146"/>
           <p:cNvGrpSpPr/>
           <p:nvPr/>
         </p:nvGrpSpPr>
@@ -10628,7 +11789,7 @@
         </p:grpSpPr>
         <p:sp>
           <p:nvSpPr>
-            <p:cNvPr id="141" name="Shape 141"/>
+            <p:cNvPr id="147" name="Shape 147"/>
             <p:cNvSpPr/>
             <p:nvPr/>
           </p:nvSpPr>
@@ -10713,7 +11874,7 @@
         </p:sp>
         <p:sp>
           <p:nvSpPr>
-            <p:cNvPr id="142" name="Shape 142"/>
+            <p:cNvPr id="148" name="Shape 148"/>
             <p:cNvSpPr/>
             <p:nvPr/>
           </p:nvSpPr>
@@ -10763,7 +11924,7 @@
         </p:sp>
         <p:sp>
           <p:nvSpPr>
-            <p:cNvPr id="143" name="Shape 143"/>
+            <p:cNvPr id="149" name="Shape 149"/>
             <p:cNvSpPr/>
             <p:nvPr/>
           </p:nvSpPr>
@@ -10833,10 +11994,10 @@
         </p:sp>
         <p:cxnSp>
           <p:nvCxnSpPr>
-            <p:cNvPr id="144" name="Shape 144"/>
+            <p:cNvPr id="150" name="Shape 150"/>
             <p:cNvCxnSpPr>
-              <a:stCxn id="142" idx="3"/>
-              <a:endCxn id="143" idx="1"/>
+              <a:stCxn id="148" idx="3"/>
+              <a:endCxn id="149" idx="1"/>
             </p:cNvCxnSpPr>
             <p:nvPr/>
           </p:nvCxnSpPr>
@@ -10862,10 +12023,10 @@
         </p:cxnSp>
         <p:cxnSp>
           <p:nvCxnSpPr>
-            <p:cNvPr id="145" name="Shape 145"/>
+            <p:cNvPr id="151" name="Shape 151"/>
             <p:cNvCxnSpPr>
-              <a:stCxn id="143" idx="3"/>
-              <a:endCxn id="133" idx="1"/>
+              <a:stCxn id="149" idx="3"/>
+              <a:endCxn id="139" idx="1"/>
             </p:cNvCxnSpPr>
             <p:nvPr/>
           </p:nvCxnSpPr>
@@ -10891,7 +12052,7 @@
         </p:cxnSp>
         <p:grpSp>
           <p:nvGrpSpPr>
-            <p:cNvPr id="146" name="Shape 146"/>
+            <p:cNvPr id="152" name="Shape 152"/>
             <p:cNvGrpSpPr/>
             <p:nvPr/>
           </p:nvGrpSpPr>
@@ -10905,7 +12066,7 @@
           </p:grpSpPr>
           <p:grpSp>
             <p:nvGrpSpPr>
-              <p:cNvPr id="147" name="Shape 147"/>
+              <p:cNvPr id="153" name="Shape 153"/>
               <p:cNvGrpSpPr/>
               <p:nvPr/>
             </p:nvGrpSpPr>
@@ -10919,7 +12080,7 @@
             </p:grpSpPr>
             <p:sp>
               <p:nvSpPr>
-                <p:cNvPr id="148" name="Shape 148"/>
+                <p:cNvPr id="154" name="Shape 154"/>
                 <p:cNvSpPr/>
                 <p:nvPr/>
               </p:nvSpPr>
@@ -10968,7 +12129,7 @@
             </p:sp>
             <p:sp>
               <p:nvSpPr>
-                <p:cNvPr id="149" name="Shape 149"/>
+                <p:cNvPr id="155" name="Shape 155"/>
                 <p:cNvSpPr/>
                 <p:nvPr/>
               </p:nvSpPr>
@@ -11018,7 +12179,7 @@
             </p:sp>
             <p:sp>
               <p:nvSpPr>
-                <p:cNvPr id="150" name="Shape 150"/>
+                <p:cNvPr id="156" name="Shape 156"/>
                 <p:cNvSpPr/>
                 <p:nvPr/>
               </p:nvSpPr>
@@ -11060,7 +12221,7 @@
                   </a:pPr>
                   <a:r>
                     <a:rPr b="1" lang="zh-CN" sz="1000"/>
-                    <a:t>Computation the whole image using CNN</a:t>
+                    <a:t>Achor schemes</a:t>
                   </a:r>
                   <a:endParaRPr b="1" sz="1000"/>
                 </a:p>
@@ -11068,7 +12229,7 @@
             </p:sp>
             <p:sp>
               <p:nvSpPr>
-                <p:cNvPr id="151" name="Shape 151"/>
+                <p:cNvPr id="157" name="Shape 157"/>
                 <p:cNvSpPr/>
                 <p:nvPr/>
               </p:nvSpPr>
@@ -11110,7 +12271,7 @@
                   </a:pPr>
                   <a:r>
                     <a:rPr b="1" lang="zh-CN" sz="1000"/>
-                    <a:t>Region Propose layer</a:t>
+                    <a:t>Region Propose Net</a:t>
                   </a:r>
                   <a:endParaRPr b="1" sz="1000"/>
                 </a:p>
@@ -11119,10 +12280,10 @@
           </p:grpSp>
           <p:cxnSp>
             <p:nvCxnSpPr>
-              <p:cNvPr id="152" name="Shape 152"/>
+              <p:cNvPr id="158" name="Shape 158"/>
               <p:cNvCxnSpPr>
-                <a:stCxn id="143" idx="2"/>
-                <a:endCxn id="148" idx="0"/>
+                <a:stCxn id="149" idx="2"/>
+                <a:endCxn id="154" idx="0"/>
               </p:cNvCxnSpPr>
               <p:nvPr/>
             </p:nvCxnSpPr>
@@ -11150,10 +12311,10 @@
           </p:cxnSp>
           <p:cxnSp>
             <p:nvCxnSpPr>
-              <p:cNvPr id="153" name="Shape 153"/>
+              <p:cNvPr id="159" name="Shape 159"/>
               <p:cNvCxnSpPr>
-                <a:stCxn id="149" idx="3"/>
-                <a:endCxn id="151" idx="1"/>
+                <a:stCxn id="155" idx="3"/>
+                <a:endCxn id="157" idx="1"/>
               </p:cNvCxnSpPr>
               <p:nvPr/>
             </p:nvCxnSpPr>
@@ -11181,10 +12342,10 @@
           </p:cxnSp>
           <p:cxnSp>
             <p:nvCxnSpPr>
-              <p:cNvPr id="154" name="Shape 154"/>
+              <p:cNvPr id="160" name="Shape 160"/>
               <p:cNvCxnSpPr>
-                <a:stCxn id="150" idx="3"/>
-                <a:endCxn id="151" idx="1"/>
+                <a:stCxn id="156" idx="3"/>
+                <a:endCxn id="157" idx="1"/>
               </p:cNvCxnSpPr>
               <p:nvPr/>
             </p:nvCxnSpPr>
@@ -11214,7 +12375,7 @@
       </p:grpSp>
       <p:sp>
         <p:nvSpPr>
-          <p:cNvPr id="155" name="Shape 155"/>
+          <p:cNvPr id="161" name="Shape 161"/>
           <p:cNvSpPr txBox="1"/>
           <p:nvPr/>
         </p:nvSpPr>
@@ -11249,168 +12410,6 @@
             <a:r>
               <a:rPr lang="zh-CN"/>
               <a:t>The current Faster R-CNN is one of the most advanced algorithm, so I choose this algorithm as my solution.</a:t>
-            </a:r>
-            <a:endParaRPr/>
-          </a:p>
-        </p:txBody>
-      </p:sp>
-    </p:spTree>
-  </p:cSld>
-  <p:clrMapOvr>
-    <a:masterClrMapping/>
-  </p:clrMapOvr>
-</p:sld>
-</file>
-
-<file path=ppt/slides/slide7.xml><?xml version="1.0" encoding="utf-8"?>
-<p:sld xmlns:a="http://schemas.openxmlformats.org/drawingml/2006/main" xmlns:r="http://schemas.openxmlformats.org/officeDocument/2006/relationships" xmlns:mc="http://schemas.openxmlformats.org/markup-compatibility/2006" xmlns:mv="urn:schemas-microsoft-com:mac:vml" xmlns:p="http://schemas.openxmlformats.org/presentationml/2006/main" xmlns:c="http://schemas.openxmlformats.org/drawingml/2006/chart" xmlns:dgm="http://schemas.openxmlformats.org/drawingml/2006/diagram" xmlns:o="urn:schemas-microsoft-com:office:office" xmlns:v="urn:schemas-microsoft-com:vml" xmlns:pvml="urn:schemas-microsoft-com:office:powerpoint" xmlns:com="http://schemas.openxmlformats.org/drawingml/2006/compatibility" xmlns:p14="http://schemas.microsoft.com/office/powerpoint/2010/main" xmlns:p15="http://schemas.microsoft.com/office/powerpoint/2012/main">
-  <p:cSld>
-    <p:spTree>
-      <p:nvGrpSpPr>
-        <p:cNvPr id="159" name="Shape 159"/>
-        <p:cNvGrpSpPr/>
-        <p:nvPr/>
-      </p:nvGrpSpPr>
-      <p:grpSpPr>
-        <a:xfrm>
-          <a:off x="0" y="0"/>
-          <a:ext cx="0" cy="0"/>
-          <a:chOff x="0" y="0"/>
-          <a:chExt cx="0" cy="0"/>
-        </a:xfrm>
-      </p:grpSpPr>
-      <p:sp>
-        <p:nvSpPr>
-          <p:cNvPr id="160" name="Shape 160"/>
-          <p:cNvSpPr txBox="1"/>
-          <p:nvPr>
-            <p:ph type="title"/>
-          </p:nvPr>
-        </p:nvSpPr>
-        <p:spPr>
-          <a:xfrm>
-            <a:off x="311700" y="445025"/>
-            <a:ext cx="8520600" cy="572700"/>
-          </a:xfrm>
-          <a:prstGeom prst="rect">
-            <a:avLst/>
-          </a:prstGeom>
-        </p:spPr>
-        <p:txBody>
-          <a:bodyPr anchorCtr="0" anchor="t" bIns="91425" lIns="91425" spcFirstLastPara="1" rIns="91425" wrap="square" tIns="91425">
-            <a:noAutofit/>
-          </a:bodyPr>
-          <a:lstStyle/>
-          <a:p>
-            <a:pPr indent="0" lvl="0" marL="0">
-              <a:spcBef>
-                <a:spcPts val="0"/>
-              </a:spcBef>
-              <a:spcAft>
-                <a:spcPts val="0"/>
-              </a:spcAft>
-              <a:buNone/>
-            </a:pPr>
-            <a:r>
-              <a:rPr lang="zh-CN"/>
-              <a:t>Implementation: source code</a:t>
-            </a:r>
-            <a:endParaRPr/>
-          </a:p>
-        </p:txBody>
-      </p:sp>
-      <p:sp>
-        <p:nvSpPr>
-          <p:cNvPr id="161" name="Shape 161"/>
-          <p:cNvSpPr txBox="1"/>
-          <p:nvPr>
-            <p:ph idx="1" type="body"/>
-          </p:nvPr>
-        </p:nvSpPr>
-        <p:spPr>
-          <a:xfrm>
-            <a:off x="311700" y="1152475"/>
-            <a:ext cx="8520600" cy="3416400"/>
-          </a:xfrm>
-          <a:prstGeom prst="rect">
-            <a:avLst/>
-          </a:prstGeom>
-        </p:spPr>
-        <p:txBody>
-          <a:bodyPr anchorCtr="0" anchor="t" bIns="91425" lIns="91425" spcFirstLastPara="1" rIns="91425" wrap="square" tIns="91425">
-            <a:noAutofit/>
-          </a:bodyPr>
-          <a:lstStyle/>
-          <a:p>
-            <a:pPr indent="0" lvl="0" marL="0">
-              <a:spcBef>
-                <a:spcPts val="0"/>
-              </a:spcBef>
-              <a:spcAft>
-                <a:spcPts val="0"/>
-              </a:spcAft>
-              <a:buNone/>
-            </a:pPr>
-            <a:r>
-              <a:rPr lang="zh-CN"/>
-              <a:t>The source code is from </a:t>
-            </a:r>
-            <a:r>
-              <a:rPr lang="zh-CN" u="sng">
-                <a:solidFill>
-                  <a:schemeClr val="hlink"/>
-                </a:solidFill>
-                <a:hlinkClick r:id="rId3"/>
-              </a:rPr>
-              <a:t>https://github.com/yhenon/keras-frcnn.git</a:t>
-            </a:r>
-            <a:r>
-              <a:rPr lang="zh-CN"/>
-              <a:t> . Now there is better version of  </a:t>
-            </a:r>
-            <a:r>
-              <a:rPr lang="zh-CN" u="sng">
-                <a:solidFill>
-                  <a:schemeClr val="hlink"/>
-                </a:solidFill>
-                <a:hlinkClick r:id="rId4"/>
-              </a:rPr>
-              <a:t>https://github.com/fizyr/keras-retinanet.git</a:t>
-            </a:r>
-            <a:r>
-              <a:rPr lang="zh-CN"/>
-              <a:t> . In this version, the original author improves the code quality for usability, extends the interface to read more different dataset and improves the speed. </a:t>
-            </a:r>
-            <a:endParaRPr/>
-          </a:p>
-          <a:p>
-            <a:pPr indent="0" lvl="0" marL="0">
-              <a:spcBef>
-                <a:spcPts val="1600"/>
-              </a:spcBef>
-              <a:spcAft>
-                <a:spcPts val="0"/>
-              </a:spcAft>
-              <a:buNone/>
-            </a:pPr>
-            <a:r>
-              <a:t/>
-            </a:r>
-            <a:endParaRPr/>
-          </a:p>
-          <a:p>
-            <a:pPr indent="0" lvl="0" marL="0">
-              <a:spcBef>
-                <a:spcPts val="1600"/>
-              </a:spcBef>
-              <a:spcAft>
-                <a:spcPts val="1600"/>
-              </a:spcAft>
-              <a:buNone/>
-            </a:pPr>
-            <a:r>
-              <a:rPr lang="zh-CN"/>
-              <a:t>My implementation is https://github.com/kwkwvenusgod/Shopee_ObjectDetection.git</a:t>
             </a:r>
             <a:endParaRPr/>
           </a:p>
@@ -11475,7 +12474,7 @@
             </a:pPr>
             <a:r>
               <a:rPr lang="zh-CN"/>
-              <a:t>Implementation: dataset</a:t>
+              <a:t>Implementation: source code</a:t>
             </a:r>
             <a:endParaRPr/>
           </a:p>
@@ -11515,51 +12514,20 @@
             </a:pPr>
             <a:r>
               <a:rPr lang="zh-CN"/>
-              <a:t>In this task, the dataset is obtained from deep fashion. I applied the </a:t>
+              <a:t>The source code is from </a:t>
             </a:r>
             <a:r>
-              <a:rPr b="1" lang="zh-CN" u="sng">
+              <a:rPr lang="zh-CN" u="sng">
                 <a:solidFill>
                   <a:schemeClr val="hlink"/>
                 </a:solidFill>
-                <a:highlight>
-                  <a:srgbClr val="FFFFFF"/>
-                </a:highlight>
                 <a:hlinkClick r:id="rId3"/>
               </a:rPr>
-              <a:t>Consumer-to-shop Clothes Retrieval Benchmark</a:t>
-            </a:r>
-            <a:endParaRPr/>
-          </a:p>
-          <a:p>
-            <a:pPr indent="0" lvl="0" marL="0">
-              <a:spcBef>
-                <a:spcPts val="1600"/>
-              </a:spcBef>
-              <a:spcAft>
-                <a:spcPts val="1600"/>
-              </a:spcAft>
-              <a:buNone/>
-            </a:pPr>
-            <a:r>
-              <a:rPr lang="zh-CN"/>
-              <a:t>For Consumer-to-shop dataset, it has 239557 data with annotated bounding box and contains 16 categories in the total. Moreover, it covers both photo in shop and also consumers’ selfies photo. So the </a:t>
-            </a:r>
-            <a:r>
-              <a:rPr b="1" lang="zh-CN"/>
-              <a:t>diversity </a:t>
+              <a:t>https://github.com/yhenon/keras-frcnn.git</a:t>
             </a:r>
             <a:r>
               <a:rPr lang="zh-CN"/>
-              <a:t>and the </a:t>
-            </a:r>
-            <a:r>
-              <a:rPr b="1" lang="zh-CN"/>
-              <a:t>volume </a:t>
-            </a:r>
-            <a:r>
-              <a:rPr lang="zh-CN"/>
-              <a:t>is desirable for training and cover the shopee dataset. The drawback is that the dataset does not contain sufficient women’s underwear. There is dataset named </a:t>
+              <a:t> . Now there is better version of  </a:t>
             </a:r>
             <a:r>
               <a:rPr lang="zh-CN" u="sng">
@@ -11568,11 +12536,42 @@
                 </a:solidFill>
                 <a:hlinkClick r:id="rId4"/>
               </a:rPr>
-              <a:t>Objects segmentation in the fashion field</a:t>
+              <a:t>https://github.com/fizyr/keras-retinanet.git</a:t>
             </a:r>
             <a:r>
               <a:rPr lang="zh-CN"/>
-              <a:t>  which contains women’s underwear. But compare with the size with Deepfashion, the size is too small (400 images) in total; so I did not use it.</a:t>
+              <a:t> . In this version, the original author improves the code quality for usability, extends the interface to read more different dataset and improves the speed. </a:t>
+            </a:r>
+            <a:endParaRPr/>
+          </a:p>
+          <a:p>
+            <a:pPr indent="0" lvl="0" marL="0">
+              <a:spcBef>
+                <a:spcPts val="1600"/>
+              </a:spcBef>
+              <a:spcAft>
+                <a:spcPts val="0"/>
+              </a:spcAft>
+              <a:buNone/>
+            </a:pPr>
+            <a:r>
+              <a:t/>
+            </a:r>
+            <a:endParaRPr/>
+          </a:p>
+          <a:p>
+            <a:pPr indent="0" lvl="0" marL="0">
+              <a:spcBef>
+                <a:spcPts val="1600"/>
+              </a:spcBef>
+              <a:spcAft>
+                <a:spcPts val="1600"/>
+              </a:spcAft>
+              <a:buNone/>
+            </a:pPr>
+            <a:r>
+              <a:rPr lang="zh-CN"/>
+              <a:t>My implementation is https://github.com/kwkwvenusgod/Shopee_ObjectDetection.git</a:t>
             </a:r>
             <a:endParaRPr/>
           </a:p>
@@ -11637,7 +12636,7 @@
             </a:pPr>
             <a:r>
               <a:rPr lang="zh-CN"/>
-              <a:t>Implementation: training facility</a:t>
+              <a:t>Implementation: dataset</a:t>
             </a:r>
             <a:endParaRPr/>
           </a:p>
@@ -11671,13 +12670,70 @@
                 <a:spcPts val="0"/>
               </a:spcBef>
               <a:spcAft>
-                <a:spcPts val="1600"/>
+                <a:spcPts val="0"/>
               </a:spcAft>
               <a:buNone/>
             </a:pPr>
             <a:r>
               <a:rPr lang="zh-CN"/>
-              <a:t>1 GeForce GTX 1080 GPU</a:t>
+              <a:t>In this task, the dataset is obtained from deep fashion. I applied the </a:t>
+            </a:r>
+            <a:r>
+              <a:rPr b="1" lang="zh-CN" u="sng">
+                <a:solidFill>
+                  <a:schemeClr val="hlink"/>
+                </a:solidFill>
+                <a:highlight>
+                  <a:srgbClr val="FFFFFF"/>
+                </a:highlight>
+                <a:hlinkClick r:id="rId3"/>
+              </a:rPr>
+              <a:t>Consumer-to-shop Clothes Retrieval Benchmark</a:t>
+            </a:r>
+            <a:endParaRPr/>
+          </a:p>
+          <a:p>
+            <a:pPr indent="0" lvl="0" marL="0">
+              <a:spcBef>
+                <a:spcPts val="1600"/>
+              </a:spcBef>
+              <a:spcAft>
+                <a:spcPts val="1600"/>
+              </a:spcAft>
+              <a:buNone/>
+            </a:pPr>
+            <a:r>
+              <a:rPr lang="zh-CN"/>
+              <a:t>For Consumer-to-shop dataset, it has 239557 data with annotated bounding box and contains 16 categories in the total. Moreover, it covers both photo in shop and also consumers’ selfies photo. So the </a:t>
+            </a:r>
+            <a:r>
+              <a:rPr b="1" lang="zh-CN"/>
+              <a:t>diversity </a:t>
+            </a:r>
+            <a:r>
+              <a:rPr lang="zh-CN"/>
+              <a:t>and the </a:t>
+            </a:r>
+            <a:r>
+              <a:rPr b="1" lang="zh-CN"/>
+              <a:t>volume </a:t>
+            </a:r>
+            <a:r>
+              <a:rPr lang="zh-CN"/>
+              <a:t>is desirable for training and cover the shopee dataset. The drawback is that the dataset does not contain sufficient women’s underwear. There is dataset named </a:t>
+            </a:r>
+            <a:r>
+              <a:rPr lang="zh-CN" u="sng">
+                <a:solidFill>
+                  <a:schemeClr val="hlink"/>
+                </a:solidFill>
+                <a:hlinkClick r:id="rId4"/>
+              </a:rPr>
+              <a:t>Objects segmentation in the fashion field</a:t>
+            </a:r>
+            <a:r>
+              <a:rPr lang="zh-CN"/>
+              <a:t>  which contains women’s underwear. But compare with the size with Deepfashion, the size is too small (400 images) in total; so I did not use it.</a:t>
             </a:r>
             <a:endParaRPr/>
           </a:p>
